--- a/ChipManualGenerationSogt/bin/Debug/resources/files/demo.pptx
+++ b/ChipManualGenerationSogt/bin/Debug/resources/files/demo.pptx
@@ -12,14 +12,15 @@
   </p:handoutMasterIdLst>
   <p:sldIdLst>
     <p:sldId id="256" r:id="rId2"/>
-    <p:sldId id="257" r:id="R67ee06a333f24362"/>
-    <p:sldId id="258" r:id="R48a8549662704e36"/>
-    <p:sldId id="259" r:id="R31acd327496f4b8f"/>
-    <p:sldId id="260" r:id="R5cf4ad7a49ce4246"/>
-    <p:sldId id="261" r:id="Ra8ebf6e8b3f04fa1"/>
-    <p:sldId id="262" r:id="Rde28c1bbddf6422f"/>
-    <p:sldId id="263" r:id="Rffa76b96528e460a"/>
-    <p:sldId id="264" r:id="R31b8705ab9da488a"/>
+    <p:sldId id="257" r:id="Rb5f235adf65b4e27"/>
+    <p:sldId id="258" r:id="R46022045ea6148b6"/>
+    <p:sldId id="259" r:id="Rd8cc75ef94a443a8"/>
+    <p:sldId id="260" r:id="R37f8e733ec9d49aa"/>
+    <p:sldId id="261" r:id="R785b36ef038d4f94"/>
+    <p:sldId id="262" r:id="R01f8a5b996bb449c"/>
+    <p:sldId id="263" r:id="R8889a1e7a8ef4a36"/>
+    <p:sldId id="264" r:id="Rc38673c954474394"/>
+    <p:sldId id="265" r:id="R83935ab6f6c34af3"/>
   </p:sldIdLst>
   <p:sldSz cx="7773988" cy="10059988"/>
   <p:notesSz cx="7315200" cy="9601200"/>
@@ -267,7 +268,7 @@
             <a:fld id="{0F9B84EA-7D68-4D60-9CB1-D50884785D1C}" type="datetimeFigureOut">
               <a:rPr lang="zh-CN" altLang="en-US" smtClean="0"/>
               <a:pPr/>
-              <a:t>2025/10/30</a:t>
+              <a:t>2025/11/5</a:t>
             </a:fld>
             <a:endParaRPr lang="zh-CN" altLang="en-US"/>
           </a:p>
@@ -434,7 +435,7 @@
             <a:fld id="{2BE6DBB6-2952-4A93-9974-C9B86C7988FE}" type="datetimeFigureOut">
               <a:rPr lang="en-US" altLang="zh-CN"/>
               <a:pPr/>
-              <a:t>10/30/2025</a:t>
+              <a:t>11/5/2025</a:t>
             </a:fld>
             <a:endParaRPr lang="en-US" altLang="zh-CN" dirty="0"/>
           </a:p>
@@ -1427,7 +1428,7 @@
                 <a:ea typeface="宋体" panose="02010600030101010101" pitchFamily="2" charset="-122"/>
                 <a:cs typeface="Arial" panose="020B0604020202020204" pitchFamily="34" charset="0"/>
               </a:rPr>
-              <a:t>0-10GHzGHz</a:t>
+              <a:t>0-10GHz   GHz</a:t>
             </a:r>
           </a:p>
         </p:txBody>
@@ -1446,8 +1447,8 @@
         </p:nvSpPr>
         <p:spPr>
           <a:xfrm rot="5400000">
-            <a:off x="6666281" y="5730689"/>
-            <a:ext cx="1612942" cy="338554"/>
+            <a:off x="3636473" y="6047290"/>
+            <a:ext cx="7672558" cy="338554"/>
           </a:xfrm>
           <a:prstGeom prst="rect">
             <a:avLst/>
@@ -1455,12 +1456,12 @@
           <a:noFill/>
         </p:spPr>
         <p:txBody>
-          <a:bodyPr wrap="none" rtlCol="0">
+          <a:bodyPr wrap="square" rtlCol="0">
             <a:spAutoFit/>
           </a:bodyPr>
           <a:lstStyle/>
           <a:p>
-            <a:pPr marL="0" marR="0" lvl="0" indent="0" algn="l" defTabSz="914400" rtl="0" eaLnBrk="1" fontAlgn="base" latinLnBrk="0" hangingPunct="1">
+            <a:pPr marL="0" marR="0" lvl="0" indent="0" algn="ctr" defTabSz="914400" rtl="0" eaLnBrk="1" fontAlgn="base" latinLnBrk="0" hangingPunct="1">
               <a:lnSpc>
                 <a:spcPct val="100000"/>
               </a:lnSpc>
@@ -1478,7 +1479,7 @@
               <a:defRPr/>
             </a:pPr>
             <a:r>
-              <a:rPr lang="en-US" sz="1600" b="1" kern="1200">
+              <a:rPr lang="en-US" sz="1600" b="1" kern="1200" dirty="0">
                 <a:solidFill>
                   <a:schemeClr val="bg1"/>
                 </a:solidFill>
@@ -1490,16 +1491,6 @@
               </a:rPr>
               <a:t>GaAs Low Noise Amplifier MMIC 45 – 90GHz</a:t>
             </a:r>
-            <a:endParaRPr lang="en-US" sz="1600" b="1" kern="1200" dirty="0">
-              <a:solidFill>
-                <a:schemeClr val="bg1"/>
-              </a:solidFill>
-              <a:uFillTx/>
-              <a:latin typeface="Arial" panose="020B0604020202020204" pitchFamily="34" charset="0"/>
-              <a:ea typeface="宋体" panose="02010600030101010101" pitchFamily="2" charset="-122"/>
-              <a:cs typeface="Arial" panose="020B0604020202020204" pitchFamily="34" charset="0"/>
-              <a:sym typeface="+mn-ea"/>
-            </a:endParaRPr>
           </a:p>
         </p:txBody>
       </p:sp>
@@ -1542,10 +1533,10 @@
       </p:sp>
       <p:sp>
         <p:nvSpPr>
-          <p:cNvPr id="5" name="文本框 20">
+          <p:cNvPr id="6" name="文本框 21">
             <a:extLst>
               <a:ext uri="{FF2B5EF4-FFF2-40B4-BE49-F238E27FC236}">
-                <a16:creationId xmlns:a16="http://schemas.microsoft.com/office/drawing/2014/main" id="{49B129F6-5AE5-4A30-8B09-566DF303B98B}"/>
+                <a16:creationId xmlns:a16="http://schemas.microsoft.com/office/drawing/2014/main" id="{BC720A33-2175-40B5-A2F4-C422A0E480D5}"/>
               </a:ext>
             </a:extLst>
           </p:cNvPr>
@@ -1554,8 +1545,8 @@
         </p:nvSpPr>
         <p:spPr>
           <a:xfrm>
-            <a:off x="7257302" y="1283333"/>
-            <a:ext cx="430887" cy="1152128"/>
+            <a:off x="7277121" y="1293027"/>
+            <a:ext cx="430887" cy="1080119"/>
           </a:xfrm>
           <a:prstGeom prst="rect">
             <a:avLst/>
@@ -1572,14 +1563,18 @@
             <a:r>
               <a:rPr lang="en-US" altLang="zh-CN" sz="1600" b="1" dirty="0">
                 <a:solidFill>
-                  <a:schemeClr val="bg1"/>
+                  <a:schemeClr val="bg1">
+                    <a:lumMod val="95000"/>
+                  </a:schemeClr>
                 </a:solidFill>
               </a:rPr>
               <a:t>MML806</a:t>
             </a:r>
             <a:endParaRPr lang="zh-CN" altLang="en-US" sz="1600" b="1" dirty="0">
               <a:solidFill>
-                <a:schemeClr val="bg1"/>
+                <a:schemeClr val="bg1">
+                  <a:lumMod val="95000"/>
+                </a:schemeClr>
               </a:solidFill>
             </a:endParaRPr>
           </a:p>
@@ -2288,7 +2283,7 @@
         </p:nvSpPr>
         <p:spPr>
           <a:xfrm>
-            <a:off x="914400" y="3364000"/>
+            <a:off x="914400" y="3164000"/>
             <a:ext cx="6000000" cy="1100000"/>
           </a:xfrm>
           <a:prstGeom prst="rect">
@@ -2364,7 +2359,7 @@
         </p:nvSpPr>
         <p:spPr>
           <a:xfrm>
-            <a:off x="914400" y="4964000"/>
+            <a:off x="914400" y="4564000"/>
             <a:ext cx="6000000" cy="350000"/>
           </a:xfrm>
           <a:prstGeom prst="rect">
@@ -2395,7 +2390,7 @@
         </p:nvSpPr>
         <p:spPr>
           <a:xfrm>
-            <a:off x="914400" y="5414000"/>
+            <a:off x="914400" y="5014000"/>
             <a:ext cx="6000000" cy="350000"/>
           </a:xfrm>
           <a:prstGeom prst="rect">
@@ -2411,7 +2406,7 @@
               <a:rPr sz="1400" b="1">
                 <a:latin typeface="Calibri"/>
               </a:rPr>
-              <a:t>TA = +25℃, -VD=5V,ID=90mA</a:t>
+              <a:t>TA = +25℃, VD=4.5V,ID=78mA</a:t>
             </a:r>
           </a:p>
         </p:txBody>
@@ -2423,24 +2418,24 @@
           <p:nvPr/>
         </p:nvGraphicFramePr>
         <p:xfrm>
-          <a:off x="914400" y="5774000"/>
-          <a:ext cx="6000000" cy="3800000"/>
+          <a:off x="914400" y="5374000"/>
+          <a:ext cx="6100000" cy="3500000"/>
         </p:xfrm>
         <p:spPr/>
         <a:graphic>
           <a:graphicData uri="http://schemas.openxmlformats.org/drawingml/2006/table">
             <a:tbl>
               <a:tblGrid>
-                <a:gridCol w="2400000"/>
-                <a:gridCol w="514285"/>
-                <a:gridCol w="514285"/>
-                <a:gridCol w="514285"/>
-                <a:gridCol w="514285"/>
-                <a:gridCol w="514285"/>
-                <a:gridCol w="514285"/>
-                <a:gridCol w="514285"/>
+                <a:gridCol w="2033332"/>
+                <a:gridCol w="580952"/>
+                <a:gridCol w="580952"/>
+                <a:gridCol w="580952"/>
+                <a:gridCol w="580952"/>
+                <a:gridCol w="580952"/>
+                <a:gridCol w="580952"/>
+                <a:gridCol w="580952"/>
               </a:tblGrid>
-              <a:tr h="380000">
+              <a:tr h="350000">
                 <a:tc>
                   <a:txBody>
                     <a:bodyPr anchor="ctr" anchorCtr="1"/>
@@ -2462,24 +2457,36 @@
                   <a:tcPr anchor="ctr" anchorCtr="1">
                     <a:tcBdr>
                       <a:left>
-                        <a:solidFill>
-                          <a:srgbClr val="D0D0D0"/>
-                        </a:solidFill>
-                      </a:left>
-                      <a:right>
-                        <a:solidFill>
-                          <a:srgbClr val="D0D0D0"/>
-                        </a:solidFill>
-                      </a:right>
-                      <a:top>
-                        <a:solidFill>
-                          <a:srgbClr val="D0D0D0"/>
-                        </a:solidFill>
-                      </a:top>
-                      <a:bottom>
-                        <a:solidFill>
-                          <a:srgbClr val="D0D0D0"/>
-                        </a:solidFill>
+                        <a:ln w="6350" cap="flat" cmpd="sng" algn="ctr">
+                          <a:solidFill>
+                            <a:srgbClr val="D9D9D9"/>
+                          </a:solidFill>
+                          <a:prstDash val="solid"/>
+                        </a:ln>
+                      </a:left>
+                      <a:right>
+                        <a:ln w="6350" cap="flat" cmpd="sng" algn="ctr">
+                          <a:solidFill>
+                            <a:srgbClr val="D9D9D9"/>
+                          </a:solidFill>
+                          <a:prstDash val="solid"/>
+                        </a:ln>
+                      </a:right>
+                      <a:top>
+                        <a:ln w="6350" cap="flat" cmpd="sng" algn="ctr">
+                          <a:solidFill>
+                            <a:srgbClr val="D9D9D9"/>
+                          </a:solidFill>
+                          <a:prstDash val="solid"/>
+                        </a:ln>
+                      </a:top>
+                      <a:bottom>
+                        <a:ln w="6350" cap="flat" cmpd="sng" algn="ctr">
+                          <a:solidFill>
+                            <a:srgbClr val="D9D9D9"/>
+                          </a:solidFill>
+                          <a:prstDash val="solid"/>
+                        </a:ln>
                       </a:bottom>
                     </a:tcBdr>
                     <a:solidFill>
@@ -2500,7 +2507,7 @@
                           </a:solidFill>
                           <a:latin typeface="Calibri"/>
                         </a:rPr>
-                        <a:t>Min</a:t>
+                        <a:t>Min.</a:t>
                       </a:r>
                       <a:endParaRPr lang="en-US"/>
                     </a:p>
@@ -2508,24 +2515,36 @@
                   <a:tcPr anchor="ctr" anchorCtr="1">
                     <a:tcBdr>
                       <a:left>
-                        <a:solidFill>
-                          <a:srgbClr val="D0D0D0"/>
-                        </a:solidFill>
-                      </a:left>
-                      <a:right>
-                        <a:solidFill>
-                          <a:srgbClr val="D0D0D0"/>
-                        </a:solidFill>
-                      </a:right>
-                      <a:top>
-                        <a:solidFill>
-                          <a:srgbClr val="D0D0D0"/>
-                        </a:solidFill>
-                      </a:top>
-                      <a:bottom>
-                        <a:solidFill>
-                          <a:srgbClr val="D0D0D0"/>
-                        </a:solidFill>
+                        <a:ln w="6350" cap="flat" cmpd="sng" algn="ctr">
+                          <a:solidFill>
+                            <a:srgbClr val="D9D9D9"/>
+                          </a:solidFill>
+                          <a:prstDash val="solid"/>
+                        </a:ln>
+                      </a:left>
+                      <a:right>
+                        <a:ln w="6350" cap="flat" cmpd="sng" algn="ctr">
+                          <a:solidFill>
+                            <a:srgbClr val="D9D9D9"/>
+                          </a:solidFill>
+                          <a:prstDash val="solid"/>
+                        </a:ln>
+                      </a:right>
+                      <a:top>
+                        <a:ln w="6350" cap="flat" cmpd="sng" algn="ctr">
+                          <a:solidFill>
+                            <a:srgbClr val="D9D9D9"/>
+                          </a:solidFill>
+                          <a:prstDash val="solid"/>
+                        </a:ln>
+                      </a:top>
+                      <a:bottom>
+                        <a:ln w="6350" cap="flat" cmpd="sng" algn="ctr">
+                          <a:solidFill>
+                            <a:srgbClr val="D9D9D9"/>
+                          </a:solidFill>
+                          <a:prstDash val="solid"/>
+                        </a:ln>
                       </a:bottom>
                     </a:tcBdr>
                     <a:solidFill>
@@ -2546,7 +2565,7 @@
                           </a:solidFill>
                           <a:latin typeface="Calibri"/>
                         </a:rPr>
-                        <a:t>Type</a:t>
+                        <a:t>Type.</a:t>
                       </a:r>
                       <a:endParaRPr lang="en-US"/>
                     </a:p>
@@ -2554,24 +2573,36 @@
                   <a:tcPr anchor="ctr" anchorCtr="1">
                     <a:tcBdr>
                       <a:left>
-                        <a:solidFill>
-                          <a:srgbClr val="D0D0D0"/>
-                        </a:solidFill>
-                      </a:left>
-                      <a:right>
-                        <a:solidFill>
-                          <a:srgbClr val="D0D0D0"/>
-                        </a:solidFill>
-                      </a:right>
-                      <a:top>
-                        <a:solidFill>
-                          <a:srgbClr val="D0D0D0"/>
-                        </a:solidFill>
-                      </a:top>
-                      <a:bottom>
-                        <a:solidFill>
-                          <a:srgbClr val="D0D0D0"/>
-                        </a:solidFill>
+                        <a:ln w="6350" cap="flat" cmpd="sng" algn="ctr">
+                          <a:solidFill>
+                            <a:srgbClr val="D9D9D9"/>
+                          </a:solidFill>
+                          <a:prstDash val="solid"/>
+                        </a:ln>
+                      </a:left>
+                      <a:right>
+                        <a:ln w="6350" cap="flat" cmpd="sng" algn="ctr">
+                          <a:solidFill>
+                            <a:srgbClr val="D9D9D9"/>
+                          </a:solidFill>
+                          <a:prstDash val="solid"/>
+                        </a:ln>
+                      </a:right>
+                      <a:top>
+                        <a:ln w="6350" cap="flat" cmpd="sng" algn="ctr">
+                          <a:solidFill>
+                            <a:srgbClr val="D9D9D9"/>
+                          </a:solidFill>
+                          <a:prstDash val="solid"/>
+                        </a:ln>
+                      </a:top>
+                      <a:bottom>
+                        <a:ln w="6350" cap="flat" cmpd="sng" algn="ctr">
+                          <a:solidFill>
+                            <a:srgbClr val="D9D9D9"/>
+                          </a:solidFill>
+                          <a:prstDash val="solid"/>
+                        </a:ln>
                       </a:bottom>
                     </a:tcBdr>
                     <a:solidFill>
@@ -2592,7 +2623,7 @@
                           </a:solidFill>
                           <a:latin typeface="Calibri"/>
                         </a:rPr>
-                        <a:t>Max</a:t>
+                        <a:t>Max.</a:t>
                       </a:r>
                       <a:endParaRPr lang="en-US"/>
                     </a:p>
@@ -2600,24 +2631,36 @@
                   <a:tcPr anchor="ctr" anchorCtr="1">
                     <a:tcBdr>
                       <a:left>
-                        <a:solidFill>
-                          <a:srgbClr val="D0D0D0"/>
-                        </a:solidFill>
-                      </a:left>
-                      <a:right>
-                        <a:solidFill>
-                          <a:srgbClr val="D0D0D0"/>
-                        </a:solidFill>
-                      </a:right>
-                      <a:top>
-                        <a:solidFill>
-                          <a:srgbClr val="D0D0D0"/>
-                        </a:solidFill>
-                      </a:top>
-                      <a:bottom>
-                        <a:solidFill>
-                          <a:srgbClr val="D0D0D0"/>
-                        </a:solidFill>
+                        <a:ln w="6350" cap="flat" cmpd="sng" algn="ctr">
+                          <a:solidFill>
+                            <a:srgbClr val="D9D9D9"/>
+                          </a:solidFill>
+                          <a:prstDash val="solid"/>
+                        </a:ln>
+                      </a:left>
+                      <a:right>
+                        <a:ln w="6350" cap="flat" cmpd="sng" algn="ctr">
+                          <a:solidFill>
+                            <a:srgbClr val="D9D9D9"/>
+                          </a:solidFill>
+                          <a:prstDash val="solid"/>
+                        </a:ln>
+                      </a:right>
+                      <a:top>
+                        <a:ln w="6350" cap="flat" cmpd="sng" algn="ctr">
+                          <a:solidFill>
+                            <a:srgbClr val="D9D9D9"/>
+                          </a:solidFill>
+                          <a:prstDash val="solid"/>
+                        </a:ln>
+                      </a:top>
+                      <a:bottom>
+                        <a:ln w="6350" cap="flat" cmpd="sng" algn="ctr">
+                          <a:solidFill>
+                            <a:srgbClr val="D9D9D9"/>
+                          </a:solidFill>
+                          <a:prstDash val="solid"/>
+                        </a:ln>
                       </a:bottom>
                     </a:tcBdr>
                     <a:solidFill>
@@ -2638,7 +2681,7 @@
                           </a:solidFill>
                           <a:latin typeface="Calibri"/>
                         </a:rPr>
-                        <a:t>Min</a:t>
+                        <a:t>Min.</a:t>
                       </a:r>
                       <a:endParaRPr lang="en-US"/>
                     </a:p>
@@ -2646,24 +2689,36 @@
                   <a:tcPr anchor="ctr" anchorCtr="1">
                     <a:tcBdr>
                       <a:left>
-                        <a:solidFill>
-                          <a:srgbClr val="D0D0D0"/>
-                        </a:solidFill>
-                      </a:left>
-                      <a:right>
-                        <a:solidFill>
-                          <a:srgbClr val="D0D0D0"/>
-                        </a:solidFill>
-                      </a:right>
-                      <a:top>
-                        <a:solidFill>
-                          <a:srgbClr val="D0D0D0"/>
-                        </a:solidFill>
-                      </a:top>
-                      <a:bottom>
-                        <a:solidFill>
-                          <a:srgbClr val="D0D0D0"/>
-                        </a:solidFill>
+                        <a:ln w="6350" cap="flat" cmpd="sng" algn="ctr">
+                          <a:solidFill>
+                            <a:srgbClr val="D9D9D9"/>
+                          </a:solidFill>
+                          <a:prstDash val="solid"/>
+                        </a:ln>
+                      </a:left>
+                      <a:right>
+                        <a:ln w="6350" cap="flat" cmpd="sng" algn="ctr">
+                          <a:solidFill>
+                            <a:srgbClr val="D9D9D9"/>
+                          </a:solidFill>
+                          <a:prstDash val="solid"/>
+                        </a:ln>
+                      </a:right>
+                      <a:top>
+                        <a:ln w="6350" cap="flat" cmpd="sng" algn="ctr">
+                          <a:solidFill>
+                            <a:srgbClr val="D9D9D9"/>
+                          </a:solidFill>
+                          <a:prstDash val="solid"/>
+                        </a:ln>
+                      </a:top>
+                      <a:bottom>
+                        <a:ln w="6350" cap="flat" cmpd="sng" algn="ctr">
+                          <a:solidFill>
+                            <a:srgbClr val="D9D9D9"/>
+                          </a:solidFill>
+                          <a:prstDash val="solid"/>
+                        </a:ln>
                       </a:bottom>
                     </a:tcBdr>
                     <a:solidFill>
@@ -2684,7 +2739,7 @@
                           </a:solidFill>
                           <a:latin typeface="Calibri"/>
                         </a:rPr>
-                        <a:t>Type</a:t>
+                        <a:t>Type.</a:t>
                       </a:r>
                       <a:endParaRPr lang="en-US"/>
                     </a:p>
@@ -2692,24 +2747,36 @@
                   <a:tcPr anchor="ctr" anchorCtr="1">
                     <a:tcBdr>
                       <a:left>
-                        <a:solidFill>
-                          <a:srgbClr val="D0D0D0"/>
-                        </a:solidFill>
-                      </a:left>
-                      <a:right>
-                        <a:solidFill>
-                          <a:srgbClr val="D0D0D0"/>
-                        </a:solidFill>
-                      </a:right>
-                      <a:top>
-                        <a:solidFill>
-                          <a:srgbClr val="D0D0D0"/>
-                        </a:solidFill>
-                      </a:top>
-                      <a:bottom>
-                        <a:solidFill>
-                          <a:srgbClr val="D0D0D0"/>
-                        </a:solidFill>
+                        <a:ln w="6350" cap="flat" cmpd="sng" algn="ctr">
+                          <a:solidFill>
+                            <a:srgbClr val="D9D9D9"/>
+                          </a:solidFill>
+                          <a:prstDash val="solid"/>
+                        </a:ln>
+                      </a:left>
+                      <a:right>
+                        <a:ln w="6350" cap="flat" cmpd="sng" algn="ctr">
+                          <a:solidFill>
+                            <a:srgbClr val="D9D9D9"/>
+                          </a:solidFill>
+                          <a:prstDash val="solid"/>
+                        </a:ln>
+                      </a:right>
+                      <a:top>
+                        <a:ln w="6350" cap="flat" cmpd="sng" algn="ctr">
+                          <a:solidFill>
+                            <a:srgbClr val="D9D9D9"/>
+                          </a:solidFill>
+                          <a:prstDash val="solid"/>
+                        </a:ln>
+                      </a:top>
+                      <a:bottom>
+                        <a:ln w="6350" cap="flat" cmpd="sng" algn="ctr">
+                          <a:solidFill>
+                            <a:srgbClr val="D9D9D9"/>
+                          </a:solidFill>
+                          <a:prstDash val="solid"/>
+                        </a:ln>
                       </a:bottom>
                     </a:tcBdr>
                     <a:solidFill>
@@ -2730,7 +2797,7 @@
                           </a:solidFill>
                           <a:latin typeface="Calibri"/>
                         </a:rPr>
-                        <a:t>Max</a:t>
+                        <a:t>Max.</a:t>
                       </a:r>
                       <a:endParaRPr lang="en-US"/>
                     </a:p>
@@ -2738,24 +2805,36 @@
                   <a:tcPr anchor="ctr" anchorCtr="1">
                     <a:tcBdr>
                       <a:left>
-                        <a:solidFill>
-                          <a:srgbClr val="D0D0D0"/>
-                        </a:solidFill>
-                      </a:left>
-                      <a:right>
-                        <a:solidFill>
-                          <a:srgbClr val="D0D0D0"/>
-                        </a:solidFill>
-                      </a:right>
-                      <a:top>
-                        <a:solidFill>
-                          <a:srgbClr val="D0D0D0"/>
-                        </a:solidFill>
-                      </a:top>
-                      <a:bottom>
-                        <a:solidFill>
-                          <a:srgbClr val="D0D0D0"/>
-                        </a:solidFill>
+                        <a:ln w="6350" cap="flat" cmpd="sng" algn="ctr">
+                          <a:solidFill>
+                            <a:srgbClr val="D9D9D9"/>
+                          </a:solidFill>
+                          <a:prstDash val="solid"/>
+                        </a:ln>
+                      </a:left>
+                      <a:right>
+                        <a:ln w="6350" cap="flat" cmpd="sng" algn="ctr">
+                          <a:solidFill>
+                            <a:srgbClr val="D9D9D9"/>
+                          </a:solidFill>
+                          <a:prstDash val="solid"/>
+                        </a:ln>
+                      </a:right>
+                      <a:top>
+                        <a:ln w="6350" cap="flat" cmpd="sng" algn="ctr">
+                          <a:solidFill>
+                            <a:srgbClr val="D9D9D9"/>
+                          </a:solidFill>
+                          <a:prstDash val="solid"/>
+                        </a:ln>
+                      </a:top>
+                      <a:bottom>
+                        <a:ln w="6350" cap="flat" cmpd="sng" algn="ctr">
+                          <a:solidFill>
+                            <a:srgbClr val="D9D9D9"/>
+                          </a:solidFill>
+                          <a:prstDash val="solid"/>
+                        </a:ln>
                       </a:bottom>
                     </a:tcBdr>
                     <a:solidFill>
@@ -2784,24 +2863,36 @@
                   <a:tcPr anchor="ctr" anchorCtr="1">
                     <a:tcBdr>
                       <a:left>
-                        <a:solidFill>
-                          <a:srgbClr val="D0D0D0"/>
-                        </a:solidFill>
-                      </a:left>
-                      <a:right>
-                        <a:solidFill>
-                          <a:srgbClr val="D0D0D0"/>
-                        </a:solidFill>
-                      </a:right>
-                      <a:top>
-                        <a:solidFill>
-                          <a:srgbClr val="D0D0D0"/>
-                        </a:solidFill>
-                      </a:top>
-                      <a:bottom>
-                        <a:solidFill>
-                          <a:srgbClr val="D0D0D0"/>
-                        </a:solidFill>
+                        <a:ln w="6350" cap="flat" cmpd="sng" algn="ctr">
+                          <a:solidFill>
+                            <a:srgbClr val="D9D9D9"/>
+                          </a:solidFill>
+                          <a:prstDash val="solid"/>
+                        </a:ln>
+                      </a:left>
+                      <a:right>
+                        <a:ln w="6350" cap="flat" cmpd="sng" algn="ctr">
+                          <a:solidFill>
+                            <a:srgbClr val="D9D9D9"/>
+                          </a:solidFill>
+                          <a:prstDash val="solid"/>
+                        </a:ln>
+                      </a:right>
+                      <a:top>
+                        <a:ln w="6350" cap="flat" cmpd="sng" algn="ctr">
+                          <a:solidFill>
+                            <a:srgbClr val="D9D9D9"/>
+                          </a:solidFill>
+                          <a:prstDash val="solid"/>
+                        </a:ln>
+                      </a:top>
+                      <a:bottom>
+                        <a:ln w="6350" cap="flat" cmpd="sng" algn="ctr">
+                          <a:solidFill>
+                            <a:srgbClr val="D9D9D9"/>
+                          </a:solidFill>
+                          <a:prstDash val="solid"/>
+                        </a:ln>
                       </a:bottom>
                     </a:tcBdr>
                     <a:solidFill>
@@ -2810,7 +2901,7 @@
                   </a:tcPr>
                 </a:tc>
               </a:tr>
-              <a:tr h="380000">
+              <a:tr h="350000">
                 <a:tc>
                   <a:txBody>
                     <a:bodyPr anchor="ctr" anchorCtr="1"/>
@@ -2829,24 +2920,36 @@
                   <a:tcPr anchor="ctr" anchorCtr="1">
                     <a:tcBdr>
                       <a:left>
-                        <a:solidFill>
-                          <a:srgbClr val="D0D0D0"/>
-                        </a:solidFill>
-                      </a:left>
-                      <a:right>
-                        <a:solidFill>
-                          <a:srgbClr val="D0D0D0"/>
-                        </a:solidFill>
-                      </a:right>
-                      <a:top>
-                        <a:solidFill>
-                          <a:srgbClr val="D0D0D0"/>
-                        </a:solidFill>
-                      </a:top>
-                      <a:bottom>
-                        <a:solidFill>
-                          <a:srgbClr val="D0D0D0"/>
-                        </a:solidFill>
+                        <a:ln w="6350" cap="flat" cmpd="sng" algn="ctr">
+                          <a:solidFill>
+                            <a:srgbClr val="D9D9D9"/>
+                          </a:solidFill>
+                          <a:prstDash val="solid"/>
+                        </a:ln>
+                      </a:left>
+                      <a:right>
+                        <a:ln w="6350" cap="flat" cmpd="sng" algn="ctr">
+                          <a:solidFill>
+                            <a:srgbClr val="D9D9D9"/>
+                          </a:solidFill>
+                          <a:prstDash val="solid"/>
+                        </a:ln>
+                      </a:right>
+                      <a:top>
+                        <a:ln w="6350" cap="flat" cmpd="sng" algn="ctr">
+                          <a:solidFill>
+                            <a:srgbClr val="D9D9D9"/>
+                          </a:solidFill>
+                          <a:prstDash val="solid"/>
+                        </a:ln>
+                      </a:top>
+                      <a:bottom>
+                        <a:ln w="6350" cap="flat" cmpd="sng" algn="ctr">
+                          <a:solidFill>
+                            <a:srgbClr val="D9D9D9"/>
+                          </a:solidFill>
+                          <a:prstDash val="solid"/>
+                        </a:ln>
                       </a:bottom>
                     </a:tcBdr>
                   </a:tcPr>
@@ -2869,24 +2972,36 @@
                   <a:tcPr anchor="ctr" anchorCtr="1">
                     <a:tcBdr>
                       <a:left>
-                        <a:solidFill>
-                          <a:srgbClr val="D0D0D0"/>
-                        </a:solidFill>
-                      </a:left>
-                      <a:right>
-                        <a:solidFill>
-                          <a:srgbClr val="D0D0D0"/>
-                        </a:solidFill>
-                      </a:right>
-                      <a:top>
-                        <a:solidFill>
-                          <a:srgbClr val="D0D0D0"/>
-                        </a:solidFill>
-                      </a:top>
-                      <a:bottom>
-                        <a:solidFill>
-                          <a:srgbClr val="D0D0D0"/>
-                        </a:solidFill>
+                        <a:ln w="6350" cap="flat" cmpd="sng" algn="ctr">
+                          <a:solidFill>
+                            <a:srgbClr val="D9D9D9"/>
+                          </a:solidFill>
+                          <a:prstDash val="solid"/>
+                        </a:ln>
+                      </a:left>
+                      <a:right>
+                        <a:ln w="6350" cap="flat" cmpd="sng" algn="ctr">
+                          <a:solidFill>
+                            <a:srgbClr val="D9D9D9"/>
+                          </a:solidFill>
+                          <a:prstDash val="solid"/>
+                        </a:ln>
+                      </a:right>
+                      <a:top>
+                        <a:ln w="6350" cap="flat" cmpd="sng" algn="ctr">
+                          <a:solidFill>
+                            <a:srgbClr val="D9D9D9"/>
+                          </a:solidFill>
+                          <a:prstDash val="solid"/>
+                        </a:ln>
+                      </a:top>
+                      <a:bottom>
+                        <a:ln w="6350" cap="flat" cmpd="sng" algn="ctr">
+                          <a:solidFill>
+                            <a:srgbClr val="D9D9D9"/>
+                          </a:solidFill>
+                          <a:prstDash val="solid"/>
+                        </a:ln>
                       </a:bottom>
                     </a:tcBdr>
                   </a:tcPr>
@@ -2909,24 +3024,36 @@
                   <a:tcPr anchor="ctr" anchorCtr="1">
                     <a:tcBdr>
                       <a:left>
-                        <a:solidFill>
-                          <a:srgbClr val="D0D0D0"/>
-                        </a:solidFill>
-                      </a:left>
-                      <a:right>
-                        <a:solidFill>
-                          <a:srgbClr val="D0D0D0"/>
-                        </a:solidFill>
-                      </a:right>
-                      <a:top>
-                        <a:solidFill>
-                          <a:srgbClr val="D0D0D0"/>
-                        </a:solidFill>
-                      </a:top>
-                      <a:bottom>
-                        <a:solidFill>
-                          <a:srgbClr val="D0D0D0"/>
-                        </a:solidFill>
+                        <a:ln w="6350" cap="flat" cmpd="sng" algn="ctr">
+                          <a:solidFill>
+                            <a:srgbClr val="D9D9D9"/>
+                          </a:solidFill>
+                          <a:prstDash val="solid"/>
+                        </a:ln>
+                      </a:left>
+                      <a:right>
+                        <a:ln w="6350" cap="flat" cmpd="sng" algn="ctr">
+                          <a:solidFill>
+                            <a:srgbClr val="D9D9D9"/>
+                          </a:solidFill>
+                          <a:prstDash val="solid"/>
+                        </a:ln>
+                      </a:right>
+                      <a:top>
+                        <a:ln w="6350" cap="flat" cmpd="sng" algn="ctr">
+                          <a:solidFill>
+                            <a:srgbClr val="D9D9D9"/>
+                          </a:solidFill>
+                          <a:prstDash val="solid"/>
+                        </a:ln>
+                      </a:top>
+                      <a:bottom>
+                        <a:ln w="6350" cap="flat" cmpd="sng" algn="ctr">
+                          <a:solidFill>
+                            <a:srgbClr val="D9D9D9"/>
+                          </a:solidFill>
+                          <a:prstDash val="solid"/>
+                        </a:ln>
                       </a:bottom>
                     </a:tcBdr>
                   </a:tcPr>
@@ -2949,24 +3076,36 @@
                   <a:tcPr anchor="ctr" anchorCtr="1">
                     <a:tcBdr>
                       <a:left>
-                        <a:solidFill>
-                          <a:srgbClr val="D0D0D0"/>
-                        </a:solidFill>
-                      </a:left>
-                      <a:right>
-                        <a:solidFill>
-                          <a:srgbClr val="D0D0D0"/>
-                        </a:solidFill>
-                      </a:right>
-                      <a:top>
-                        <a:solidFill>
-                          <a:srgbClr val="D0D0D0"/>
-                        </a:solidFill>
-                      </a:top>
-                      <a:bottom>
-                        <a:solidFill>
-                          <a:srgbClr val="D0D0D0"/>
-                        </a:solidFill>
+                        <a:ln w="6350" cap="flat" cmpd="sng" algn="ctr">
+                          <a:solidFill>
+                            <a:srgbClr val="D9D9D9"/>
+                          </a:solidFill>
+                          <a:prstDash val="solid"/>
+                        </a:ln>
+                      </a:left>
+                      <a:right>
+                        <a:ln w="6350" cap="flat" cmpd="sng" algn="ctr">
+                          <a:solidFill>
+                            <a:srgbClr val="D9D9D9"/>
+                          </a:solidFill>
+                          <a:prstDash val="solid"/>
+                        </a:ln>
+                      </a:right>
+                      <a:top>
+                        <a:ln w="6350" cap="flat" cmpd="sng" algn="ctr">
+                          <a:solidFill>
+                            <a:srgbClr val="D9D9D9"/>
+                          </a:solidFill>
+                          <a:prstDash val="solid"/>
+                        </a:ln>
+                      </a:top>
+                      <a:bottom>
+                        <a:ln w="6350" cap="flat" cmpd="sng" algn="ctr">
+                          <a:solidFill>
+                            <a:srgbClr val="D9D9D9"/>
+                          </a:solidFill>
+                          <a:prstDash val="solid"/>
+                        </a:ln>
                       </a:bottom>
                     </a:tcBdr>
                   </a:tcPr>
@@ -2989,24 +3128,36 @@
                   <a:tcPr anchor="ctr" anchorCtr="1">
                     <a:tcBdr>
                       <a:left>
-                        <a:solidFill>
-                          <a:srgbClr val="D0D0D0"/>
-                        </a:solidFill>
-                      </a:left>
-                      <a:right>
-                        <a:solidFill>
-                          <a:srgbClr val="D0D0D0"/>
-                        </a:solidFill>
-                      </a:right>
-                      <a:top>
-                        <a:solidFill>
-                          <a:srgbClr val="D0D0D0"/>
-                        </a:solidFill>
-                      </a:top>
-                      <a:bottom>
-                        <a:solidFill>
-                          <a:srgbClr val="D0D0D0"/>
-                        </a:solidFill>
+                        <a:ln w="6350" cap="flat" cmpd="sng" algn="ctr">
+                          <a:solidFill>
+                            <a:srgbClr val="D9D9D9"/>
+                          </a:solidFill>
+                          <a:prstDash val="solid"/>
+                        </a:ln>
+                      </a:left>
+                      <a:right>
+                        <a:ln w="6350" cap="flat" cmpd="sng" algn="ctr">
+                          <a:solidFill>
+                            <a:srgbClr val="D9D9D9"/>
+                          </a:solidFill>
+                          <a:prstDash val="solid"/>
+                        </a:ln>
+                      </a:right>
+                      <a:top>
+                        <a:ln w="6350" cap="flat" cmpd="sng" algn="ctr">
+                          <a:solidFill>
+                            <a:srgbClr val="D9D9D9"/>
+                          </a:solidFill>
+                          <a:prstDash val="solid"/>
+                        </a:ln>
+                      </a:top>
+                      <a:bottom>
+                        <a:ln w="6350" cap="flat" cmpd="sng" algn="ctr">
+                          <a:solidFill>
+                            <a:srgbClr val="D9D9D9"/>
+                          </a:solidFill>
+                          <a:prstDash val="solid"/>
+                        </a:ln>
                       </a:bottom>
                     </a:tcBdr>
                   </a:tcPr>
@@ -3029,24 +3180,36 @@
                   <a:tcPr anchor="ctr" anchorCtr="1">
                     <a:tcBdr>
                       <a:left>
-                        <a:solidFill>
-                          <a:srgbClr val="D0D0D0"/>
-                        </a:solidFill>
-                      </a:left>
-                      <a:right>
-                        <a:solidFill>
-                          <a:srgbClr val="D0D0D0"/>
-                        </a:solidFill>
-                      </a:right>
-                      <a:top>
-                        <a:solidFill>
-                          <a:srgbClr val="D0D0D0"/>
-                        </a:solidFill>
-                      </a:top>
-                      <a:bottom>
-                        <a:solidFill>
-                          <a:srgbClr val="D0D0D0"/>
-                        </a:solidFill>
+                        <a:ln w="6350" cap="flat" cmpd="sng" algn="ctr">
+                          <a:solidFill>
+                            <a:srgbClr val="D9D9D9"/>
+                          </a:solidFill>
+                          <a:prstDash val="solid"/>
+                        </a:ln>
+                      </a:left>
+                      <a:right>
+                        <a:ln w="6350" cap="flat" cmpd="sng" algn="ctr">
+                          <a:solidFill>
+                            <a:srgbClr val="D9D9D9"/>
+                          </a:solidFill>
+                          <a:prstDash val="solid"/>
+                        </a:ln>
+                      </a:right>
+                      <a:top>
+                        <a:ln w="6350" cap="flat" cmpd="sng" algn="ctr">
+                          <a:solidFill>
+                            <a:srgbClr val="D9D9D9"/>
+                          </a:solidFill>
+                          <a:prstDash val="solid"/>
+                        </a:ln>
+                      </a:top>
+                      <a:bottom>
+                        <a:ln w="6350" cap="flat" cmpd="sng" algn="ctr">
+                          <a:solidFill>
+                            <a:srgbClr val="D9D9D9"/>
+                          </a:solidFill>
+                          <a:prstDash val="solid"/>
+                        </a:ln>
                       </a:bottom>
                     </a:tcBdr>
                   </a:tcPr>
@@ -3069,24 +3232,36 @@
                   <a:tcPr anchor="ctr" anchorCtr="1">
                     <a:tcBdr>
                       <a:left>
-                        <a:solidFill>
-                          <a:srgbClr val="D0D0D0"/>
-                        </a:solidFill>
-                      </a:left>
-                      <a:right>
-                        <a:solidFill>
-                          <a:srgbClr val="D0D0D0"/>
-                        </a:solidFill>
-                      </a:right>
-                      <a:top>
-                        <a:solidFill>
-                          <a:srgbClr val="D0D0D0"/>
-                        </a:solidFill>
-                      </a:top>
-                      <a:bottom>
-                        <a:solidFill>
-                          <a:srgbClr val="D0D0D0"/>
-                        </a:solidFill>
+                        <a:ln w="6350" cap="flat" cmpd="sng" algn="ctr">
+                          <a:solidFill>
+                            <a:srgbClr val="D9D9D9"/>
+                          </a:solidFill>
+                          <a:prstDash val="solid"/>
+                        </a:ln>
+                      </a:left>
+                      <a:right>
+                        <a:ln w="6350" cap="flat" cmpd="sng" algn="ctr">
+                          <a:solidFill>
+                            <a:srgbClr val="D9D9D9"/>
+                          </a:solidFill>
+                          <a:prstDash val="solid"/>
+                        </a:ln>
+                      </a:right>
+                      <a:top>
+                        <a:ln w="6350" cap="flat" cmpd="sng" algn="ctr">
+                          <a:solidFill>
+                            <a:srgbClr val="D9D9D9"/>
+                          </a:solidFill>
+                          <a:prstDash val="solid"/>
+                        </a:ln>
+                      </a:top>
+                      <a:bottom>
+                        <a:ln w="6350" cap="flat" cmpd="sng" algn="ctr">
+                          <a:solidFill>
+                            <a:srgbClr val="D9D9D9"/>
+                          </a:solidFill>
+                          <a:prstDash val="solid"/>
+                        </a:ln>
                       </a:bottom>
                     </a:tcBdr>
                   </a:tcPr>
@@ -3109,30 +3284,42 @@
                   <a:tcPr anchor="ctr" anchorCtr="1">
                     <a:tcBdr>
                       <a:left>
-                        <a:solidFill>
-                          <a:srgbClr val="D0D0D0"/>
-                        </a:solidFill>
-                      </a:left>
-                      <a:right>
-                        <a:solidFill>
-                          <a:srgbClr val="D0D0D0"/>
-                        </a:solidFill>
-                      </a:right>
-                      <a:top>
-                        <a:solidFill>
-                          <a:srgbClr val="D0D0D0"/>
-                        </a:solidFill>
-                      </a:top>
-                      <a:bottom>
-                        <a:solidFill>
-                          <a:srgbClr val="D0D0D0"/>
-                        </a:solidFill>
+                        <a:ln w="6350" cap="flat" cmpd="sng" algn="ctr">
+                          <a:solidFill>
+                            <a:srgbClr val="D9D9D9"/>
+                          </a:solidFill>
+                          <a:prstDash val="solid"/>
+                        </a:ln>
+                      </a:left>
+                      <a:right>
+                        <a:ln w="6350" cap="flat" cmpd="sng" algn="ctr">
+                          <a:solidFill>
+                            <a:srgbClr val="D9D9D9"/>
+                          </a:solidFill>
+                          <a:prstDash val="solid"/>
+                        </a:ln>
+                      </a:right>
+                      <a:top>
+                        <a:ln w="6350" cap="flat" cmpd="sng" algn="ctr">
+                          <a:solidFill>
+                            <a:srgbClr val="D9D9D9"/>
+                          </a:solidFill>
+                          <a:prstDash val="solid"/>
+                        </a:ln>
+                      </a:top>
+                      <a:bottom>
+                        <a:ln w="6350" cap="flat" cmpd="sng" algn="ctr">
+                          <a:solidFill>
+                            <a:srgbClr val="D9D9D9"/>
+                          </a:solidFill>
+                          <a:prstDash val="solid"/>
+                        </a:ln>
                       </a:bottom>
                     </a:tcBdr>
                   </a:tcPr>
                 </a:tc>
               </a:tr>
-              <a:tr h="380000">
+              <a:tr h="350000">
                 <a:tc>
                   <a:txBody>
                     <a:bodyPr anchor="ctr" anchorCtr="1"/>
@@ -3151,24 +3338,36 @@
                   <a:tcPr anchor="ctr" anchorCtr="1">
                     <a:tcBdr>
                       <a:left>
-                        <a:solidFill>
-                          <a:srgbClr val="D0D0D0"/>
-                        </a:solidFill>
-                      </a:left>
-                      <a:right>
-                        <a:solidFill>
-                          <a:srgbClr val="D0D0D0"/>
-                        </a:solidFill>
-                      </a:right>
-                      <a:top>
-                        <a:solidFill>
-                          <a:srgbClr val="D0D0D0"/>
-                        </a:solidFill>
-                      </a:top>
-                      <a:bottom>
-                        <a:solidFill>
-                          <a:srgbClr val="D0D0D0"/>
-                        </a:solidFill>
+                        <a:ln w="6350" cap="flat" cmpd="sng" algn="ctr">
+                          <a:solidFill>
+                            <a:srgbClr val="D9D9D9"/>
+                          </a:solidFill>
+                          <a:prstDash val="solid"/>
+                        </a:ln>
+                      </a:left>
+                      <a:right>
+                        <a:ln w="6350" cap="flat" cmpd="sng" algn="ctr">
+                          <a:solidFill>
+                            <a:srgbClr val="D9D9D9"/>
+                          </a:solidFill>
+                          <a:prstDash val="solid"/>
+                        </a:ln>
+                      </a:right>
+                      <a:top>
+                        <a:ln w="6350" cap="flat" cmpd="sng" algn="ctr">
+                          <a:solidFill>
+                            <a:srgbClr val="D9D9D9"/>
+                          </a:solidFill>
+                          <a:prstDash val="solid"/>
+                        </a:ln>
+                      </a:top>
+                      <a:bottom>
+                        <a:ln w="6350" cap="flat" cmpd="sng" algn="ctr">
+                          <a:solidFill>
+                            <a:srgbClr val="D9D9D9"/>
+                          </a:solidFill>
+                          <a:prstDash val="solid"/>
+                        </a:ln>
                       </a:bottom>
                     </a:tcBdr>
                   </a:tcPr>
@@ -3183,7 +3382,7 @@
                         <a:rPr sz="1100" b="1">
                           <a:latin typeface="Calibri"/>
                         </a:rPr>
-                        <a:t>-46.7</a:t>
+                        <a:t>-51.7</a:t>
                       </a:r>
                       <a:endParaRPr lang="en-US"/>
                     </a:p>
@@ -3191,24 +3390,36 @@
                   <a:tcPr anchor="ctr" anchorCtr="1">
                     <a:tcBdr>
                       <a:left>
-                        <a:solidFill>
-                          <a:srgbClr val="D0D0D0"/>
-                        </a:solidFill>
-                      </a:left>
-                      <a:right>
-                        <a:solidFill>
-                          <a:srgbClr val="D0D0D0"/>
-                        </a:solidFill>
-                      </a:right>
-                      <a:top>
-                        <a:solidFill>
-                          <a:srgbClr val="D0D0D0"/>
-                        </a:solidFill>
-                      </a:top>
-                      <a:bottom>
-                        <a:solidFill>
-                          <a:srgbClr val="D0D0D0"/>
-                        </a:solidFill>
+                        <a:ln w="6350" cap="flat" cmpd="sng" algn="ctr">
+                          <a:solidFill>
+                            <a:srgbClr val="D9D9D9"/>
+                          </a:solidFill>
+                          <a:prstDash val="solid"/>
+                        </a:ln>
+                      </a:left>
+                      <a:right>
+                        <a:ln w="6350" cap="flat" cmpd="sng" algn="ctr">
+                          <a:solidFill>
+                            <a:srgbClr val="D9D9D9"/>
+                          </a:solidFill>
+                          <a:prstDash val="solid"/>
+                        </a:ln>
+                      </a:right>
+                      <a:top>
+                        <a:ln w="6350" cap="flat" cmpd="sng" algn="ctr">
+                          <a:solidFill>
+                            <a:srgbClr val="D9D9D9"/>
+                          </a:solidFill>
+                          <a:prstDash val="solid"/>
+                        </a:ln>
+                      </a:top>
+                      <a:bottom>
+                        <a:ln w="6350" cap="flat" cmpd="sng" algn="ctr">
+                          <a:solidFill>
+                            <a:srgbClr val="D9D9D9"/>
+                          </a:solidFill>
+                          <a:prstDash val="solid"/>
+                        </a:ln>
                       </a:bottom>
                     </a:tcBdr>
                   </a:tcPr>
@@ -3223,7 +3434,7 @@
                         <a:rPr sz="1100" b="1">
                           <a:latin typeface="Calibri"/>
                         </a:rPr>
-                        <a:t>-8.4</a:t>
+                        <a:t>-11.3</a:t>
                       </a:r>
                       <a:endParaRPr lang="en-US"/>
                     </a:p>
@@ -3231,24 +3442,36 @@
                   <a:tcPr anchor="ctr" anchorCtr="1">
                     <a:tcBdr>
                       <a:left>
-                        <a:solidFill>
-                          <a:srgbClr val="D0D0D0"/>
-                        </a:solidFill>
-                      </a:left>
-                      <a:right>
-                        <a:solidFill>
-                          <a:srgbClr val="D0D0D0"/>
-                        </a:solidFill>
-                      </a:right>
-                      <a:top>
-                        <a:solidFill>
-                          <a:srgbClr val="D0D0D0"/>
-                        </a:solidFill>
-                      </a:top>
-                      <a:bottom>
-                        <a:solidFill>
-                          <a:srgbClr val="D0D0D0"/>
-                        </a:solidFill>
+                        <a:ln w="6350" cap="flat" cmpd="sng" algn="ctr">
+                          <a:solidFill>
+                            <a:srgbClr val="D9D9D9"/>
+                          </a:solidFill>
+                          <a:prstDash val="solid"/>
+                        </a:ln>
+                      </a:left>
+                      <a:right>
+                        <a:ln w="6350" cap="flat" cmpd="sng" algn="ctr">
+                          <a:solidFill>
+                            <a:srgbClr val="D9D9D9"/>
+                          </a:solidFill>
+                          <a:prstDash val="solid"/>
+                        </a:ln>
+                      </a:right>
+                      <a:top>
+                        <a:ln w="6350" cap="flat" cmpd="sng" algn="ctr">
+                          <a:solidFill>
+                            <a:srgbClr val="D9D9D9"/>
+                          </a:solidFill>
+                          <a:prstDash val="solid"/>
+                        </a:ln>
+                      </a:top>
+                      <a:bottom>
+                        <a:ln w="6350" cap="flat" cmpd="sng" algn="ctr">
+                          <a:solidFill>
+                            <a:srgbClr val="D9D9D9"/>
+                          </a:solidFill>
+                          <a:prstDash val="solid"/>
+                        </a:ln>
                       </a:bottom>
                     </a:tcBdr>
                   </a:tcPr>
@@ -3263,7 +3486,7 @@
                         <a:rPr sz="1100" b="1">
                           <a:latin typeface="Calibri"/>
                         </a:rPr>
-                        <a:t>29.8</a:t>
+                        <a:t>29.2</a:t>
                       </a:r>
                       <a:endParaRPr lang="en-US"/>
                     </a:p>
@@ -3271,24 +3494,36 @@
                   <a:tcPr anchor="ctr" anchorCtr="1">
                     <a:tcBdr>
                       <a:left>
-                        <a:solidFill>
-                          <a:srgbClr val="D0D0D0"/>
-                        </a:solidFill>
-                      </a:left>
-                      <a:right>
-                        <a:solidFill>
-                          <a:srgbClr val="D0D0D0"/>
-                        </a:solidFill>
-                      </a:right>
-                      <a:top>
-                        <a:solidFill>
-                          <a:srgbClr val="D0D0D0"/>
-                        </a:solidFill>
-                      </a:top>
-                      <a:bottom>
-                        <a:solidFill>
-                          <a:srgbClr val="D0D0D0"/>
-                        </a:solidFill>
+                        <a:ln w="6350" cap="flat" cmpd="sng" algn="ctr">
+                          <a:solidFill>
+                            <a:srgbClr val="D9D9D9"/>
+                          </a:solidFill>
+                          <a:prstDash val="solid"/>
+                        </a:ln>
+                      </a:left>
+                      <a:right>
+                        <a:ln w="6350" cap="flat" cmpd="sng" algn="ctr">
+                          <a:solidFill>
+                            <a:srgbClr val="D9D9D9"/>
+                          </a:solidFill>
+                          <a:prstDash val="solid"/>
+                        </a:ln>
+                      </a:right>
+                      <a:top>
+                        <a:ln w="6350" cap="flat" cmpd="sng" algn="ctr">
+                          <a:solidFill>
+                            <a:srgbClr val="D9D9D9"/>
+                          </a:solidFill>
+                          <a:prstDash val="solid"/>
+                        </a:ln>
+                      </a:top>
+                      <a:bottom>
+                        <a:ln w="6350" cap="flat" cmpd="sng" algn="ctr">
+                          <a:solidFill>
+                            <a:srgbClr val="D9D9D9"/>
+                          </a:solidFill>
+                          <a:prstDash val="solid"/>
+                        </a:ln>
                       </a:bottom>
                     </a:tcBdr>
                   </a:tcPr>
@@ -3303,7 +3538,7 @@
                         <a:rPr sz="1100" b="1">
                           <a:latin typeface="Calibri"/>
                         </a:rPr>
-                        <a:t>25.2</a:t>
+                        <a:t>24.5</a:t>
                       </a:r>
                       <a:endParaRPr lang="en-US"/>
                     </a:p>
@@ -3311,24 +3546,36 @@
                   <a:tcPr anchor="ctr" anchorCtr="1">
                     <a:tcBdr>
                       <a:left>
-                        <a:solidFill>
-                          <a:srgbClr val="D0D0D0"/>
-                        </a:solidFill>
-                      </a:left>
-                      <a:right>
-                        <a:solidFill>
-                          <a:srgbClr val="D0D0D0"/>
-                        </a:solidFill>
-                      </a:right>
-                      <a:top>
-                        <a:solidFill>
-                          <a:srgbClr val="D0D0D0"/>
-                        </a:solidFill>
-                      </a:top>
-                      <a:bottom>
-                        <a:solidFill>
-                          <a:srgbClr val="D0D0D0"/>
-                        </a:solidFill>
+                        <a:ln w="6350" cap="flat" cmpd="sng" algn="ctr">
+                          <a:solidFill>
+                            <a:srgbClr val="D9D9D9"/>
+                          </a:solidFill>
+                          <a:prstDash val="solid"/>
+                        </a:ln>
+                      </a:left>
+                      <a:right>
+                        <a:ln w="6350" cap="flat" cmpd="sng" algn="ctr">
+                          <a:solidFill>
+                            <a:srgbClr val="D9D9D9"/>
+                          </a:solidFill>
+                          <a:prstDash val="solid"/>
+                        </a:ln>
+                      </a:right>
+                      <a:top>
+                        <a:ln w="6350" cap="flat" cmpd="sng" algn="ctr">
+                          <a:solidFill>
+                            <a:srgbClr val="D9D9D9"/>
+                          </a:solidFill>
+                          <a:prstDash val="solid"/>
+                        </a:ln>
+                      </a:top>
+                      <a:bottom>
+                        <a:ln w="6350" cap="flat" cmpd="sng" algn="ctr">
+                          <a:solidFill>
+                            <a:srgbClr val="D9D9D9"/>
+                          </a:solidFill>
+                          <a:prstDash val="solid"/>
+                        </a:ln>
                       </a:bottom>
                     </a:tcBdr>
                   </a:tcPr>
@@ -3343,7 +3590,7 @@
                         <a:rPr sz="1100" b="1">
                           <a:latin typeface="Calibri"/>
                         </a:rPr>
-                        <a:t>27.4</a:t>
+                        <a:t>26.7</a:t>
                       </a:r>
                       <a:endParaRPr lang="en-US"/>
                     </a:p>
@@ -3351,24 +3598,36 @@
                   <a:tcPr anchor="ctr" anchorCtr="1">
                     <a:tcBdr>
                       <a:left>
-                        <a:solidFill>
-                          <a:srgbClr val="D0D0D0"/>
-                        </a:solidFill>
-                      </a:left>
-                      <a:right>
-                        <a:solidFill>
-                          <a:srgbClr val="D0D0D0"/>
-                        </a:solidFill>
-                      </a:right>
-                      <a:top>
-                        <a:solidFill>
-                          <a:srgbClr val="D0D0D0"/>
-                        </a:solidFill>
-                      </a:top>
-                      <a:bottom>
-                        <a:solidFill>
-                          <a:srgbClr val="D0D0D0"/>
-                        </a:solidFill>
+                        <a:ln w="6350" cap="flat" cmpd="sng" algn="ctr">
+                          <a:solidFill>
+                            <a:srgbClr val="D9D9D9"/>
+                          </a:solidFill>
+                          <a:prstDash val="solid"/>
+                        </a:ln>
+                      </a:left>
+                      <a:right>
+                        <a:ln w="6350" cap="flat" cmpd="sng" algn="ctr">
+                          <a:solidFill>
+                            <a:srgbClr val="D9D9D9"/>
+                          </a:solidFill>
+                          <a:prstDash val="solid"/>
+                        </a:ln>
+                      </a:right>
+                      <a:top>
+                        <a:ln w="6350" cap="flat" cmpd="sng" algn="ctr">
+                          <a:solidFill>
+                            <a:srgbClr val="D9D9D9"/>
+                          </a:solidFill>
+                          <a:prstDash val="solid"/>
+                        </a:ln>
+                      </a:top>
+                      <a:bottom>
+                        <a:ln w="6350" cap="flat" cmpd="sng" algn="ctr">
+                          <a:solidFill>
+                            <a:srgbClr val="D9D9D9"/>
+                          </a:solidFill>
+                          <a:prstDash val="solid"/>
+                        </a:ln>
                       </a:bottom>
                     </a:tcBdr>
                   </a:tcPr>
@@ -3383,7 +3642,7 @@
                         <a:rPr sz="1100" b="1">
                           <a:latin typeface="Calibri"/>
                         </a:rPr>
-                        <a:t>29.7</a:t>
+                        <a:t>29.0</a:t>
                       </a:r>
                       <a:endParaRPr lang="en-US"/>
                     </a:p>
@@ -3391,24 +3650,36 @@
                   <a:tcPr anchor="ctr" anchorCtr="1">
                     <a:tcBdr>
                       <a:left>
-                        <a:solidFill>
-                          <a:srgbClr val="D0D0D0"/>
-                        </a:solidFill>
-                      </a:left>
-                      <a:right>
-                        <a:solidFill>
-                          <a:srgbClr val="D0D0D0"/>
-                        </a:solidFill>
-                      </a:right>
-                      <a:top>
-                        <a:solidFill>
-                          <a:srgbClr val="D0D0D0"/>
-                        </a:solidFill>
-                      </a:top>
-                      <a:bottom>
-                        <a:solidFill>
-                          <a:srgbClr val="D0D0D0"/>
-                        </a:solidFill>
+                        <a:ln w="6350" cap="flat" cmpd="sng" algn="ctr">
+                          <a:solidFill>
+                            <a:srgbClr val="D9D9D9"/>
+                          </a:solidFill>
+                          <a:prstDash val="solid"/>
+                        </a:ln>
+                      </a:left>
+                      <a:right>
+                        <a:ln w="6350" cap="flat" cmpd="sng" algn="ctr">
+                          <a:solidFill>
+                            <a:srgbClr val="D9D9D9"/>
+                          </a:solidFill>
+                          <a:prstDash val="solid"/>
+                        </a:ln>
+                      </a:right>
+                      <a:top>
+                        <a:ln w="6350" cap="flat" cmpd="sng" algn="ctr">
+                          <a:solidFill>
+                            <a:srgbClr val="D9D9D9"/>
+                          </a:solidFill>
+                          <a:prstDash val="solid"/>
+                        </a:ln>
+                      </a:top>
+                      <a:bottom>
+                        <a:ln w="6350" cap="flat" cmpd="sng" algn="ctr">
+                          <a:solidFill>
+                            <a:srgbClr val="D9D9D9"/>
+                          </a:solidFill>
+                          <a:prstDash val="solid"/>
+                        </a:ln>
                       </a:bottom>
                     </a:tcBdr>
                   </a:tcPr>
@@ -3431,30 +3702,42 @@
                   <a:tcPr anchor="ctr" anchorCtr="1">
                     <a:tcBdr>
                       <a:left>
-                        <a:solidFill>
-                          <a:srgbClr val="D0D0D0"/>
-                        </a:solidFill>
-                      </a:left>
-                      <a:right>
-                        <a:solidFill>
-                          <a:srgbClr val="D0D0D0"/>
-                        </a:solidFill>
-                      </a:right>
-                      <a:top>
-                        <a:solidFill>
-                          <a:srgbClr val="D0D0D0"/>
-                        </a:solidFill>
-                      </a:top>
-                      <a:bottom>
-                        <a:solidFill>
-                          <a:srgbClr val="D0D0D0"/>
-                        </a:solidFill>
+                        <a:ln w="6350" cap="flat" cmpd="sng" algn="ctr">
+                          <a:solidFill>
+                            <a:srgbClr val="D9D9D9"/>
+                          </a:solidFill>
+                          <a:prstDash val="solid"/>
+                        </a:ln>
+                      </a:left>
+                      <a:right>
+                        <a:ln w="6350" cap="flat" cmpd="sng" algn="ctr">
+                          <a:solidFill>
+                            <a:srgbClr val="D9D9D9"/>
+                          </a:solidFill>
+                          <a:prstDash val="solid"/>
+                        </a:ln>
+                      </a:right>
+                      <a:top>
+                        <a:ln w="6350" cap="flat" cmpd="sng" algn="ctr">
+                          <a:solidFill>
+                            <a:srgbClr val="D9D9D9"/>
+                          </a:solidFill>
+                          <a:prstDash val="solid"/>
+                        </a:ln>
+                      </a:top>
+                      <a:bottom>
+                        <a:ln w="6350" cap="flat" cmpd="sng" algn="ctr">
+                          <a:solidFill>
+                            <a:srgbClr val="D9D9D9"/>
+                          </a:solidFill>
+                          <a:prstDash val="solid"/>
+                        </a:ln>
                       </a:bottom>
                     </a:tcBdr>
                   </a:tcPr>
                 </a:tc>
               </a:tr>
-              <a:tr h="380000">
+              <a:tr h="350000">
                 <a:tc>
                   <a:txBody>
                     <a:bodyPr anchor="ctr" anchorCtr="1"/>
@@ -3473,24 +3756,36 @@
                   <a:tcPr anchor="ctr" anchorCtr="1">
                     <a:tcBdr>
                       <a:left>
-                        <a:solidFill>
-                          <a:srgbClr val="D0D0D0"/>
-                        </a:solidFill>
-                      </a:left>
-                      <a:right>
-                        <a:solidFill>
-                          <a:srgbClr val="D0D0D0"/>
-                        </a:solidFill>
-                      </a:right>
-                      <a:top>
-                        <a:solidFill>
-                          <a:srgbClr val="D0D0D0"/>
-                        </a:solidFill>
-                      </a:top>
-                      <a:bottom>
-                        <a:solidFill>
-                          <a:srgbClr val="D0D0D0"/>
-                        </a:solidFill>
+                        <a:ln w="6350" cap="flat" cmpd="sng" algn="ctr">
+                          <a:solidFill>
+                            <a:srgbClr val="D9D9D9"/>
+                          </a:solidFill>
+                          <a:prstDash val="solid"/>
+                        </a:ln>
+                      </a:left>
+                      <a:right>
+                        <a:ln w="6350" cap="flat" cmpd="sng" algn="ctr">
+                          <a:solidFill>
+                            <a:srgbClr val="D9D9D9"/>
+                          </a:solidFill>
+                          <a:prstDash val="solid"/>
+                        </a:ln>
+                      </a:right>
+                      <a:top>
+                        <a:ln w="6350" cap="flat" cmpd="sng" algn="ctr">
+                          <a:solidFill>
+                            <a:srgbClr val="D9D9D9"/>
+                          </a:solidFill>
+                          <a:prstDash val="solid"/>
+                        </a:ln>
+                      </a:top>
+                      <a:bottom>
+                        <a:ln w="6350" cap="flat" cmpd="sng" algn="ctr">
+                          <a:solidFill>
+                            <a:srgbClr val="D9D9D9"/>
+                          </a:solidFill>
+                          <a:prstDash val="solid"/>
+                        </a:ln>
                       </a:bottom>
                     </a:tcBdr>
                   </a:tcPr>
@@ -3513,24 +3808,36 @@
                   <a:tcPr anchor="ctr" anchorCtr="1">
                     <a:tcBdr>
                       <a:left>
-                        <a:solidFill>
-                          <a:srgbClr val="D0D0D0"/>
-                        </a:solidFill>
-                      </a:left>
-                      <a:right>
-                        <a:solidFill>
-                          <a:srgbClr val="D0D0D0"/>
-                        </a:solidFill>
-                      </a:right>
-                      <a:top>
-                        <a:solidFill>
-                          <a:srgbClr val="D0D0D0"/>
-                        </a:solidFill>
-                      </a:top>
-                      <a:bottom>
-                        <a:solidFill>
-                          <a:srgbClr val="D0D0D0"/>
-                        </a:solidFill>
+                        <a:ln w="6350" cap="flat" cmpd="sng" algn="ctr">
+                          <a:solidFill>
+                            <a:srgbClr val="D9D9D9"/>
+                          </a:solidFill>
+                          <a:prstDash val="solid"/>
+                        </a:ln>
+                      </a:left>
+                      <a:right>
+                        <a:ln w="6350" cap="flat" cmpd="sng" algn="ctr">
+                          <a:solidFill>
+                            <a:srgbClr val="D9D9D9"/>
+                          </a:solidFill>
+                          <a:prstDash val="solid"/>
+                        </a:ln>
+                      </a:right>
+                      <a:top>
+                        <a:ln w="6350" cap="flat" cmpd="sng" algn="ctr">
+                          <a:solidFill>
+                            <a:srgbClr val="D9D9D9"/>
+                          </a:solidFill>
+                          <a:prstDash val="solid"/>
+                        </a:ln>
+                      </a:top>
+                      <a:bottom>
+                        <a:ln w="6350" cap="flat" cmpd="sng" algn="ctr">
+                          <a:solidFill>
+                            <a:srgbClr val="D9D9D9"/>
+                          </a:solidFill>
+                          <a:prstDash val="solid"/>
+                        </a:ln>
                       </a:bottom>
                     </a:tcBdr>
                   </a:tcPr>
@@ -3545,7 +3852,7 @@
                         <a:rPr sz="1100" b="1">
                           <a:latin typeface="Calibri"/>
                         </a:rPr>
-                        <a:t>±42.5</a:t>
+                        <a:t>±45.0</a:t>
                       </a:r>
                       <a:endParaRPr lang="en-US"/>
                     </a:p>
@@ -3553,24 +3860,36 @@
                   <a:tcPr anchor="ctr" anchorCtr="1">
                     <a:tcBdr>
                       <a:left>
-                        <a:solidFill>
-                          <a:srgbClr val="D0D0D0"/>
-                        </a:solidFill>
-                      </a:left>
-                      <a:right>
-                        <a:solidFill>
-                          <a:srgbClr val="D0D0D0"/>
-                        </a:solidFill>
-                      </a:right>
-                      <a:top>
-                        <a:solidFill>
-                          <a:srgbClr val="D0D0D0"/>
-                        </a:solidFill>
-                      </a:top>
-                      <a:bottom>
-                        <a:solidFill>
-                          <a:srgbClr val="D0D0D0"/>
-                        </a:solidFill>
+                        <a:ln w="6350" cap="flat" cmpd="sng" algn="ctr">
+                          <a:solidFill>
+                            <a:srgbClr val="D9D9D9"/>
+                          </a:solidFill>
+                          <a:prstDash val="solid"/>
+                        </a:ln>
+                      </a:left>
+                      <a:right>
+                        <a:ln w="6350" cap="flat" cmpd="sng" algn="ctr">
+                          <a:solidFill>
+                            <a:srgbClr val="D9D9D9"/>
+                          </a:solidFill>
+                          <a:prstDash val="solid"/>
+                        </a:ln>
+                      </a:right>
+                      <a:top>
+                        <a:ln w="6350" cap="flat" cmpd="sng" algn="ctr">
+                          <a:solidFill>
+                            <a:srgbClr val="D9D9D9"/>
+                          </a:solidFill>
+                          <a:prstDash val="solid"/>
+                        </a:ln>
+                      </a:top>
+                      <a:bottom>
+                        <a:ln w="6350" cap="flat" cmpd="sng" algn="ctr">
+                          <a:solidFill>
+                            <a:srgbClr val="D9D9D9"/>
+                          </a:solidFill>
+                          <a:prstDash val="solid"/>
+                        </a:ln>
                       </a:bottom>
                     </a:tcBdr>
                   </a:tcPr>
@@ -3593,24 +3912,36 @@
                   <a:tcPr anchor="ctr" anchorCtr="1">
                     <a:tcBdr>
                       <a:left>
-                        <a:solidFill>
-                          <a:srgbClr val="D0D0D0"/>
-                        </a:solidFill>
-                      </a:left>
-                      <a:right>
-                        <a:solidFill>
-                          <a:srgbClr val="D0D0D0"/>
-                        </a:solidFill>
-                      </a:right>
-                      <a:top>
-                        <a:solidFill>
-                          <a:srgbClr val="D0D0D0"/>
-                        </a:solidFill>
-                      </a:top>
-                      <a:bottom>
-                        <a:solidFill>
-                          <a:srgbClr val="D0D0D0"/>
-                        </a:solidFill>
+                        <a:ln w="6350" cap="flat" cmpd="sng" algn="ctr">
+                          <a:solidFill>
+                            <a:srgbClr val="D9D9D9"/>
+                          </a:solidFill>
+                          <a:prstDash val="solid"/>
+                        </a:ln>
+                      </a:left>
+                      <a:right>
+                        <a:ln w="6350" cap="flat" cmpd="sng" algn="ctr">
+                          <a:solidFill>
+                            <a:srgbClr val="D9D9D9"/>
+                          </a:solidFill>
+                          <a:prstDash val="solid"/>
+                        </a:ln>
+                      </a:right>
+                      <a:top>
+                        <a:ln w="6350" cap="flat" cmpd="sng" algn="ctr">
+                          <a:solidFill>
+                            <a:srgbClr val="D9D9D9"/>
+                          </a:solidFill>
+                          <a:prstDash val="solid"/>
+                        </a:ln>
+                      </a:top>
+                      <a:bottom>
+                        <a:ln w="6350" cap="flat" cmpd="sng" algn="ctr">
+                          <a:solidFill>
+                            <a:srgbClr val="D9D9D9"/>
+                          </a:solidFill>
+                          <a:prstDash val="solid"/>
+                        </a:ln>
                       </a:bottom>
                     </a:tcBdr>
                   </a:tcPr>
@@ -3633,24 +3964,36 @@
                   <a:tcPr anchor="ctr" anchorCtr="1">
                     <a:tcBdr>
                       <a:left>
-                        <a:solidFill>
-                          <a:srgbClr val="D0D0D0"/>
-                        </a:solidFill>
-                      </a:left>
-                      <a:right>
-                        <a:solidFill>
-                          <a:srgbClr val="D0D0D0"/>
-                        </a:solidFill>
-                      </a:right>
-                      <a:top>
-                        <a:solidFill>
-                          <a:srgbClr val="D0D0D0"/>
-                        </a:solidFill>
-                      </a:top>
-                      <a:bottom>
-                        <a:solidFill>
-                          <a:srgbClr val="D0D0D0"/>
-                        </a:solidFill>
+                        <a:ln w="6350" cap="flat" cmpd="sng" algn="ctr">
+                          <a:solidFill>
+                            <a:srgbClr val="D9D9D9"/>
+                          </a:solidFill>
+                          <a:prstDash val="solid"/>
+                        </a:ln>
+                      </a:left>
+                      <a:right>
+                        <a:ln w="6350" cap="flat" cmpd="sng" algn="ctr">
+                          <a:solidFill>
+                            <a:srgbClr val="D9D9D9"/>
+                          </a:solidFill>
+                          <a:prstDash val="solid"/>
+                        </a:ln>
+                      </a:right>
+                      <a:top>
+                        <a:ln w="6350" cap="flat" cmpd="sng" algn="ctr">
+                          <a:solidFill>
+                            <a:srgbClr val="D9D9D9"/>
+                          </a:solidFill>
+                          <a:prstDash val="solid"/>
+                        </a:ln>
+                      </a:top>
+                      <a:bottom>
+                        <a:ln w="6350" cap="flat" cmpd="sng" algn="ctr">
+                          <a:solidFill>
+                            <a:srgbClr val="D9D9D9"/>
+                          </a:solidFill>
+                          <a:prstDash val="solid"/>
+                        </a:ln>
                       </a:bottom>
                     </a:tcBdr>
                   </a:tcPr>
@@ -3673,24 +4016,36 @@
                   <a:tcPr anchor="ctr" anchorCtr="1">
                     <a:tcBdr>
                       <a:left>
-                        <a:solidFill>
-                          <a:srgbClr val="D0D0D0"/>
-                        </a:solidFill>
-                      </a:left>
-                      <a:right>
-                        <a:solidFill>
-                          <a:srgbClr val="D0D0D0"/>
-                        </a:solidFill>
-                      </a:right>
-                      <a:top>
-                        <a:solidFill>
-                          <a:srgbClr val="D0D0D0"/>
-                        </a:solidFill>
-                      </a:top>
-                      <a:bottom>
-                        <a:solidFill>
-                          <a:srgbClr val="D0D0D0"/>
-                        </a:solidFill>
+                        <a:ln w="6350" cap="flat" cmpd="sng" algn="ctr">
+                          <a:solidFill>
+                            <a:srgbClr val="D9D9D9"/>
+                          </a:solidFill>
+                          <a:prstDash val="solid"/>
+                        </a:ln>
+                      </a:left>
+                      <a:right>
+                        <a:ln w="6350" cap="flat" cmpd="sng" algn="ctr">
+                          <a:solidFill>
+                            <a:srgbClr val="D9D9D9"/>
+                          </a:solidFill>
+                          <a:prstDash val="solid"/>
+                        </a:ln>
+                      </a:right>
+                      <a:top>
+                        <a:ln w="6350" cap="flat" cmpd="sng" algn="ctr">
+                          <a:solidFill>
+                            <a:srgbClr val="D9D9D9"/>
+                          </a:solidFill>
+                          <a:prstDash val="solid"/>
+                        </a:ln>
+                      </a:top>
+                      <a:bottom>
+                        <a:ln w="6350" cap="flat" cmpd="sng" algn="ctr">
+                          <a:solidFill>
+                            <a:srgbClr val="D9D9D9"/>
+                          </a:solidFill>
+                          <a:prstDash val="solid"/>
+                        </a:ln>
                       </a:bottom>
                     </a:tcBdr>
                   </a:tcPr>
@@ -3713,24 +4068,36 @@
                   <a:tcPr anchor="ctr" anchorCtr="1">
                     <a:tcBdr>
                       <a:left>
-                        <a:solidFill>
-                          <a:srgbClr val="D0D0D0"/>
-                        </a:solidFill>
-                      </a:left>
-                      <a:right>
-                        <a:solidFill>
-                          <a:srgbClr val="D0D0D0"/>
-                        </a:solidFill>
-                      </a:right>
-                      <a:top>
-                        <a:solidFill>
-                          <a:srgbClr val="D0D0D0"/>
-                        </a:solidFill>
-                      </a:top>
-                      <a:bottom>
-                        <a:solidFill>
-                          <a:srgbClr val="D0D0D0"/>
-                        </a:solidFill>
+                        <a:ln w="6350" cap="flat" cmpd="sng" algn="ctr">
+                          <a:solidFill>
+                            <a:srgbClr val="D9D9D9"/>
+                          </a:solidFill>
+                          <a:prstDash val="solid"/>
+                        </a:ln>
+                      </a:left>
+                      <a:right>
+                        <a:ln w="6350" cap="flat" cmpd="sng" algn="ctr">
+                          <a:solidFill>
+                            <a:srgbClr val="D9D9D9"/>
+                          </a:solidFill>
+                          <a:prstDash val="solid"/>
+                        </a:ln>
+                      </a:right>
+                      <a:top>
+                        <a:ln w="6350" cap="flat" cmpd="sng" algn="ctr">
+                          <a:solidFill>
+                            <a:srgbClr val="D9D9D9"/>
+                          </a:solidFill>
+                          <a:prstDash val="solid"/>
+                        </a:ln>
+                      </a:top>
+                      <a:bottom>
+                        <a:ln w="6350" cap="flat" cmpd="sng" algn="ctr">
+                          <a:solidFill>
+                            <a:srgbClr val="D9D9D9"/>
+                          </a:solidFill>
+                          <a:prstDash val="solid"/>
+                        </a:ln>
                       </a:bottom>
                     </a:tcBdr>
                   </a:tcPr>
@@ -3753,30 +4120,42 @@
                   <a:tcPr anchor="ctr" anchorCtr="1">
                     <a:tcBdr>
                       <a:left>
-                        <a:solidFill>
-                          <a:srgbClr val="D0D0D0"/>
-                        </a:solidFill>
-                      </a:left>
-                      <a:right>
-                        <a:solidFill>
-                          <a:srgbClr val="D0D0D0"/>
-                        </a:solidFill>
-                      </a:right>
-                      <a:top>
-                        <a:solidFill>
-                          <a:srgbClr val="D0D0D0"/>
-                        </a:solidFill>
-                      </a:top>
-                      <a:bottom>
-                        <a:solidFill>
-                          <a:srgbClr val="D0D0D0"/>
-                        </a:solidFill>
+                        <a:ln w="6350" cap="flat" cmpd="sng" algn="ctr">
+                          <a:solidFill>
+                            <a:srgbClr val="D9D9D9"/>
+                          </a:solidFill>
+                          <a:prstDash val="solid"/>
+                        </a:ln>
+                      </a:left>
+                      <a:right>
+                        <a:ln w="6350" cap="flat" cmpd="sng" algn="ctr">
+                          <a:solidFill>
+                            <a:srgbClr val="D9D9D9"/>
+                          </a:solidFill>
+                          <a:prstDash val="solid"/>
+                        </a:ln>
+                      </a:right>
+                      <a:top>
+                        <a:ln w="6350" cap="flat" cmpd="sng" algn="ctr">
+                          <a:solidFill>
+                            <a:srgbClr val="D9D9D9"/>
+                          </a:solidFill>
+                          <a:prstDash val="solid"/>
+                        </a:ln>
+                      </a:top>
+                      <a:bottom>
+                        <a:ln w="6350" cap="flat" cmpd="sng" algn="ctr">
+                          <a:solidFill>
+                            <a:srgbClr val="D9D9D9"/>
+                          </a:solidFill>
+                          <a:prstDash val="solid"/>
+                        </a:ln>
                       </a:bottom>
                     </a:tcBdr>
                   </a:tcPr>
                 </a:tc>
               </a:tr>
-              <a:tr h="380000">
+              <a:tr h="350000">
                 <a:tc>
                   <a:txBody>
                     <a:bodyPr anchor="ctr" anchorCtr="1"/>
@@ -3795,24 +4174,36 @@
                   <a:tcPr anchor="ctr" anchorCtr="1">
                     <a:tcBdr>
                       <a:left>
-                        <a:solidFill>
-                          <a:srgbClr val="D0D0D0"/>
-                        </a:solidFill>
-                      </a:left>
-                      <a:right>
-                        <a:solidFill>
-                          <a:srgbClr val="D0D0D0"/>
-                        </a:solidFill>
-                      </a:right>
-                      <a:top>
-                        <a:solidFill>
-                          <a:srgbClr val="D0D0D0"/>
-                        </a:solidFill>
-                      </a:top>
-                      <a:bottom>
-                        <a:solidFill>
-                          <a:srgbClr val="D0D0D0"/>
-                        </a:solidFill>
+                        <a:ln w="6350" cap="flat" cmpd="sng" algn="ctr">
+                          <a:solidFill>
+                            <a:srgbClr val="D9D9D9"/>
+                          </a:solidFill>
+                          <a:prstDash val="solid"/>
+                        </a:ln>
+                      </a:left>
+                      <a:right>
+                        <a:ln w="6350" cap="flat" cmpd="sng" algn="ctr">
+                          <a:solidFill>
+                            <a:srgbClr val="D9D9D9"/>
+                          </a:solidFill>
+                          <a:prstDash val="solid"/>
+                        </a:ln>
+                      </a:right>
+                      <a:top>
+                        <a:ln w="6350" cap="flat" cmpd="sng" algn="ctr">
+                          <a:solidFill>
+                            <a:srgbClr val="D9D9D9"/>
+                          </a:solidFill>
+                          <a:prstDash val="solid"/>
+                        </a:ln>
+                      </a:top>
+                      <a:bottom>
+                        <a:ln w="6350" cap="flat" cmpd="sng" algn="ctr">
+                          <a:solidFill>
+                            <a:srgbClr val="D9D9D9"/>
+                          </a:solidFill>
+                          <a:prstDash val="solid"/>
+                        </a:ln>
                       </a:bottom>
                     </a:tcBdr>
                   </a:tcPr>
@@ -3835,24 +4226,36 @@
                   <a:tcPr anchor="ctr" anchorCtr="1">
                     <a:tcBdr>
                       <a:left>
-                        <a:solidFill>
-                          <a:srgbClr val="D0D0D0"/>
-                        </a:solidFill>
-                      </a:left>
-                      <a:right>
-                        <a:solidFill>
-                          <a:srgbClr val="D0D0D0"/>
-                        </a:solidFill>
-                      </a:right>
-                      <a:top>
-                        <a:solidFill>
-                          <a:srgbClr val="D0D0D0"/>
-                        </a:solidFill>
-                      </a:top>
-                      <a:bottom>
-                        <a:solidFill>
-                          <a:srgbClr val="D0D0D0"/>
-                        </a:solidFill>
+                        <a:ln w="6350" cap="flat" cmpd="sng" algn="ctr">
+                          <a:solidFill>
+                            <a:srgbClr val="D9D9D9"/>
+                          </a:solidFill>
+                          <a:prstDash val="solid"/>
+                        </a:ln>
+                      </a:left>
+                      <a:right>
+                        <a:ln w="6350" cap="flat" cmpd="sng" algn="ctr">
+                          <a:solidFill>
+                            <a:srgbClr val="D9D9D9"/>
+                          </a:solidFill>
+                          <a:prstDash val="solid"/>
+                        </a:ln>
+                      </a:right>
+                      <a:top>
+                        <a:ln w="6350" cap="flat" cmpd="sng" algn="ctr">
+                          <a:solidFill>
+                            <a:srgbClr val="D9D9D9"/>
+                          </a:solidFill>
+                          <a:prstDash val="solid"/>
+                        </a:ln>
+                      </a:top>
+                      <a:bottom>
+                        <a:ln w="6350" cap="flat" cmpd="sng" algn="ctr">
+                          <a:solidFill>
+                            <a:srgbClr val="D9D9D9"/>
+                          </a:solidFill>
+                          <a:prstDash val="solid"/>
+                        </a:ln>
                       </a:bottom>
                     </a:tcBdr>
                   </a:tcPr>
@@ -3867,7 +4270,7 @@
                         <a:rPr sz="1100" b="1">
                           <a:latin typeface="Calibri"/>
                         </a:rPr>
-                        <a:t>0.9</a:t>
+                        <a:t>1.0</a:t>
                       </a:r>
                       <a:endParaRPr lang="en-US"/>
                     </a:p>
@@ -3875,24 +4278,36 @@
                   <a:tcPr anchor="ctr" anchorCtr="1">
                     <a:tcBdr>
                       <a:left>
-                        <a:solidFill>
-                          <a:srgbClr val="D0D0D0"/>
-                        </a:solidFill>
-                      </a:left>
-                      <a:right>
-                        <a:solidFill>
-                          <a:srgbClr val="D0D0D0"/>
-                        </a:solidFill>
-                      </a:right>
-                      <a:top>
-                        <a:solidFill>
-                          <a:srgbClr val="D0D0D0"/>
-                        </a:solidFill>
-                      </a:top>
-                      <a:bottom>
-                        <a:solidFill>
-                          <a:srgbClr val="D0D0D0"/>
-                        </a:solidFill>
+                        <a:ln w="6350" cap="flat" cmpd="sng" algn="ctr">
+                          <a:solidFill>
+                            <a:srgbClr val="D9D9D9"/>
+                          </a:solidFill>
+                          <a:prstDash val="solid"/>
+                        </a:ln>
+                      </a:left>
+                      <a:right>
+                        <a:ln w="6350" cap="flat" cmpd="sng" algn="ctr">
+                          <a:solidFill>
+                            <a:srgbClr val="D9D9D9"/>
+                          </a:solidFill>
+                          <a:prstDash val="solid"/>
+                        </a:ln>
+                      </a:right>
+                      <a:top>
+                        <a:ln w="6350" cap="flat" cmpd="sng" algn="ctr">
+                          <a:solidFill>
+                            <a:srgbClr val="D9D9D9"/>
+                          </a:solidFill>
+                          <a:prstDash val="solid"/>
+                        </a:ln>
+                      </a:top>
+                      <a:bottom>
+                        <a:ln w="6350" cap="flat" cmpd="sng" algn="ctr">
+                          <a:solidFill>
+                            <a:srgbClr val="D9D9D9"/>
+                          </a:solidFill>
+                          <a:prstDash val="solid"/>
+                        </a:ln>
                       </a:bottom>
                     </a:tcBdr>
                   </a:tcPr>
@@ -3907,7 +4322,7 @@
                         <a:rPr sz="1100" b="1">
                           <a:latin typeface="Calibri"/>
                         </a:rPr>
-                        <a:t>1.2</a:t>
+                        <a:t>1.4</a:t>
                       </a:r>
                       <a:endParaRPr lang="en-US"/>
                     </a:p>
@@ -3915,24 +4330,36 @@
                   <a:tcPr anchor="ctr" anchorCtr="1">
                     <a:tcBdr>
                       <a:left>
-                        <a:solidFill>
-                          <a:srgbClr val="D0D0D0"/>
-                        </a:solidFill>
-                      </a:left>
-                      <a:right>
-                        <a:solidFill>
-                          <a:srgbClr val="D0D0D0"/>
-                        </a:solidFill>
-                      </a:right>
-                      <a:top>
-                        <a:solidFill>
-                          <a:srgbClr val="D0D0D0"/>
-                        </a:solidFill>
-                      </a:top>
-                      <a:bottom>
-                        <a:solidFill>
-                          <a:srgbClr val="D0D0D0"/>
-                        </a:solidFill>
+                        <a:ln w="6350" cap="flat" cmpd="sng" algn="ctr">
+                          <a:solidFill>
+                            <a:srgbClr val="D9D9D9"/>
+                          </a:solidFill>
+                          <a:prstDash val="solid"/>
+                        </a:ln>
+                      </a:left>
+                      <a:right>
+                        <a:ln w="6350" cap="flat" cmpd="sng" algn="ctr">
+                          <a:solidFill>
+                            <a:srgbClr val="D9D9D9"/>
+                          </a:solidFill>
+                          <a:prstDash val="solid"/>
+                        </a:ln>
+                      </a:right>
+                      <a:top>
+                        <a:ln w="6350" cap="flat" cmpd="sng" algn="ctr">
+                          <a:solidFill>
+                            <a:srgbClr val="D9D9D9"/>
+                          </a:solidFill>
+                          <a:prstDash val="solid"/>
+                        </a:ln>
+                      </a:top>
+                      <a:bottom>
+                        <a:ln w="6350" cap="flat" cmpd="sng" algn="ctr">
+                          <a:solidFill>
+                            <a:srgbClr val="D9D9D9"/>
+                          </a:solidFill>
+                          <a:prstDash val="solid"/>
+                        </a:ln>
                       </a:bottom>
                     </a:tcBdr>
                   </a:tcPr>
@@ -3947,7 +4374,7 @@
                         <a:rPr sz="1100" b="1">
                           <a:latin typeface="Calibri"/>
                         </a:rPr>
-                        <a:t>0.6</a:t>
+                        <a:t>0.7</a:t>
                       </a:r>
                       <a:endParaRPr lang="en-US"/>
                     </a:p>
@@ -3955,24 +4382,36 @@
                   <a:tcPr anchor="ctr" anchorCtr="1">
                     <a:tcBdr>
                       <a:left>
-                        <a:solidFill>
-                          <a:srgbClr val="D0D0D0"/>
-                        </a:solidFill>
-                      </a:left>
-                      <a:right>
-                        <a:solidFill>
-                          <a:srgbClr val="D0D0D0"/>
-                        </a:solidFill>
-                      </a:right>
-                      <a:top>
-                        <a:solidFill>
-                          <a:srgbClr val="D0D0D0"/>
-                        </a:solidFill>
-                      </a:top>
-                      <a:bottom>
-                        <a:solidFill>
-                          <a:srgbClr val="D0D0D0"/>
-                        </a:solidFill>
+                        <a:ln w="6350" cap="flat" cmpd="sng" algn="ctr">
+                          <a:solidFill>
+                            <a:srgbClr val="D9D9D9"/>
+                          </a:solidFill>
+                          <a:prstDash val="solid"/>
+                        </a:ln>
+                      </a:left>
+                      <a:right>
+                        <a:ln w="6350" cap="flat" cmpd="sng" algn="ctr">
+                          <a:solidFill>
+                            <a:srgbClr val="D9D9D9"/>
+                          </a:solidFill>
+                          <a:prstDash val="solid"/>
+                        </a:ln>
+                      </a:right>
+                      <a:top>
+                        <a:ln w="6350" cap="flat" cmpd="sng" algn="ctr">
+                          <a:solidFill>
+                            <a:srgbClr val="D9D9D9"/>
+                          </a:solidFill>
+                          <a:prstDash val="solid"/>
+                        </a:ln>
+                      </a:top>
+                      <a:bottom>
+                        <a:ln w="6350" cap="flat" cmpd="sng" algn="ctr">
+                          <a:solidFill>
+                            <a:srgbClr val="D9D9D9"/>
+                          </a:solidFill>
+                          <a:prstDash val="solid"/>
+                        </a:ln>
                       </a:bottom>
                     </a:tcBdr>
                   </a:tcPr>
@@ -3995,24 +4434,36 @@
                   <a:tcPr anchor="ctr" anchorCtr="1">
                     <a:tcBdr>
                       <a:left>
-                        <a:solidFill>
-                          <a:srgbClr val="D0D0D0"/>
-                        </a:solidFill>
-                      </a:left>
-                      <a:right>
-                        <a:solidFill>
-                          <a:srgbClr val="D0D0D0"/>
-                        </a:solidFill>
-                      </a:right>
-                      <a:top>
-                        <a:solidFill>
-                          <a:srgbClr val="D0D0D0"/>
-                        </a:solidFill>
-                      </a:top>
-                      <a:bottom>
-                        <a:solidFill>
-                          <a:srgbClr val="D0D0D0"/>
-                        </a:solidFill>
+                        <a:ln w="6350" cap="flat" cmpd="sng" algn="ctr">
+                          <a:solidFill>
+                            <a:srgbClr val="D9D9D9"/>
+                          </a:solidFill>
+                          <a:prstDash val="solid"/>
+                        </a:ln>
+                      </a:left>
+                      <a:right>
+                        <a:ln w="6350" cap="flat" cmpd="sng" algn="ctr">
+                          <a:solidFill>
+                            <a:srgbClr val="D9D9D9"/>
+                          </a:solidFill>
+                          <a:prstDash val="solid"/>
+                        </a:ln>
+                      </a:right>
+                      <a:top>
+                        <a:ln w="6350" cap="flat" cmpd="sng" algn="ctr">
+                          <a:solidFill>
+                            <a:srgbClr val="D9D9D9"/>
+                          </a:solidFill>
+                          <a:prstDash val="solid"/>
+                        </a:ln>
+                      </a:top>
+                      <a:bottom>
+                        <a:ln w="6350" cap="flat" cmpd="sng" algn="ctr">
+                          <a:solidFill>
+                            <a:srgbClr val="D9D9D9"/>
+                          </a:solidFill>
+                          <a:prstDash val="solid"/>
+                        </a:ln>
                       </a:bottom>
                     </a:tcBdr>
                   </a:tcPr>
@@ -4027,7 +4478,7 @@
                         <a:rPr sz="1100" b="1">
                           <a:latin typeface="Calibri"/>
                         </a:rPr>
-                        <a:t>1.2</a:t>
+                        <a:t>1.1</a:t>
                       </a:r>
                       <a:endParaRPr lang="en-US"/>
                     </a:p>
@@ -4035,24 +4486,36 @@
                   <a:tcPr anchor="ctr" anchorCtr="1">
                     <a:tcBdr>
                       <a:left>
-                        <a:solidFill>
-                          <a:srgbClr val="D0D0D0"/>
-                        </a:solidFill>
-                      </a:left>
-                      <a:right>
-                        <a:solidFill>
-                          <a:srgbClr val="D0D0D0"/>
-                        </a:solidFill>
-                      </a:right>
-                      <a:top>
-                        <a:solidFill>
-                          <a:srgbClr val="D0D0D0"/>
-                        </a:solidFill>
-                      </a:top>
-                      <a:bottom>
-                        <a:solidFill>
-                          <a:srgbClr val="D0D0D0"/>
-                        </a:solidFill>
+                        <a:ln w="6350" cap="flat" cmpd="sng" algn="ctr">
+                          <a:solidFill>
+                            <a:srgbClr val="D9D9D9"/>
+                          </a:solidFill>
+                          <a:prstDash val="solid"/>
+                        </a:ln>
+                      </a:left>
+                      <a:right>
+                        <a:ln w="6350" cap="flat" cmpd="sng" algn="ctr">
+                          <a:solidFill>
+                            <a:srgbClr val="D9D9D9"/>
+                          </a:solidFill>
+                          <a:prstDash val="solid"/>
+                        </a:ln>
+                      </a:right>
+                      <a:top>
+                        <a:ln w="6350" cap="flat" cmpd="sng" algn="ctr">
+                          <a:solidFill>
+                            <a:srgbClr val="D9D9D9"/>
+                          </a:solidFill>
+                          <a:prstDash val="solid"/>
+                        </a:ln>
+                      </a:top>
+                      <a:bottom>
+                        <a:ln w="6350" cap="flat" cmpd="sng" algn="ctr">
+                          <a:solidFill>
+                            <a:srgbClr val="D9D9D9"/>
+                          </a:solidFill>
+                          <a:prstDash val="solid"/>
+                        </a:ln>
                       </a:bottom>
                     </a:tcBdr>
                   </a:tcPr>
@@ -4075,30 +4538,42 @@
                   <a:tcPr anchor="ctr" anchorCtr="1">
                     <a:tcBdr>
                       <a:left>
-                        <a:solidFill>
-                          <a:srgbClr val="D0D0D0"/>
-                        </a:solidFill>
-                      </a:left>
-                      <a:right>
-                        <a:solidFill>
-                          <a:srgbClr val="D0D0D0"/>
-                        </a:solidFill>
-                      </a:right>
-                      <a:top>
-                        <a:solidFill>
-                          <a:srgbClr val="D0D0D0"/>
-                        </a:solidFill>
-                      </a:top>
-                      <a:bottom>
-                        <a:solidFill>
-                          <a:srgbClr val="D0D0D0"/>
-                        </a:solidFill>
+                        <a:ln w="6350" cap="flat" cmpd="sng" algn="ctr">
+                          <a:solidFill>
+                            <a:srgbClr val="D9D9D9"/>
+                          </a:solidFill>
+                          <a:prstDash val="solid"/>
+                        </a:ln>
+                      </a:left>
+                      <a:right>
+                        <a:ln w="6350" cap="flat" cmpd="sng" algn="ctr">
+                          <a:solidFill>
+                            <a:srgbClr val="D9D9D9"/>
+                          </a:solidFill>
+                          <a:prstDash val="solid"/>
+                        </a:ln>
+                      </a:right>
+                      <a:top>
+                        <a:ln w="6350" cap="flat" cmpd="sng" algn="ctr">
+                          <a:solidFill>
+                            <a:srgbClr val="D9D9D9"/>
+                          </a:solidFill>
+                          <a:prstDash val="solid"/>
+                        </a:ln>
+                      </a:top>
+                      <a:bottom>
+                        <a:ln w="6350" cap="flat" cmpd="sng" algn="ctr">
+                          <a:solidFill>
+                            <a:srgbClr val="D9D9D9"/>
+                          </a:solidFill>
+                          <a:prstDash val="solid"/>
+                        </a:ln>
                       </a:bottom>
                     </a:tcBdr>
                   </a:tcPr>
                 </a:tc>
               </a:tr>
-              <a:tr h="380000">
+              <a:tr h="350000">
                 <a:tc>
                   <a:txBody>
                     <a:bodyPr anchor="ctr" anchorCtr="1"/>
@@ -4117,24 +4592,36 @@
                   <a:tcPr anchor="ctr" anchorCtr="1">
                     <a:tcBdr>
                       <a:left>
-                        <a:solidFill>
-                          <a:srgbClr val="D0D0D0"/>
-                        </a:solidFill>
-                      </a:left>
-                      <a:right>
-                        <a:solidFill>
-                          <a:srgbClr val="D0D0D0"/>
-                        </a:solidFill>
-                      </a:right>
-                      <a:top>
-                        <a:solidFill>
-                          <a:srgbClr val="D0D0D0"/>
-                        </a:solidFill>
-                      </a:top>
-                      <a:bottom>
-                        <a:solidFill>
-                          <a:srgbClr val="D0D0D0"/>
-                        </a:solidFill>
+                        <a:ln w="6350" cap="flat" cmpd="sng" algn="ctr">
+                          <a:solidFill>
+                            <a:srgbClr val="D9D9D9"/>
+                          </a:solidFill>
+                          <a:prstDash val="solid"/>
+                        </a:ln>
+                      </a:left>
+                      <a:right>
+                        <a:ln w="6350" cap="flat" cmpd="sng" algn="ctr">
+                          <a:solidFill>
+                            <a:srgbClr val="D9D9D9"/>
+                          </a:solidFill>
+                          <a:prstDash val="solid"/>
+                        </a:ln>
+                      </a:right>
+                      <a:top>
+                        <a:ln w="6350" cap="flat" cmpd="sng" algn="ctr">
+                          <a:solidFill>
+                            <a:srgbClr val="D9D9D9"/>
+                          </a:solidFill>
+                          <a:prstDash val="solid"/>
+                        </a:ln>
+                      </a:top>
+                      <a:bottom>
+                        <a:ln w="6350" cap="flat" cmpd="sng" algn="ctr">
+                          <a:solidFill>
+                            <a:srgbClr val="D9D9D9"/>
+                          </a:solidFill>
+                          <a:prstDash val="solid"/>
+                        </a:ln>
                       </a:bottom>
                     </a:tcBdr>
                   </a:tcPr>
@@ -4149,7 +4636,7 @@
                         <a:rPr sz="1100" b="1">
                           <a:latin typeface="Calibri"/>
                         </a:rPr>
-                        <a:t>12.0</a:t>
+                        <a:t>9.4</a:t>
                       </a:r>
                       <a:endParaRPr lang="en-US"/>
                     </a:p>
@@ -4157,24 +4644,36 @@
                   <a:tcPr anchor="ctr" anchorCtr="1">
                     <a:tcBdr>
                       <a:left>
-                        <a:solidFill>
-                          <a:srgbClr val="D0D0D0"/>
-                        </a:solidFill>
-                      </a:left>
-                      <a:right>
-                        <a:solidFill>
-                          <a:srgbClr val="D0D0D0"/>
-                        </a:solidFill>
-                      </a:right>
-                      <a:top>
-                        <a:solidFill>
-                          <a:srgbClr val="D0D0D0"/>
-                        </a:solidFill>
-                      </a:top>
-                      <a:bottom>
-                        <a:solidFill>
-                          <a:srgbClr val="D0D0D0"/>
-                        </a:solidFill>
+                        <a:ln w="6350" cap="flat" cmpd="sng" algn="ctr">
+                          <a:solidFill>
+                            <a:srgbClr val="D9D9D9"/>
+                          </a:solidFill>
+                          <a:prstDash val="solid"/>
+                        </a:ln>
+                      </a:left>
+                      <a:right>
+                        <a:ln w="6350" cap="flat" cmpd="sng" algn="ctr">
+                          <a:solidFill>
+                            <a:srgbClr val="D9D9D9"/>
+                          </a:solidFill>
+                          <a:prstDash val="solid"/>
+                        </a:ln>
+                      </a:right>
+                      <a:top>
+                        <a:ln w="6350" cap="flat" cmpd="sng" algn="ctr">
+                          <a:solidFill>
+                            <a:srgbClr val="D9D9D9"/>
+                          </a:solidFill>
+                          <a:prstDash val="solid"/>
+                        </a:ln>
+                      </a:top>
+                      <a:bottom>
+                        <a:ln w="6350" cap="flat" cmpd="sng" algn="ctr">
+                          <a:solidFill>
+                            <a:srgbClr val="D9D9D9"/>
+                          </a:solidFill>
+                          <a:prstDash val="solid"/>
+                        </a:ln>
                       </a:bottom>
                     </a:tcBdr>
                   </a:tcPr>
@@ -4189,7 +4688,7 @@
                         <a:rPr sz="1100" b="1">
                           <a:latin typeface="Calibri"/>
                         </a:rPr>
-                        <a:t>16.2</a:t>
+                        <a:t>13.8</a:t>
                       </a:r>
                       <a:endParaRPr lang="en-US"/>
                     </a:p>
@@ -4197,24 +4696,36 @@
                   <a:tcPr anchor="ctr" anchorCtr="1">
                     <a:tcBdr>
                       <a:left>
-                        <a:solidFill>
-                          <a:srgbClr val="D0D0D0"/>
-                        </a:solidFill>
-                      </a:left>
-                      <a:right>
-                        <a:solidFill>
-                          <a:srgbClr val="D0D0D0"/>
-                        </a:solidFill>
-                      </a:right>
-                      <a:top>
-                        <a:solidFill>
-                          <a:srgbClr val="D0D0D0"/>
-                        </a:solidFill>
-                      </a:top>
-                      <a:bottom>
-                        <a:solidFill>
-                          <a:srgbClr val="D0D0D0"/>
-                        </a:solidFill>
+                        <a:ln w="6350" cap="flat" cmpd="sng" algn="ctr">
+                          <a:solidFill>
+                            <a:srgbClr val="D9D9D9"/>
+                          </a:solidFill>
+                          <a:prstDash val="solid"/>
+                        </a:ln>
+                      </a:left>
+                      <a:right>
+                        <a:ln w="6350" cap="flat" cmpd="sng" algn="ctr">
+                          <a:solidFill>
+                            <a:srgbClr val="D9D9D9"/>
+                          </a:solidFill>
+                          <a:prstDash val="solid"/>
+                        </a:ln>
+                      </a:right>
+                      <a:top>
+                        <a:ln w="6350" cap="flat" cmpd="sng" algn="ctr">
+                          <a:solidFill>
+                            <a:srgbClr val="D9D9D9"/>
+                          </a:solidFill>
+                          <a:prstDash val="solid"/>
+                        </a:ln>
+                      </a:top>
+                      <a:bottom>
+                        <a:ln w="6350" cap="flat" cmpd="sng" algn="ctr">
+                          <a:solidFill>
+                            <a:srgbClr val="D9D9D9"/>
+                          </a:solidFill>
+                          <a:prstDash val="solid"/>
+                        </a:ln>
                       </a:bottom>
                     </a:tcBdr>
                   </a:tcPr>
@@ -4229,7 +4740,7 @@
                         <a:rPr sz="1100" b="1">
                           <a:latin typeface="Calibri"/>
                         </a:rPr>
-                        <a:t>20.3</a:t>
+                        <a:t>18.3</a:t>
                       </a:r>
                       <a:endParaRPr lang="en-US"/>
                     </a:p>
@@ -4237,24 +4748,36 @@
                   <a:tcPr anchor="ctr" anchorCtr="1">
                     <a:tcBdr>
                       <a:left>
-                        <a:solidFill>
-                          <a:srgbClr val="D0D0D0"/>
-                        </a:solidFill>
-                      </a:left>
-                      <a:right>
-                        <a:solidFill>
-                          <a:srgbClr val="D0D0D0"/>
-                        </a:solidFill>
-                      </a:right>
-                      <a:top>
-                        <a:solidFill>
-                          <a:srgbClr val="D0D0D0"/>
-                        </a:solidFill>
-                      </a:top>
-                      <a:bottom>
-                        <a:solidFill>
-                          <a:srgbClr val="D0D0D0"/>
-                        </a:solidFill>
+                        <a:ln w="6350" cap="flat" cmpd="sng" algn="ctr">
+                          <a:solidFill>
+                            <a:srgbClr val="D9D9D9"/>
+                          </a:solidFill>
+                          <a:prstDash val="solid"/>
+                        </a:ln>
+                      </a:left>
+                      <a:right>
+                        <a:ln w="6350" cap="flat" cmpd="sng" algn="ctr">
+                          <a:solidFill>
+                            <a:srgbClr val="D9D9D9"/>
+                          </a:solidFill>
+                          <a:prstDash val="solid"/>
+                        </a:ln>
+                      </a:right>
+                      <a:top>
+                        <a:ln w="6350" cap="flat" cmpd="sng" algn="ctr">
+                          <a:solidFill>
+                            <a:srgbClr val="D9D9D9"/>
+                          </a:solidFill>
+                          <a:prstDash val="solid"/>
+                        </a:ln>
+                      </a:top>
+                      <a:bottom>
+                        <a:ln w="6350" cap="flat" cmpd="sng" algn="ctr">
+                          <a:solidFill>
+                            <a:srgbClr val="D9D9D9"/>
+                          </a:solidFill>
+                          <a:prstDash val="solid"/>
+                        </a:ln>
                       </a:bottom>
                     </a:tcBdr>
                   </a:tcPr>
@@ -4269,7 +4792,7 @@
                         <a:rPr sz="1100" b="1">
                           <a:latin typeface="Calibri"/>
                         </a:rPr>
-                        <a:t>16.1</a:t>
+                        <a:t>15.5</a:t>
                       </a:r>
                       <a:endParaRPr lang="en-US"/>
                     </a:p>
@@ -4277,24 +4800,36 @@
                   <a:tcPr anchor="ctr" anchorCtr="1">
                     <a:tcBdr>
                       <a:left>
-                        <a:solidFill>
-                          <a:srgbClr val="D0D0D0"/>
-                        </a:solidFill>
-                      </a:left>
-                      <a:right>
-                        <a:solidFill>
-                          <a:srgbClr val="D0D0D0"/>
-                        </a:solidFill>
-                      </a:right>
-                      <a:top>
-                        <a:solidFill>
-                          <a:srgbClr val="D0D0D0"/>
-                        </a:solidFill>
-                      </a:top>
-                      <a:bottom>
-                        <a:solidFill>
-                          <a:srgbClr val="D0D0D0"/>
-                        </a:solidFill>
+                        <a:ln w="6350" cap="flat" cmpd="sng" algn="ctr">
+                          <a:solidFill>
+                            <a:srgbClr val="D9D9D9"/>
+                          </a:solidFill>
+                          <a:prstDash val="solid"/>
+                        </a:ln>
+                      </a:left>
+                      <a:right>
+                        <a:ln w="6350" cap="flat" cmpd="sng" algn="ctr">
+                          <a:solidFill>
+                            <a:srgbClr val="D9D9D9"/>
+                          </a:solidFill>
+                          <a:prstDash val="solid"/>
+                        </a:ln>
+                      </a:right>
+                      <a:top>
+                        <a:ln w="6350" cap="flat" cmpd="sng" algn="ctr">
+                          <a:solidFill>
+                            <a:srgbClr val="D9D9D9"/>
+                          </a:solidFill>
+                          <a:prstDash val="solid"/>
+                        </a:ln>
+                      </a:top>
+                      <a:bottom>
+                        <a:ln w="6350" cap="flat" cmpd="sng" algn="ctr">
+                          <a:solidFill>
+                            <a:srgbClr val="D9D9D9"/>
+                          </a:solidFill>
+                          <a:prstDash val="solid"/>
+                        </a:ln>
                       </a:bottom>
                     </a:tcBdr>
                   </a:tcPr>
@@ -4309,7 +4844,7 @@
                         <a:rPr sz="1100" b="1">
                           <a:latin typeface="Calibri"/>
                         </a:rPr>
-                        <a:t>17.9</a:t>
+                        <a:t>16.5</a:t>
                       </a:r>
                       <a:endParaRPr lang="en-US"/>
                     </a:p>
@@ -4317,24 +4852,36 @@
                   <a:tcPr anchor="ctr" anchorCtr="1">
                     <a:tcBdr>
                       <a:left>
-                        <a:solidFill>
-                          <a:srgbClr val="D0D0D0"/>
-                        </a:solidFill>
-                      </a:left>
-                      <a:right>
-                        <a:solidFill>
-                          <a:srgbClr val="D0D0D0"/>
-                        </a:solidFill>
-                      </a:right>
-                      <a:top>
-                        <a:solidFill>
-                          <a:srgbClr val="D0D0D0"/>
-                        </a:solidFill>
-                      </a:top>
-                      <a:bottom>
-                        <a:solidFill>
-                          <a:srgbClr val="D0D0D0"/>
-                        </a:solidFill>
+                        <a:ln w="6350" cap="flat" cmpd="sng" algn="ctr">
+                          <a:solidFill>
+                            <a:srgbClr val="D9D9D9"/>
+                          </a:solidFill>
+                          <a:prstDash val="solid"/>
+                        </a:ln>
+                      </a:left>
+                      <a:right>
+                        <a:ln w="6350" cap="flat" cmpd="sng" algn="ctr">
+                          <a:solidFill>
+                            <a:srgbClr val="D9D9D9"/>
+                          </a:solidFill>
+                          <a:prstDash val="solid"/>
+                        </a:ln>
+                      </a:right>
+                      <a:top>
+                        <a:ln w="6350" cap="flat" cmpd="sng" algn="ctr">
+                          <a:solidFill>
+                            <a:srgbClr val="D9D9D9"/>
+                          </a:solidFill>
+                          <a:prstDash val="solid"/>
+                        </a:ln>
+                      </a:top>
+                      <a:bottom>
+                        <a:ln w="6350" cap="flat" cmpd="sng" algn="ctr">
+                          <a:solidFill>
+                            <a:srgbClr val="D9D9D9"/>
+                          </a:solidFill>
+                          <a:prstDash val="solid"/>
+                        </a:ln>
                       </a:bottom>
                     </a:tcBdr>
                   </a:tcPr>
@@ -4349,7 +4896,7 @@
                         <a:rPr sz="1100" b="1">
                           <a:latin typeface="Calibri"/>
                         </a:rPr>
-                        <a:t>19.6</a:t>
+                        <a:t>17.6</a:t>
                       </a:r>
                       <a:endParaRPr lang="en-US"/>
                     </a:p>
@@ -4357,24 +4904,36 @@
                   <a:tcPr anchor="ctr" anchorCtr="1">
                     <a:tcBdr>
                       <a:left>
-                        <a:solidFill>
-                          <a:srgbClr val="D0D0D0"/>
-                        </a:solidFill>
-                      </a:left>
-                      <a:right>
-                        <a:solidFill>
-                          <a:srgbClr val="D0D0D0"/>
-                        </a:solidFill>
-                      </a:right>
-                      <a:top>
-                        <a:solidFill>
-                          <a:srgbClr val="D0D0D0"/>
-                        </a:solidFill>
-                      </a:top>
-                      <a:bottom>
-                        <a:solidFill>
-                          <a:srgbClr val="D0D0D0"/>
-                        </a:solidFill>
+                        <a:ln w="6350" cap="flat" cmpd="sng" algn="ctr">
+                          <a:solidFill>
+                            <a:srgbClr val="D9D9D9"/>
+                          </a:solidFill>
+                          <a:prstDash val="solid"/>
+                        </a:ln>
+                      </a:left>
+                      <a:right>
+                        <a:ln w="6350" cap="flat" cmpd="sng" algn="ctr">
+                          <a:solidFill>
+                            <a:srgbClr val="D9D9D9"/>
+                          </a:solidFill>
+                          <a:prstDash val="solid"/>
+                        </a:ln>
+                      </a:right>
+                      <a:top>
+                        <a:ln w="6350" cap="flat" cmpd="sng" algn="ctr">
+                          <a:solidFill>
+                            <a:srgbClr val="D9D9D9"/>
+                          </a:solidFill>
+                          <a:prstDash val="solid"/>
+                        </a:ln>
+                      </a:top>
+                      <a:bottom>
+                        <a:ln w="6350" cap="flat" cmpd="sng" algn="ctr">
+                          <a:solidFill>
+                            <a:srgbClr val="D9D9D9"/>
+                          </a:solidFill>
+                          <a:prstDash val="solid"/>
+                        </a:ln>
                       </a:bottom>
                     </a:tcBdr>
                   </a:tcPr>
@@ -4397,30 +4956,42 @@
                   <a:tcPr anchor="ctr" anchorCtr="1">
                     <a:tcBdr>
                       <a:left>
-                        <a:solidFill>
-                          <a:srgbClr val="D0D0D0"/>
-                        </a:solidFill>
-                      </a:left>
-                      <a:right>
-                        <a:solidFill>
-                          <a:srgbClr val="D0D0D0"/>
-                        </a:solidFill>
-                      </a:right>
-                      <a:top>
-                        <a:solidFill>
-                          <a:srgbClr val="D0D0D0"/>
-                        </a:solidFill>
-                      </a:top>
-                      <a:bottom>
-                        <a:solidFill>
-                          <a:srgbClr val="D0D0D0"/>
-                        </a:solidFill>
+                        <a:ln w="6350" cap="flat" cmpd="sng" algn="ctr">
+                          <a:solidFill>
+                            <a:srgbClr val="D9D9D9"/>
+                          </a:solidFill>
+                          <a:prstDash val="solid"/>
+                        </a:ln>
+                      </a:left>
+                      <a:right>
+                        <a:ln w="6350" cap="flat" cmpd="sng" algn="ctr">
+                          <a:solidFill>
+                            <a:srgbClr val="D9D9D9"/>
+                          </a:solidFill>
+                          <a:prstDash val="solid"/>
+                        </a:ln>
+                      </a:right>
+                      <a:top>
+                        <a:ln w="6350" cap="flat" cmpd="sng" algn="ctr">
+                          <a:solidFill>
+                            <a:srgbClr val="D9D9D9"/>
+                          </a:solidFill>
+                          <a:prstDash val="solid"/>
+                        </a:ln>
+                      </a:top>
+                      <a:bottom>
+                        <a:ln w="6350" cap="flat" cmpd="sng" algn="ctr">
+                          <a:solidFill>
+                            <a:srgbClr val="D9D9D9"/>
+                          </a:solidFill>
+                          <a:prstDash val="solid"/>
+                        </a:ln>
                       </a:bottom>
                     </a:tcBdr>
                   </a:tcPr>
                 </a:tc>
               </a:tr>
-              <a:tr h="380000">
+              <a:tr h="350000">
                 <a:tc>
                   <a:txBody>
                     <a:bodyPr anchor="ctr" anchorCtr="1"/>
@@ -4439,24 +5010,36 @@
                   <a:tcPr anchor="ctr" anchorCtr="1">
                     <a:tcBdr>
                       <a:left>
-                        <a:solidFill>
-                          <a:srgbClr val="D0D0D0"/>
-                        </a:solidFill>
-                      </a:left>
-                      <a:right>
-                        <a:solidFill>
-                          <a:srgbClr val="D0D0D0"/>
-                        </a:solidFill>
-                      </a:right>
-                      <a:top>
-                        <a:solidFill>
-                          <a:srgbClr val="D0D0D0"/>
-                        </a:solidFill>
-                      </a:top>
-                      <a:bottom>
-                        <a:solidFill>
-                          <a:srgbClr val="D0D0D0"/>
-                        </a:solidFill>
+                        <a:ln w="6350" cap="flat" cmpd="sng" algn="ctr">
+                          <a:solidFill>
+                            <a:srgbClr val="D9D9D9"/>
+                          </a:solidFill>
+                          <a:prstDash val="solid"/>
+                        </a:ln>
+                      </a:left>
+                      <a:right>
+                        <a:ln w="6350" cap="flat" cmpd="sng" algn="ctr">
+                          <a:solidFill>
+                            <a:srgbClr val="D9D9D9"/>
+                          </a:solidFill>
+                          <a:prstDash val="solid"/>
+                        </a:ln>
+                      </a:right>
+                      <a:top>
+                        <a:ln w="6350" cap="flat" cmpd="sng" algn="ctr">
+                          <a:solidFill>
+                            <a:srgbClr val="D9D9D9"/>
+                          </a:solidFill>
+                          <a:prstDash val="solid"/>
+                        </a:ln>
+                      </a:top>
+                      <a:bottom>
+                        <a:ln w="6350" cap="flat" cmpd="sng" algn="ctr">
+                          <a:solidFill>
+                            <a:srgbClr val="D9D9D9"/>
+                          </a:solidFill>
+                          <a:prstDash val="solid"/>
+                        </a:ln>
                       </a:bottom>
                     </a:tcBdr>
                   </a:tcPr>
@@ -4471,7 +5054,7 @@
                         <a:rPr sz="1100" b="1">
                           <a:latin typeface="Calibri"/>
                         </a:rPr>
-                        <a:t>18.3</a:t>
+                        <a:t>16.7</a:t>
                       </a:r>
                       <a:endParaRPr lang="en-US"/>
                     </a:p>
@@ -4479,24 +5062,36 @@
                   <a:tcPr anchor="ctr" anchorCtr="1">
                     <a:tcBdr>
                       <a:left>
-                        <a:solidFill>
-                          <a:srgbClr val="D0D0D0"/>
-                        </a:solidFill>
-                      </a:left>
-                      <a:right>
-                        <a:solidFill>
-                          <a:srgbClr val="D0D0D0"/>
-                        </a:solidFill>
-                      </a:right>
-                      <a:top>
-                        <a:solidFill>
-                          <a:srgbClr val="D0D0D0"/>
-                        </a:solidFill>
-                      </a:top>
-                      <a:bottom>
-                        <a:solidFill>
-                          <a:srgbClr val="D0D0D0"/>
-                        </a:solidFill>
+                        <a:ln w="6350" cap="flat" cmpd="sng" algn="ctr">
+                          <a:solidFill>
+                            <a:srgbClr val="D9D9D9"/>
+                          </a:solidFill>
+                          <a:prstDash val="solid"/>
+                        </a:ln>
+                      </a:left>
+                      <a:right>
+                        <a:ln w="6350" cap="flat" cmpd="sng" algn="ctr">
+                          <a:solidFill>
+                            <a:srgbClr val="D9D9D9"/>
+                          </a:solidFill>
+                          <a:prstDash val="solid"/>
+                        </a:ln>
+                      </a:right>
+                      <a:top>
+                        <a:ln w="6350" cap="flat" cmpd="sng" algn="ctr">
+                          <a:solidFill>
+                            <a:srgbClr val="D9D9D9"/>
+                          </a:solidFill>
+                          <a:prstDash val="solid"/>
+                        </a:ln>
+                      </a:top>
+                      <a:bottom>
+                        <a:ln w="6350" cap="flat" cmpd="sng" algn="ctr">
+                          <a:solidFill>
+                            <a:srgbClr val="D9D9D9"/>
+                          </a:solidFill>
+                          <a:prstDash val="solid"/>
+                        </a:ln>
                       </a:bottom>
                     </a:tcBdr>
                   </a:tcPr>
@@ -4511,7 +5106,7 @@
                         <a:rPr sz="1100" b="1">
                           <a:latin typeface="Calibri"/>
                         </a:rPr>
-                        <a:t>19.4</a:t>
+                        <a:t>17.7</a:t>
                       </a:r>
                       <a:endParaRPr lang="en-US"/>
                     </a:p>
@@ -4519,24 +5114,36 @@
                   <a:tcPr anchor="ctr" anchorCtr="1">
                     <a:tcBdr>
                       <a:left>
-                        <a:solidFill>
-                          <a:srgbClr val="D0D0D0"/>
-                        </a:solidFill>
-                      </a:left>
-                      <a:right>
-                        <a:solidFill>
-                          <a:srgbClr val="D0D0D0"/>
-                        </a:solidFill>
-                      </a:right>
-                      <a:top>
-                        <a:solidFill>
-                          <a:srgbClr val="D0D0D0"/>
-                        </a:solidFill>
-                      </a:top>
-                      <a:bottom>
-                        <a:solidFill>
-                          <a:srgbClr val="D0D0D0"/>
-                        </a:solidFill>
+                        <a:ln w="6350" cap="flat" cmpd="sng" algn="ctr">
+                          <a:solidFill>
+                            <a:srgbClr val="D9D9D9"/>
+                          </a:solidFill>
+                          <a:prstDash val="solid"/>
+                        </a:ln>
+                      </a:left>
+                      <a:right>
+                        <a:ln w="6350" cap="flat" cmpd="sng" algn="ctr">
+                          <a:solidFill>
+                            <a:srgbClr val="D9D9D9"/>
+                          </a:solidFill>
+                          <a:prstDash val="solid"/>
+                        </a:ln>
+                      </a:right>
+                      <a:top>
+                        <a:ln w="6350" cap="flat" cmpd="sng" algn="ctr">
+                          <a:solidFill>
+                            <a:srgbClr val="D9D9D9"/>
+                          </a:solidFill>
+                          <a:prstDash val="solid"/>
+                        </a:ln>
+                      </a:top>
+                      <a:bottom>
+                        <a:ln w="6350" cap="flat" cmpd="sng" algn="ctr">
+                          <a:solidFill>
+                            <a:srgbClr val="D9D9D9"/>
+                          </a:solidFill>
+                          <a:prstDash val="solid"/>
+                        </a:ln>
                       </a:bottom>
                     </a:tcBdr>
                   </a:tcPr>
@@ -4551,7 +5158,7 @@
                         <a:rPr sz="1100" b="1">
                           <a:latin typeface="Calibri"/>
                         </a:rPr>
-                        <a:t>20.5</a:t>
+                        <a:t>18.6</a:t>
                       </a:r>
                       <a:endParaRPr lang="en-US"/>
                     </a:p>
@@ -4559,24 +5166,36 @@
                   <a:tcPr anchor="ctr" anchorCtr="1">
                     <a:tcBdr>
                       <a:left>
-                        <a:solidFill>
-                          <a:srgbClr val="D0D0D0"/>
-                        </a:solidFill>
-                      </a:left>
-                      <a:right>
-                        <a:solidFill>
-                          <a:srgbClr val="D0D0D0"/>
-                        </a:solidFill>
-                      </a:right>
-                      <a:top>
-                        <a:solidFill>
-                          <a:srgbClr val="D0D0D0"/>
-                        </a:solidFill>
-                      </a:top>
-                      <a:bottom>
-                        <a:solidFill>
-                          <a:srgbClr val="D0D0D0"/>
-                        </a:solidFill>
+                        <a:ln w="6350" cap="flat" cmpd="sng" algn="ctr">
+                          <a:solidFill>
+                            <a:srgbClr val="D9D9D9"/>
+                          </a:solidFill>
+                          <a:prstDash val="solid"/>
+                        </a:ln>
+                      </a:left>
+                      <a:right>
+                        <a:ln w="6350" cap="flat" cmpd="sng" algn="ctr">
+                          <a:solidFill>
+                            <a:srgbClr val="D9D9D9"/>
+                          </a:solidFill>
+                          <a:prstDash val="solid"/>
+                        </a:ln>
+                      </a:right>
+                      <a:top>
+                        <a:ln w="6350" cap="flat" cmpd="sng" algn="ctr">
+                          <a:solidFill>
+                            <a:srgbClr val="D9D9D9"/>
+                          </a:solidFill>
+                          <a:prstDash val="solid"/>
+                        </a:ln>
+                      </a:top>
+                      <a:bottom>
+                        <a:ln w="6350" cap="flat" cmpd="sng" algn="ctr">
+                          <a:solidFill>
+                            <a:srgbClr val="D9D9D9"/>
+                          </a:solidFill>
+                          <a:prstDash val="solid"/>
+                        </a:ln>
                       </a:bottom>
                     </a:tcBdr>
                   </a:tcPr>
@@ -4591,7 +5210,7 @@
                         <a:rPr sz="1100" b="1">
                           <a:latin typeface="Calibri"/>
                         </a:rPr>
-                        <a:t>20.4</a:t>
+                        <a:t>18.5</a:t>
                       </a:r>
                       <a:endParaRPr lang="en-US"/>
                     </a:p>
@@ -4599,24 +5218,36 @@
                   <a:tcPr anchor="ctr" anchorCtr="1">
                     <a:tcBdr>
                       <a:left>
-                        <a:solidFill>
-                          <a:srgbClr val="D0D0D0"/>
-                        </a:solidFill>
-                      </a:left>
-                      <a:right>
-                        <a:solidFill>
-                          <a:srgbClr val="D0D0D0"/>
-                        </a:solidFill>
-                      </a:right>
-                      <a:top>
-                        <a:solidFill>
-                          <a:srgbClr val="D0D0D0"/>
-                        </a:solidFill>
-                      </a:top>
-                      <a:bottom>
-                        <a:solidFill>
-                          <a:srgbClr val="D0D0D0"/>
-                        </a:solidFill>
+                        <a:ln w="6350" cap="flat" cmpd="sng" algn="ctr">
+                          <a:solidFill>
+                            <a:srgbClr val="D9D9D9"/>
+                          </a:solidFill>
+                          <a:prstDash val="solid"/>
+                        </a:ln>
+                      </a:left>
+                      <a:right>
+                        <a:ln w="6350" cap="flat" cmpd="sng" algn="ctr">
+                          <a:solidFill>
+                            <a:srgbClr val="D9D9D9"/>
+                          </a:solidFill>
+                          <a:prstDash val="solid"/>
+                        </a:ln>
+                      </a:right>
+                      <a:top>
+                        <a:ln w="6350" cap="flat" cmpd="sng" algn="ctr">
+                          <a:solidFill>
+                            <a:srgbClr val="D9D9D9"/>
+                          </a:solidFill>
+                          <a:prstDash val="solid"/>
+                        </a:ln>
+                      </a:top>
+                      <a:bottom>
+                        <a:ln w="6350" cap="flat" cmpd="sng" algn="ctr">
+                          <a:solidFill>
+                            <a:srgbClr val="D9D9D9"/>
+                          </a:solidFill>
+                          <a:prstDash val="solid"/>
+                        </a:ln>
                       </a:bottom>
                     </a:tcBdr>
                   </a:tcPr>
@@ -4631,7 +5262,7 @@
                         <a:rPr sz="1100" b="1">
                           <a:latin typeface="Calibri"/>
                         </a:rPr>
-                        <a:t>21.0</a:t>
+                        <a:t>19.0</a:t>
                       </a:r>
                       <a:endParaRPr lang="en-US"/>
                     </a:p>
@@ -4639,24 +5270,36 @@
                   <a:tcPr anchor="ctr" anchorCtr="1">
                     <a:tcBdr>
                       <a:left>
-                        <a:solidFill>
-                          <a:srgbClr val="D0D0D0"/>
-                        </a:solidFill>
-                      </a:left>
-                      <a:right>
-                        <a:solidFill>
-                          <a:srgbClr val="D0D0D0"/>
-                        </a:solidFill>
-                      </a:right>
-                      <a:top>
-                        <a:solidFill>
-                          <a:srgbClr val="D0D0D0"/>
-                        </a:solidFill>
-                      </a:top>
-                      <a:bottom>
-                        <a:solidFill>
-                          <a:srgbClr val="D0D0D0"/>
-                        </a:solidFill>
+                        <a:ln w="6350" cap="flat" cmpd="sng" algn="ctr">
+                          <a:solidFill>
+                            <a:srgbClr val="D9D9D9"/>
+                          </a:solidFill>
+                          <a:prstDash val="solid"/>
+                        </a:ln>
+                      </a:left>
+                      <a:right>
+                        <a:ln w="6350" cap="flat" cmpd="sng" algn="ctr">
+                          <a:solidFill>
+                            <a:srgbClr val="D9D9D9"/>
+                          </a:solidFill>
+                          <a:prstDash val="solid"/>
+                        </a:ln>
+                      </a:right>
+                      <a:top>
+                        <a:ln w="6350" cap="flat" cmpd="sng" algn="ctr">
+                          <a:solidFill>
+                            <a:srgbClr val="D9D9D9"/>
+                          </a:solidFill>
+                          <a:prstDash val="solid"/>
+                        </a:ln>
+                      </a:top>
+                      <a:bottom>
+                        <a:ln w="6350" cap="flat" cmpd="sng" algn="ctr">
+                          <a:solidFill>
+                            <a:srgbClr val="D9D9D9"/>
+                          </a:solidFill>
+                          <a:prstDash val="solid"/>
+                        </a:ln>
                       </a:bottom>
                     </a:tcBdr>
                   </a:tcPr>
@@ -4671,7 +5314,7 @@
                         <a:rPr sz="1100" b="1">
                           <a:latin typeface="Calibri"/>
                         </a:rPr>
-                        <a:t>21.5</a:t>
+                        <a:t>19.5</a:t>
                       </a:r>
                       <a:endParaRPr lang="en-US"/>
                     </a:p>
@@ -4679,24 +5322,36 @@
                   <a:tcPr anchor="ctr" anchorCtr="1">
                     <a:tcBdr>
                       <a:left>
-                        <a:solidFill>
-                          <a:srgbClr val="D0D0D0"/>
-                        </a:solidFill>
-                      </a:left>
-                      <a:right>
-                        <a:solidFill>
-                          <a:srgbClr val="D0D0D0"/>
-                        </a:solidFill>
-                      </a:right>
-                      <a:top>
-                        <a:solidFill>
-                          <a:srgbClr val="D0D0D0"/>
-                        </a:solidFill>
-                      </a:top>
-                      <a:bottom>
-                        <a:solidFill>
-                          <a:srgbClr val="D0D0D0"/>
-                        </a:solidFill>
+                        <a:ln w="6350" cap="flat" cmpd="sng" algn="ctr">
+                          <a:solidFill>
+                            <a:srgbClr val="D9D9D9"/>
+                          </a:solidFill>
+                          <a:prstDash val="solid"/>
+                        </a:ln>
+                      </a:left>
+                      <a:right>
+                        <a:ln w="6350" cap="flat" cmpd="sng" algn="ctr">
+                          <a:solidFill>
+                            <a:srgbClr val="D9D9D9"/>
+                          </a:solidFill>
+                          <a:prstDash val="solid"/>
+                        </a:ln>
+                      </a:right>
+                      <a:top>
+                        <a:ln w="6350" cap="flat" cmpd="sng" algn="ctr">
+                          <a:solidFill>
+                            <a:srgbClr val="D9D9D9"/>
+                          </a:solidFill>
+                          <a:prstDash val="solid"/>
+                        </a:ln>
+                      </a:top>
+                      <a:bottom>
+                        <a:ln w="6350" cap="flat" cmpd="sng" algn="ctr">
+                          <a:solidFill>
+                            <a:srgbClr val="D9D9D9"/>
+                          </a:solidFill>
+                          <a:prstDash val="solid"/>
+                        </a:ln>
                       </a:bottom>
                     </a:tcBdr>
                   </a:tcPr>
@@ -4719,30 +5374,42 @@
                   <a:tcPr anchor="ctr" anchorCtr="1">
                     <a:tcBdr>
                       <a:left>
-                        <a:solidFill>
-                          <a:srgbClr val="D0D0D0"/>
-                        </a:solidFill>
-                      </a:left>
-                      <a:right>
-                        <a:solidFill>
-                          <a:srgbClr val="D0D0D0"/>
-                        </a:solidFill>
-                      </a:right>
-                      <a:top>
-                        <a:solidFill>
-                          <a:srgbClr val="D0D0D0"/>
-                        </a:solidFill>
-                      </a:top>
-                      <a:bottom>
-                        <a:solidFill>
-                          <a:srgbClr val="D0D0D0"/>
-                        </a:solidFill>
+                        <a:ln w="6350" cap="flat" cmpd="sng" algn="ctr">
+                          <a:solidFill>
+                            <a:srgbClr val="D9D9D9"/>
+                          </a:solidFill>
+                          <a:prstDash val="solid"/>
+                        </a:ln>
+                      </a:left>
+                      <a:right>
+                        <a:ln w="6350" cap="flat" cmpd="sng" algn="ctr">
+                          <a:solidFill>
+                            <a:srgbClr val="D9D9D9"/>
+                          </a:solidFill>
+                          <a:prstDash val="solid"/>
+                        </a:ln>
+                      </a:right>
+                      <a:top>
+                        <a:ln w="6350" cap="flat" cmpd="sng" algn="ctr">
+                          <a:solidFill>
+                            <a:srgbClr val="D9D9D9"/>
+                          </a:solidFill>
+                          <a:prstDash val="solid"/>
+                        </a:ln>
+                      </a:top>
+                      <a:bottom>
+                        <a:ln w="6350" cap="flat" cmpd="sng" algn="ctr">
+                          <a:solidFill>
+                            <a:srgbClr val="D9D9D9"/>
+                          </a:solidFill>
+                          <a:prstDash val="solid"/>
+                        </a:ln>
                       </a:bottom>
                     </a:tcBdr>
                   </a:tcPr>
                 </a:tc>
               </a:tr>
-              <a:tr h="380000">
+              <a:tr h="350000">
                 <a:tc>
                   <a:txBody>
                     <a:bodyPr anchor="ctr" anchorCtr="1"/>
@@ -4761,24 +5428,36 @@
                   <a:tcPr anchor="ctr" anchorCtr="1">
                     <a:tcBdr>
                       <a:left>
-                        <a:solidFill>
-                          <a:srgbClr val="D0D0D0"/>
-                        </a:solidFill>
-                      </a:left>
-                      <a:right>
-                        <a:solidFill>
-                          <a:srgbClr val="D0D0D0"/>
-                        </a:solidFill>
-                      </a:right>
-                      <a:top>
-                        <a:solidFill>
-                          <a:srgbClr val="D0D0D0"/>
-                        </a:solidFill>
-                      </a:top>
-                      <a:bottom>
-                        <a:solidFill>
-                          <a:srgbClr val="D0D0D0"/>
-                        </a:solidFill>
+                        <a:ln w="6350" cap="flat" cmpd="sng" algn="ctr">
+                          <a:solidFill>
+                            <a:srgbClr val="D9D9D9"/>
+                          </a:solidFill>
+                          <a:prstDash val="solid"/>
+                        </a:ln>
+                      </a:left>
+                      <a:right>
+                        <a:ln w="6350" cap="flat" cmpd="sng" algn="ctr">
+                          <a:solidFill>
+                            <a:srgbClr val="D9D9D9"/>
+                          </a:solidFill>
+                          <a:prstDash val="solid"/>
+                        </a:ln>
+                      </a:right>
+                      <a:top>
+                        <a:ln w="6350" cap="flat" cmpd="sng" algn="ctr">
+                          <a:solidFill>
+                            <a:srgbClr val="D9D9D9"/>
+                          </a:solidFill>
+                          <a:prstDash val="solid"/>
+                        </a:ln>
+                      </a:top>
+                      <a:bottom>
+                        <a:ln w="6350" cap="flat" cmpd="sng" algn="ctr">
+                          <a:solidFill>
+                            <a:srgbClr val="D9D9D9"/>
+                          </a:solidFill>
+                          <a:prstDash val="solid"/>
+                        </a:ln>
                       </a:bottom>
                     </a:tcBdr>
                   </a:tcPr>
@@ -4793,7 +5472,7 @@
                         <a:rPr sz="1100" b="1">
                           <a:latin typeface="Calibri"/>
                         </a:rPr>
-                        <a:t>26.8</a:t>
+                        <a:t>20.5</a:t>
                       </a:r>
                       <a:endParaRPr lang="en-US"/>
                     </a:p>
@@ -4801,24 +5480,36 @@
                   <a:tcPr anchor="ctr" anchorCtr="1">
                     <a:tcBdr>
                       <a:left>
-                        <a:solidFill>
-                          <a:srgbClr val="D0D0D0"/>
-                        </a:solidFill>
-                      </a:left>
-                      <a:right>
-                        <a:solidFill>
-                          <a:srgbClr val="D0D0D0"/>
-                        </a:solidFill>
-                      </a:right>
-                      <a:top>
-                        <a:solidFill>
-                          <a:srgbClr val="D0D0D0"/>
-                        </a:solidFill>
-                      </a:top>
-                      <a:bottom>
-                        <a:solidFill>
-                          <a:srgbClr val="D0D0D0"/>
-                        </a:solidFill>
+                        <a:ln w="6350" cap="flat" cmpd="sng" algn="ctr">
+                          <a:solidFill>
+                            <a:srgbClr val="D9D9D9"/>
+                          </a:solidFill>
+                          <a:prstDash val="solid"/>
+                        </a:ln>
+                      </a:left>
+                      <a:right>
+                        <a:ln w="6350" cap="flat" cmpd="sng" algn="ctr">
+                          <a:solidFill>
+                            <a:srgbClr val="D9D9D9"/>
+                          </a:solidFill>
+                          <a:prstDash val="solid"/>
+                        </a:ln>
+                      </a:right>
+                      <a:top>
+                        <a:ln w="6350" cap="flat" cmpd="sng" algn="ctr">
+                          <a:solidFill>
+                            <a:srgbClr val="D9D9D9"/>
+                          </a:solidFill>
+                          <a:prstDash val="solid"/>
+                        </a:ln>
+                      </a:top>
+                      <a:bottom>
+                        <a:ln w="6350" cap="flat" cmpd="sng" algn="ctr">
+                          <a:solidFill>
+                            <a:srgbClr val="D9D9D9"/>
+                          </a:solidFill>
+                          <a:prstDash val="solid"/>
+                        </a:ln>
                       </a:bottom>
                     </a:tcBdr>
                   </a:tcPr>
@@ -4833,7 +5524,7 @@
                         <a:rPr sz="1100" b="1">
                           <a:latin typeface="Calibri"/>
                         </a:rPr>
-                        <a:t>29.8</a:t>
+                        <a:t>25.2</a:t>
                       </a:r>
                       <a:endParaRPr lang="en-US"/>
                     </a:p>
@@ -4841,24 +5532,36 @@
                   <a:tcPr anchor="ctr" anchorCtr="1">
                     <a:tcBdr>
                       <a:left>
-                        <a:solidFill>
-                          <a:srgbClr val="D0D0D0"/>
-                        </a:solidFill>
-                      </a:left>
-                      <a:right>
-                        <a:solidFill>
-                          <a:srgbClr val="D0D0D0"/>
-                        </a:solidFill>
-                      </a:right>
-                      <a:top>
-                        <a:solidFill>
-                          <a:srgbClr val="D0D0D0"/>
-                        </a:solidFill>
-                      </a:top>
-                      <a:bottom>
-                        <a:solidFill>
-                          <a:srgbClr val="D0D0D0"/>
-                        </a:solidFill>
+                        <a:ln w="6350" cap="flat" cmpd="sng" algn="ctr">
+                          <a:solidFill>
+                            <a:srgbClr val="D9D9D9"/>
+                          </a:solidFill>
+                          <a:prstDash val="solid"/>
+                        </a:ln>
+                      </a:left>
+                      <a:right>
+                        <a:ln w="6350" cap="flat" cmpd="sng" algn="ctr">
+                          <a:solidFill>
+                            <a:srgbClr val="D9D9D9"/>
+                          </a:solidFill>
+                          <a:prstDash val="solid"/>
+                        </a:ln>
+                      </a:right>
+                      <a:top>
+                        <a:ln w="6350" cap="flat" cmpd="sng" algn="ctr">
+                          <a:solidFill>
+                            <a:srgbClr val="D9D9D9"/>
+                          </a:solidFill>
+                          <a:prstDash val="solid"/>
+                        </a:ln>
+                      </a:top>
+                      <a:bottom>
+                        <a:ln w="6350" cap="flat" cmpd="sng" algn="ctr">
+                          <a:solidFill>
+                            <a:srgbClr val="D9D9D9"/>
+                          </a:solidFill>
+                          <a:prstDash val="solid"/>
+                        </a:ln>
                       </a:bottom>
                     </a:tcBdr>
                   </a:tcPr>
@@ -4873,7 +5576,7 @@
                         <a:rPr sz="1100" b="1">
                           <a:latin typeface="Calibri"/>
                         </a:rPr>
-                        <a:t>32.7</a:t>
+                        <a:t>29.9</a:t>
                       </a:r>
                       <a:endParaRPr lang="en-US"/>
                     </a:p>
@@ -4881,24 +5584,36 @@
                   <a:tcPr anchor="ctr" anchorCtr="1">
                     <a:tcBdr>
                       <a:left>
-                        <a:solidFill>
-                          <a:srgbClr val="D0D0D0"/>
-                        </a:solidFill>
-                      </a:left>
-                      <a:right>
-                        <a:solidFill>
-                          <a:srgbClr val="D0D0D0"/>
-                        </a:solidFill>
-                      </a:right>
-                      <a:top>
-                        <a:solidFill>
-                          <a:srgbClr val="D0D0D0"/>
-                        </a:solidFill>
-                      </a:top>
-                      <a:bottom>
-                        <a:solidFill>
-                          <a:srgbClr val="D0D0D0"/>
-                        </a:solidFill>
+                        <a:ln w="6350" cap="flat" cmpd="sng" algn="ctr">
+                          <a:solidFill>
+                            <a:srgbClr val="D9D9D9"/>
+                          </a:solidFill>
+                          <a:prstDash val="solid"/>
+                        </a:ln>
+                      </a:left>
+                      <a:right>
+                        <a:ln w="6350" cap="flat" cmpd="sng" algn="ctr">
+                          <a:solidFill>
+                            <a:srgbClr val="D9D9D9"/>
+                          </a:solidFill>
+                          <a:prstDash val="solid"/>
+                        </a:ln>
+                      </a:right>
+                      <a:top>
+                        <a:ln w="6350" cap="flat" cmpd="sng" algn="ctr">
+                          <a:solidFill>
+                            <a:srgbClr val="D9D9D9"/>
+                          </a:solidFill>
+                          <a:prstDash val="solid"/>
+                        </a:ln>
+                      </a:top>
+                      <a:bottom>
+                        <a:ln w="6350" cap="flat" cmpd="sng" algn="ctr">
+                          <a:solidFill>
+                            <a:srgbClr val="D9D9D9"/>
+                          </a:solidFill>
+                          <a:prstDash val="solid"/>
+                        </a:ln>
                       </a:bottom>
                     </a:tcBdr>
                   </a:tcPr>
@@ -4913,7 +5628,7 @@
                         <a:rPr sz="1100" b="1">
                           <a:latin typeface="Calibri"/>
                         </a:rPr>
-                        <a:t>27.8</a:t>
+                        <a:t>26.9</a:t>
                       </a:r>
                       <a:endParaRPr lang="en-US"/>
                     </a:p>
@@ -4921,24 +5636,36 @@
                   <a:tcPr anchor="ctr" anchorCtr="1">
                     <a:tcBdr>
                       <a:left>
-                        <a:solidFill>
-                          <a:srgbClr val="D0D0D0"/>
-                        </a:solidFill>
-                      </a:left>
-                      <a:right>
-                        <a:solidFill>
-                          <a:srgbClr val="D0D0D0"/>
-                        </a:solidFill>
-                      </a:right>
-                      <a:top>
-                        <a:solidFill>
-                          <a:srgbClr val="D0D0D0"/>
-                        </a:solidFill>
-                      </a:top>
-                      <a:bottom>
-                        <a:solidFill>
-                          <a:srgbClr val="D0D0D0"/>
-                        </a:solidFill>
+                        <a:ln w="6350" cap="flat" cmpd="sng" algn="ctr">
+                          <a:solidFill>
+                            <a:srgbClr val="D9D9D9"/>
+                          </a:solidFill>
+                          <a:prstDash val="solid"/>
+                        </a:ln>
+                      </a:left>
+                      <a:right>
+                        <a:ln w="6350" cap="flat" cmpd="sng" algn="ctr">
+                          <a:solidFill>
+                            <a:srgbClr val="D9D9D9"/>
+                          </a:solidFill>
+                          <a:prstDash val="solid"/>
+                        </a:ln>
+                      </a:right>
+                      <a:top>
+                        <a:ln w="6350" cap="flat" cmpd="sng" algn="ctr">
+                          <a:solidFill>
+                            <a:srgbClr val="D9D9D9"/>
+                          </a:solidFill>
+                          <a:prstDash val="solid"/>
+                        </a:ln>
+                      </a:top>
+                      <a:bottom>
+                        <a:ln w="6350" cap="flat" cmpd="sng" algn="ctr">
+                          <a:solidFill>
+                            <a:srgbClr val="D9D9D9"/>
+                          </a:solidFill>
+                          <a:prstDash val="solid"/>
+                        </a:ln>
                       </a:bottom>
                     </a:tcBdr>
                   </a:tcPr>
@@ -4953,7 +5680,7 @@
                         <a:rPr sz="1100" b="1">
                           <a:latin typeface="Calibri"/>
                         </a:rPr>
-                        <a:t>29.1</a:t>
+                        <a:t>28.4</a:t>
                       </a:r>
                       <a:endParaRPr lang="en-US"/>
                     </a:p>
@@ -4961,24 +5688,36 @@
                   <a:tcPr anchor="ctr" anchorCtr="1">
                     <a:tcBdr>
                       <a:left>
-                        <a:solidFill>
-                          <a:srgbClr val="D0D0D0"/>
-                        </a:solidFill>
-                      </a:left>
-                      <a:right>
-                        <a:solidFill>
-                          <a:srgbClr val="D0D0D0"/>
-                        </a:solidFill>
-                      </a:right>
-                      <a:top>
-                        <a:solidFill>
-                          <a:srgbClr val="D0D0D0"/>
-                        </a:solidFill>
-                      </a:top>
-                      <a:bottom>
-                        <a:solidFill>
-                          <a:srgbClr val="D0D0D0"/>
-                        </a:solidFill>
+                        <a:ln w="6350" cap="flat" cmpd="sng" algn="ctr">
+                          <a:solidFill>
+                            <a:srgbClr val="D9D9D9"/>
+                          </a:solidFill>
+                          <a:prstDash val="solid"/>
+                        </a:ln>
+                      </a:left>
+                      <a:right>
+                        <a:ln w="6350" cap="flat" cmpd="sng" algn="ctr">
+                          <a:solidFill>
+                            <a:srgbClr val="D9D9D9"/>
+                          </a:solidFill>
+                          <a:prstDash val="solid"/>
+                        </a:ln>
+                      </a:right>
+                      <a:top>
+                        <a:ln w="6350" cap="flat" cmpd="sng" algn="ctr">
+                          <a:solidFill>
+                            <a:srgbClr val="D9D9D9"/>
+                          </a:solidFill>
+                          <a:prstDash val="solid"/>
+                        </a:ln>
+                      </a:top>
+                      <a:bottom>
+                        <a:ln w="6350" cap="flat" cmpd="sng" algn="ctr">
+                          <a:solidFill>
+                            <a:srgbClr val="D9D9D9"/>
+                          </a:solidFill>
+                          <a:prstDash val="solid"/>
+                        </a:ln>
                       </a:bottom>
                     </a:tcBdr>
                   </a:tcPr>
@@ -4993,7 +5732,7 @@
                         <a:rPr sz="1100" b="1">
                           <a:latin typeface="Calibri"/>
                         </a:rPr>
-                        <a:t>30.5</a:t>
+                        <a:t>29.9</a:t>
                       </a:r>
                       <a:endParaRPr lang="en-US"/>
                     </a:p>
@@ -5001,24 +5740,36 @@
                   <a:tcPr anchor="ctr" anchorCtr="1">
                     <a:tcBdr>
                       <a:left>
-                        <a:solidFill>
-                          <a:srgbClr val="D0D0D0"/>
-                        </a:solidFill>
-                      </a:left>
-                      <a:right>
-                        <a:solidFill>
-                          <a:srgbClr val="D0D0D0"/>
-                        </a:solidFill>
-                      </a:right>
-                      <a:top>
-                        <a:solidFill>
-                          <a:srgbClr val="D0D0D0"/>
-                        </a:solidFill>
-                      </a:top>
-                      <a:bottom>
-                        <a:solidFill>
-                          <a:srgbClr val="D0D0D0"/>
-                        </a:solidFill>
+                        <a:ln w="6350" cap="flat" cmpd="sng" algn="ctr">
+                          <a:solidFill>
+                            <a:srgbClr val="D9D9D9"/>
+                          </a:solidFill>
+                          <a:prstDash val="solid"/>
+                        </a:ln>
+                      </a:left>
+                      <a:right>
+                        <a:ln w="6350" cap="flat" cmpd="sng" algn="ctr">
+                          <a:solidFill>
+                            <a:srgbClr val="D9D9D9"/>
+                          </a:solidFill>
+                          <a:prstDash val="solid"/>
+                        </a:ln>
+                      </a:right>
+                      <a:top>
+                        <a:ln w="6350" cap="flat" cmpd="sng" algn="ctr">
+                          <a:solidFill>
+                            <a:srgbClr val="D9D9D9"/>
+                          </a:solidFill>
+                          <a:prstDash val="solid"/>
+                        </a:ln>
+                      </a:top>
+                      <a:bottom>
+                        <a:ln w="6350" cap="flat" cmpd="sng" algn="ctr">
+                          <a:solidFill>
+                            <a:srgbClr val="D9D9D9"/>
+                          </a:solidFill>
+                          <a:prstDash val="solid"/>
+                        </a:ln>
                       </a:bottom>
                     </a:tcBdr>
                   </a:tcPr>
@@ -5041,30 +5792,42 @@
                   <a:tcPr anchor="ctr" anchorCtr="1">
                     <a:tcBdr>
                       <a:left>
-                        <a:solidFill>
-                          <a:srgbClr val="D0D0D0"/>
-                        </a:solidFill>
-                      </a:left>
-                      <a:right>
-                        <a:solidFill>
-                          <a:srgbClr val="D0D0D0"/>
-                        </a:solidFill>
-                      </a:right>
-                      <a:top>
-                        <a:solidFill>
-                          <a:srgbClr val="D0D0D0"/>
-                        </a:solidFill>
-                      </a:top>
-                      <a:bottom>
-                        <a:solidFill>
-                          <a:srgbClr val="D0D0D0"/>
-                        </a:solidFill>
+                        <a:ln w="6350" cap="flat" cmpd="sng" algn="ctr">
+                          <a:solidFill>
+                            <a:srgbClr val="D9D9D9"/>
+                          </a:solidFill>
+                          <a:prstDash val="solid"/>
+                        </a:ln>
+                      </a:left>
+                      <a:right>
+                        <a:ln w="6350" cap="flat" cmpd="sng" algn="ctr">
+                          <a:solidFill>
+                            <a:srgbClr val="D9D9D9"/>
+                          </a:solidFill>
+                          <a:prstDash val="solid"/>
+                        </a:ln>
+                      </a:right>
+                      <a:top>
+                        <a:ln w="6350" cap="flat" cmpd="sng" algn="ctr">
+                          <a:solidFill>
+                            <a:srgbClr val="D9D9D9"/>
+                          </a:solidFill>
+                          <a:prstDash val="solid"/>
+                        </a:ln>
+                      </a:top>
+                      <a:bottom>
+                        <a:ln w="6350" cap="flat" cmpd="sng" algn="ctr">
+                          <a:solidFill>
+                            <a:srgbClr val="D9D9D9"/>
+                          </a:solidFill>
+                          <a:prstDash val="solid"/>
+                        </a:ln>
                       </a:bottom>
                     </a:tcBdr>
                   </a:tcPr>
                 </a:tc>
               </a:tr>
-              <a:tr h="380000">
+              <a:tr h="350000">
                 <a:tc>
                   <a:txBody>
                     <a:bodyPr anchor="ctr" anchorCtr="1"/>
@@ -5083,24 +5846,36 @@
                   <a:tcPr anchor="ctr" anchorCtr="1">
                     <a:tcBdr>
                       <a:left>
-                        <a:solidFill>
-                          <a:srgbClr val="D0D0D0"/>
-                        </a:solidFill>
-                      </a:left>
-                      <a:right>
-                        <a:solidFill>
-                          <a:srgbClr val="D0D0D0"/>
-                        </a:solidFill>
-                      </a:right>
-                      <a:top>
-                        <a:solidFill>
-                          <a:srgbClr val="D0D0D0"/>
-                        </a:solidFill>
-                      </a:top>
-                      <a:bottom>
-                        <a:solidFill>
-                          <a:srgbClr val="D0D0D0"/>
-                        </a:solidFill>
+                        <a:ln w="6350" cap="flat" cmpd="sng" algn="ctr">
+                          <a:solidFill>
+                            <a:srgbClr val="D9D9D9"/>
+                          </a:solidFill>
+                          <a:prstDash val="solid"/>
+                        </a:ln>
+                      </a:left>
+                      <a:right>
+                        <a:ln w="6350" cap="flat" cmpd="sng" algn="ctr">
+                          <a:solidFill>
+                            <a:srgbClr val="D9D9D9"/>
+                          </a:solidFill>
+                          <a:prstDash val="solid"/>
+                        </a:ln>
+                      </a:right>
+                      <a:top>
+                        <a:ln w="6350" cap="flat" cmpd="sng" algn="ctr">
+                          <a:solidFill>
+                            <a:srgbClr val="D9D9D9"/>
+                          </a:solidFill>
+                          <a:prstDash val="solid"/>
+                        </a:ln>
+                      </a:top>
+                      <a:bottom>
+                        <a:ln w="6350" cap="flat" cmpd="sng" algn="ctr">
+                          <a:solidFill>
+                            <a:srgbClr val="D9D9D9"/>
+                          </a:solidFill>
+                          <a:prstDash val="solid"/>
+                        </a:ln>
                       </a:bottom>
                     </a:tcBdr>
                   </a:tcPr>
@@ -5115,7 +5890,7 @@
                         <a:rPr sz="1100" b="1">
                           <a:latin typeface="Calibri"/>
                         </a:rPr>
-                        <a:t>-20.7</a:t>
+                        <a:t>-19.1</a:t>
                       </a:r>
                       <a:endParaRPr lang="en-US"/>
                     </a:p>
@@ -5123,24 +5898,36 @@
                   <a:tcPr anchor="ctr" anchorCtr="1">
                     <a:tcBdr>
                       <a:left>
-                        <a:solidFill>
-                          <a:srgbClr val="D0D0D0"/>
-                        </a:solidFill>
-                      </a:left>
-                      <a:right>
-                        <a:solidFill>
-                          <a:srgbClr val="D0D0D0"/>
-                        </a:solidFill>
-                      </a:right>
-                      <a:top>
-                        <a:solidFill>
-                          <a:srgbClr val="D0D0D0"/>
-                        </a:solidFill>
-                      </a:top>
-                      <a:bottom>
-                        <a:solidFill>
-                          <a:srgbClr val="D0D0D0"/>
-                        </a:solidFill>
+                        <a:ln w="6350" cap="flat" cmpd="sng" algn="ctr">
+                          <a:solidFill>
+                            <a:srgbClr val="D9D9D9"/>
+                          </a:solidFill>
+                          <a:prstDash val="solid"/>
+                        </a:ln>
+                      </a:left>
+                      <a:right>
+                        <a:ln w="6350" cap="flat" cmpd="sng" algn="ctr">
+                          <a:solidFill>
+                            <a:srgbClr val="D9D9D9"/>
+                          </a:solidFill>
+                          <a:prstDash val="solid"/>
+                        </a:ln>
+                      </a:right>
+                      <a:top>
+                        <a:ln w="6350" cap="flat" cmpd="sng" algn="ctr">
+                          <a:solidFill>
+                            <a:srgbClr val="D9D9D9"/>
+                          </a:solidFill>
+                          <a:prstDash val="solid"/>
+                        </a:ln>
+                      </a:top>
+                      <a:bottom>
+                        <a:ln w="6350" cap="flat" cmpd="sng" algn="ctr">
+                          <a:solidFill>
+                            <a:srgbClr val="D9D9D9"/>
+                          </a:solidFill>
+                          <a:prstDash val="solid"/>
+                        </a:ln>
                       </a:bottom>
                     </a:tcBdr>
                   </a:tcPr>
@@ -5155,7 +5942,7 @@
                         <a:rPr sz="1100" b="1">
                           <a:latin typeface="Calibri"/>
                         </a:rPr>
-                        <a:t>-10.6</a:t>
+                        <a:t>-9.8</a:t>
                       </a:r>
                       <a:endParaRPr lang="en-US"/>
                     </a:p>
@@ -5163,24 +5950,36 @@
                   <a:tcPr anchor="ctr" anchorCtr="1">
                     <a:tcBdr>
                       <a:left>
-                        <a:solidFill>
-                          <a:srgbClr val="D0D0D0"/>
-                        </a:solidFill>
-                      </a:left>
-                      <a:right>
-                        <a:solidFill>
-                          <a:srgbClr val="D0D0D0"/>
-                        </a:solidFill>
-                      </a:right>
-                      <a:top>
-                        <a:solidFill>
-                          <a:srgbClr val="D0D0D0"/>
-                        </a:solidFill>
-                      </a:top>
-                      <a:bottom>
-                        <a:solidFill>
-                          <a:srgbClr val="D0D0D0"/>
-                        </a:solidFill>
+                        <a:ln w="6350" cap="flat" cmpd="sng" algn="ctr">
+                          <a:solidFill>
+                            <a:srgbClr val="D9D9D9"/>
+                          </a:solidFill>
+                          <a:prstDash val="solid"/>
+                        </a:ln>
+                      </a:left>
+                      <a:right>
+                        <a:ln w="6350" cap="flat" cmpd="sng" algn="ctr">
+                          <a:solidFill>
+                            <a:srgbClr val="D9D9D9"/>
+                          </a:solidFill>
+                          <a:prstDash val="solid"/>
+                        </a:ln>
+                      </a:right>
+                      <a:top>
+                        <a:ln w="6350" cap="flat" cmpd="sng" algn="ctr">
+                          <a:solidFill>
+                            <a:srgbClr val="D9D9D9"/>
+                          </a:solidFill>
+                          <a:prstDash val="solid"/>
+                        </a:ln>
+                      </a:top>
+                      <a:bottom>
+                        <a:ln w="6350" cap="flat" cmpd="sng" algn="ctr">
+                          <a:solidFill>
+                            <a:srgbClr val="D9D9D9"/>
+                          </a:solidFill>
+                          <a:prstDash val="solid"/>
+                        </a:ln>
                       </a:bottom>
                     </a:tcBdr>
                   </a:tcPr>
@@ -5203,24 +6002,36 @@
                   <a:tcPr anchor="ctr" anchorCtr="1">
                     <a:tcBdr>
                       <a:left>
-                        <a:solidFill>
-                          <a:srgbClr val="D0D0D0"/>
-                        </a:solidFill>
-                      </a:left>
-                      <a:right>
-                        <a:solidFill>
-                          <a:srgbClr val="D0D0D0"/>
-                        </a:solidFill>
-                      </a:right>
-                      <a:top>
-                        <a:solidFill>
-                          <a:srgbClr val="D0D0D0"/>
-                        </a:solidFill>
-                      </a:top>
-                      <a:bottom>
-                        <a:solidFill>
-                          <a:srgbClr val="D0D0D0"/>
-                        </a:solidFill>
+                        <a:ln w="6350" cap="flat" cmpd="sng" algn="ctr">
+                          <a:solidFill>
+                            <a:srgbClr val="D9D9D9"/>
+                          </a:solidFill>
+                          <a:prstDash val="solid"/>
+                        </a:ln>
+                      </a:left>
+                      <a:right>
+                        <a:ln w="6350" cap="flat" cmpd="sng" algn="ctr">
+                          <a:solidFill>
+                            <a:srgbClr val="D9D9D9"/>
+                          </a:solidFill>
+                          <a:prstDash val="solid"/>
+                        </a:ln>
+                      </a:right>
+                      <a:top>
+                        <a:ln w="6350" cap="flat" cmpd="sng" algn="ctr">
+                          <a:solidFill>
+                            <a:srgbClr val="D9D9D9"/>
+                          </a:solidFill>
+                          <a:prstDash val="solid"/>
+                        </a:ln>
+                      </a:top>
+                      <a:bottom>
+                        <a:ln w="6350" cap="flat" cmpd="sng" algn="ctr">
+                          <a:solidFill>
+                            <a:srgbClr val="D9D9D9"/>
+                          </a:solidFill>
+                          <a:prstDash val="solid"/>
+                        </a:ln>
                       </a:bottom>
                     </a:tcBdr>
                   </a:tcPr>
@@ -5235,7 +6046,7 @@
                         <a:rPr sz="1100" b="1">
                           <a:latin typeface="Calibri"/>
                         </a:rPr>
-                        <a:t>-23.6</a:t>
+                        <a:t>-21.1</a:t>
                       </a:r>
                       <a:endParaRPr lang="en-US"/>
                     </a:p>
@@ -5243,24 +6054,36 @@
                   <a:tcPr anchor="ctr" anchorCtr="1">
                     <a:tcBdr>
                       <a:left>
-                        <a:solidFill>
-                          <a:srgbClr val="D0D0D0"/>
-                        </a:solidFill>
-                      </a:left>
-                      <a:right>
-                        <a:solidFill>
-                          <a:srgbClr val="D0D0D0"/>
-                        </a:solidFill>
-                      </a:right>
-                      <a:top>
-                        <a:solidFill>
-                          <a:srgbClr val="D0D0D0"/>
-                        </a:solidFill>
-                      </a:top>
-                      <a:bottom>
-                        <a:solidFill>
-                          <a:srgbClr val="D0D0D0"/>
-                        </a:solidFill>
+                        <a:ln w="6350" cap="flat" cmpd="sng" algn="ctr">
+                          <a:solidFill>
+                            <a:srgbClr val="D9D9D9"/>
+                          </a:solidFill>
+                          <a:prstDash val="solid"/>
+                        </a:ln>
+                      </a:left>
+                      <a:right>
+                        <a:ln w="6350" cap="flat" cmpd="sng" algn="ctr">
+                          <a:solidFill>
+                            <a:srgbClr val="D9D9D9"/>
+                          </a:solidFill>
+                          <a:prstDash val="solid"/>
+                        </a:ln>
+                      </a:right>
+                      <a:top>
+                        <a:ln w="6350" cap="flat" cmpd="sng" algn="ctr">
+                          <a:solidFill>
+                            <a:srgbClr val="D9D9D9"/>
+                          </a:solidFill>
+                          <a:prstDash val="solid"/>
+                        </a:ln>
+                      </a:top>
+                      <a:bottom>
+                        <a:ln w="6350" cap="flat" cmpd="sng" algn="ctr">
+                          <a:solidFill>
+                            <a:srgbClr val="D9D9D9"/>
+                          </a:solidFill>
+                          <a:prstDash val="solid"/>
+                        </a:ln>
                       </a:bottom>
                     </a:tcBdr>
                   </a:tcPr>
@@ -5275,7 +6098,7 @@
                         <a:rPr sz="1100" b="1">
                           <a:latin typeface="Calibri"/>
                         </a:rPr>
-                        <a:t>-18.2</a:t>
+                        <a:t>-16.6</a:t>
                       </a:r>
                       <a:endParaRPr lang="en-US"/>
                     </a:p>
@@ -5283,24 +6106,36 @@
                   <a:tcPr anchor="ctr" anchorCtr="1">
                     <a:tcBdr>
                       <a:left>
-                        <a:solidFill>
-                          <a:srgbClr val="D0D0D0"/>
-                        </a:solidFill>
-                      </a:left>
-                      <a:right>
-                        <a:solidFill>
-                          <a:srgbClr val="D0D0D0"/>
-                        </a:solidFill>
-                      </a:right>
-                      <a:top>
-                        <a:solidFill>
-                          <a:srgbClr val="D0D0D0"/>
-                        </a:solidFill>
-                      </a:top>
-                      <a:bottom>
-                        <a:solidFill>
-                          <a:srgbClr val="D0D0D0"/>
-                        </a:solidFill>
+                        <a:ln w="6350" cap="flat" cmpd="sng" algn="ctr">
+                          <a:solidFill>
+                            <a:srgbClr val="D9D9D9"/>
+                          </a:solidFill>
+                          <a:prstDash val="solid"/>
+                        </a:ln>
+                      </a:left>
+                      <a:right>
+                        <a:ln w="6350" cap="flat" cmpd="sng" algn="ctr">
+                          <a:solidFill>
+                            <a:srgbClr val="D9D9D9"/>
+                          </a:solidFill>
+                          <a:prstDash val="solid"/>
+                        </a:ln>
+                      </a:right>
+                      <a:top>
+                        <a:ln w="6350" cap="flat" cmpd="sng" algn="ctr">
+                          <a:solidFill>
+                            <a:srgbClr val="D9D9D9"/>
+                          </a:solidFill>
+                          <a:prstDash val="solid"/>
+                        </a:ln>
+                      </a:top>
+                      <a:bottom>
+                        <a:ln w="6350" cap="flat" cmpd="sng" algn="ctr">
+                          <a:solidFill>
+                            <a:srgbClr val="D9D9D9"/>
+                          </a:solidFill>
+                          <a:prstDash val="solid"/>
+                        </a:ln>
                       </a:bottom>
                     </a:tcBdr>
                   </a:tcPr>
@@ -5315,7 +6150,7 @@
                         <a:rPr sz="1100" b="1">
                           <a:latin typeface="Calibri"/>
                         </a:rPr>
-                        <a:t>-12.7</a:t>
+                        <a:t>-12.2</a:t>
                       </a:r>
                       <a:endParaRPr lang="en-US"/>
                     </a:p>
@@ -5323,24 +6158,36 @@
                   <a:tcPr anchor="ctr" anchorCtr="1">
                     <a:tcBdr>
                       <a:left>
-                        <a:solidFill>
-                          <a:srgbClr val="D0D0D0"/>
-                        </a:solidFill>
-                      </a:left>
-                      <a:right>
-                        <a:solidFill>
-                          <a:srgbClr val="D0D0D0"/>
-                        </a:solidFill>
-                      </a:right>
-                      <a:top>
-                        <a:solidFill>
-                          <a:srgbClr val="D0D0D0"/>
-                        </a:solidFill>
-                      </a:top>
-                      <a:bottom>
-                        <a:solidFill>
-                          <a:srgbClr val="D0D0D0"/>
-                        </a:solidFill>
+                        <a:ln w="6350" cap="flat" cmpd="sng" algn="ctr">
+                          <a:solidFill>
+                            <a:srgbClr val="D9D9D9"/>
+                          </a:solidFill>
+                          <a:prstDash val="solid"/>
+                        </a:ln>
+                      </a:left>
+                      <a:right>
+                        <a:ln w="6350" cap="flat" cmpd="sng" algn="ctr">
+                          <a:solidFill>
+                            <a:srgbClr val="D9D9D9"/>
+                          </a:solidFill>
+                          <a:prstDash val="solid"/>
+                        </a:ln>
+                      </a:right>
+                      <a:top>
+                        <a:ln w="6350" cap="flat" cmpd="sng" algn="ctr">
+                          <a:solidFill>
+                            <a:srgbClr val="D9D9D9"/>
+                          </a:solidFill>
+                          <a:prstDash val="solid"/>
+                        </a:ln>
+                      </a:top>
+                      <a:bottom>
+                        <a:ln w="6350" cap="flat" cmpd="sng" algn="ctr">
+                          <a:solidFill>
+                            <a:srgbClr val="D9D9D9"/>
+                          </a:solidFill>
+                          <a:prstDash val="solid"/>
+                        </a:ln>
                       </a:bottom>
                     </a:tcBdr>
                   </a:tcPr>
@@ -5363,30 +6210,42 @@
                   <a:tcPr anchor="ctr" anchorCtr="1">
                     <a:tcBdr>
                       <a:left>
-                        <a:solidFill>
-                          <a:srgbClr val="D0D0D0"/>
-                        </a:solidFill>
-                      </a:left>
-                      <a:right>
-                        <a:solidFill>
-                          <a:srgbClr val="D0D0D0"/>
-                        </a:solidFill>
-                      </a:right>
-                      <a:top>
-                        <a:solidFill>
-                          <a:srgbClr val="D0D0D0"/>
-                        </a:solidFill>
-                      </a:top>
-                      <a:bottom>
-                        <a:solidFill>
-                          <a:srgbClr val="D0D0D0"/>
-                        </a:solidFill>
+                        <a:ln w="6350" cap="flat" cmpd="sng" algn="ctr">
+                          <a:solidFill>
+                            <a:srgbClr val="D9D9D9"/>
+                          </a:solidFill>
+                          <a:prstDash val="solid"/>
+                        </a:ln>
+                      </a:left>
+                      <a:right>
+                        <a:ln w="6350" cap="flat" cmpd="sng" algn="ctr">
+                          <a:solidFill>
+                            <a:srgbClr val="D9D9D9"/>
+                          </a:solidFill>
+                          <a:prstDash val="solid"/>
+                        </a:ln>
+                      </a:right>
+                      <a:top>
+                        <a:ln w="6350" cap="flat" cmpd="sng" algn="ctr">
+                          <a:solidFill>
+                            <a:srgbClr val="D9D9D9"/>
+                          </a:solidFill>
+                          <a:prstDash val="solid"/>
+                        </a:ln>
+                      </a:top>
+                      <a:bottom>
+                        <a:ln w="6350" cap="flat" cmpd="sng" algn="ctr">
+                          <a:solidFill>
+                            <a:srgbClr val="D9D9D9"/>
+                          </a:solidFill>
+                          <a:prstDash val="solid"/>
+                        </a:ln>
                       </a:bottom>
                     </a:tcBdr>
                   </a:tcPr>
                 </a:tc>
               </a:tr>
-              <a:tr h="380000">
+              <a:tr h="350000">
                 <a:tc>
                   <a:txBody>
                     <a:bodyPr anchor="ctr" anchorCtr="1"/>
@@ -5405,24 +6264,36 @@
                   <a:tcPr anchor="ctr" anchorCtr="1">
                     <a:tcBdr>
                       <a:left>
-                        <a:solidFill>
-                          <a:srgbClr val="D0D0D0"/>
-                        </a:solidFill>
-                      </a:left>
-                      <a:right>
-                        <a:solidFill>
-                          <a:srgbClr val="D0D0D0"/>
-                        </a:solidFill>
-                      </a:right>
-                      <a:top>
-                        <a:solidFill>
-                          <a:srgbClr val="D0D0D0"/>
-                        </a:solidFill>
-                      </a:top>
-                      <a:bottom>
-                        <a:solidFill>
-                          <a:srgbClr val="D0D0D0"/>
-                        </a:solidFill>
+                        <a:ln w="6350" cap="flat" cmpd="sng" algn="ctr">
+                          <a:solidFill>
+                            <a:srgbClr val="D9D9D9"/>
+                          </a:solidFill>
+                          <a:prstDash val="solid"/>
+                        </a:ln>
+                      </a:left>
+                      <a:right>
+                        <a:ln w="6350" cap="flat" cmpd="sng" algn="ctr">
+                          <a:solidFill>
+                            <a:srgbClr val="D9D9D9"/>
+                          </a:solidFill>
+                          <a:prstDash val="solid"/>
+                        </a:ln>
+                      </a:right>
+                      <a:top>
+                        <a:ln w="6350" cap="flat" cmpd="sng" algn="ctr">
+                          <a:solidFill>
+                            <a:srgbClr val="D9D9D9"/>
+                          </a:solidFill>
+                          <a:prstDash val="solid"/>
+                        </a:ln>
+                      </a:top>
+                      <a:bottom>
+                        <a:ln w="6350" cap="flat" cmpd="sng" algn="ctr">
+                          <a:solidFill>
+                            <a:srgbClr val="D9D9D9"/>
+                          </a:solidFill>
+                          <a:prstDash val="solid"/>
+                        </a:ln>
                       </a:bottom>
                     </a:tcBdr>
                   </a:tcPr>
@@ -5437,7 +6308,7 @@
                         <a:rPr sz="1100" b="1">
                           <a:latin typeface="Calibri"/>
                         </a:rPr>
-                        <a:t>-14.0</a:t>
+                        <a:t>-13.1</a:t>
                       </a:r>
                       <a:endParaRPr lang="en-US"/>
                     </a:p>
@@ -5445,24 +6316,36 @@
                   <a:tcPr anchor="ctr" anchorCtr="1">
                     <a:tcBdr>
                       <a:left>
-                        <a:solidFill>
-                          <a:srgbClr val="D0D0D0"/>
-                        </a:solidFill>
-                      </a:left>
-                      <a:right>
-                        <a:solidFill>
-                          <a:srgbClr val="D0D0D0"/>
-                        </a:solidFill>
-                      </a:right>
-                      <a:top>
-                        <a:solidFill>
-                          <a:srgbClr val="D0D0D0"/>
-                        </a:solidFill>
-                      </a:top>
-                      <a:bottom>
-                        <a:solidFill>
-                          <a:srgbClr val="D0D0D0"/>
-                        </a:solidFill>
+                        <a:ln w="6350" cap="flat" cmpd="sng" algn="ctr">
+                          <a:solidFill>
+                            <a:srgbClr val="D9D9D9"/>
+                          </a:solidFill>
+                          <a:prstDash val="solid"/>
+                        </a:ln>
+                      </a:left>
+                      <a:right>
+                        <a:ln w="6350" cap="flat" cmpd="sng" algn="ctr">
+                          <a:solidFill>
+                            <a:srgbClr val="D9D9D9"/>
+                          </a:solidFill>
+                          <a:prstDash val="solid"/>
+                        </a:ln>
+                      </a:right>
+                      <a:top>
+                        <a:ln w="6350" cap="flat" cmpd="sng" algn="ctr">
+                          <a:solidFill>
+                            <a:srgbClr val="D9D9D9"/>
+                          </a:solidFill>
+                          <a:prstDash val="solid"/>
+                        </a:ln>
+                      </a:top>
+                      <a:bottom>
+                        <a:ln w="6350" cap="flat" cmpd="sng" algn="ctr">
+                          <a:solidFill>
+                            <a:srgbClr val="D9D9D9"/>
+                          </a:solidFill>
+                          <a:prstDash val="solid"/>
+                        </a:ln>
                       </a:bottom>
                     </a:tcBdr>
                   </a:tcPr>
@@ -5477,7 +6360,7 @@
                         <a:rPr sz="1100" b="1">
                           <a:latin typeface="Calibri"/>
                         </a:rPr>
-                        <a:t>-7.1</a:t>
+                        <a:t>-6.6</a:t>
                       </a:r>
                       <a:endParaRPr lang="en-US"/>
                     </a:p>
@@ -5485,24 +6368,36 @@
                   <a:tcPr anchor="ctr" anchorCtr="1">
                     <a:tcBdr>
                       <a:left>
-                        <a:solidFill>
-                          <a:srgbClr val="D0D0D0"/>
-                        </a:solidFill>
-                      </a:left>
-                      <a:right>
-                        <a:solidFill>
-                          <a:srgbClr val="D0D0D0"/>
-                        </a:solidFill>
-                      </a:right>
-                      <a:top>
-                        <a:solidFill>
-                          <a:srgbClr val="D0D0D0"/>
-                        </a:solidFill>
-                      </a:top>
-                      <a:bottom>
-                        <a:solidFill>
-                          <a:srgbClr val="D0D0D0"/>
-                        </a:solidFill>
+                        <a:ln w="6350" cap="flat" cmpd="sng" algn="ctr">
+                          <a:solidFill>
+                            <a:srgbClr val="D9D9D9"/>
+                          </a:solidFill>
+                          <a:prstDash val="solid"/>
+                        </a:ln>
+                      </a:left>
+                      <a:right>
+                        <a:ln w="6350" cap="flat" cmpd="sng" algn="ctr">
+                          <a:solidFill>
+                            <a:srgbClr val="D9D9D9"/>
+                          </a:solidFill>
+                          <a:prstDash val="solid"/>
+                        </a:ln>
+                      </a:right>
+                      <a:top>
+                        <a:ln w="6350" cap="flat" cmpd="sng" algn="ctr">
+                          <a:solidFill>
+                            <a:srgbClr val="D9D9D9"/>
+                          </a:solidFill>
+                          <a:prstDash val="solid"/>
+                        </a:ln>
+                      </a:top>
+                      <a:bottom>
+                        <a:ln w="6350" cap="flat" cmpd="sng" algn="ctr">
+                          <a:solidFill>
+                            <a:srgbClr val="D9D9D9"/>
+                          </a:solidFill>
+                          <a:prstDash val="solid"/>
+                        </a:ln>
                       </a:bottom>
                     </a:tcBdr>
                   </a:tcPr>
@@ -5517,7 +6412,7 @@
                         <a:rPr sz="1100" b="1">
                           <a:latin typeface="Calibri"/>
                         </a:rPr>
-                        <a:t>-0.2</a:t>
+                        <a:t>-0.1</a:t>
                       </a:r>
                       <a:endParaRPr lang="en-US"/>
                     </a:p>
@@ -5525,24 +6420,36 @@
                   <a:tcPr anchor="ctr" anchorCtr="1">
                     <a:tcBdr>
                       <a:left>
-                        <a:solidFill>
-                          <a:srgbClr val="D0D0D0"/>
-                        </a:solidFill>
-                      </a:left>
-                      <a:right>
-                        <a:solidFill>
-                          <a:srgbClr val="D0D0D0"/>
-                        </a:solidFill>
-                      </a:right>
-                      <a:top>
-                        <a:solidFill>
-                          <a:srgbClr val="D0D0D0"/>
-                        </a:solidFill>
-                      </a:top>
-                      <a:bottom>
-                        <a:solidFill>
-                          <a:srgbClr val="D0D0D0"/>
-                        </a:solidFill>
+                        <a:ln w="6350" cap="flat" cmpd="sng" algn="ctr">
+                          <a:solidFill>
+                            <a:srgbClr val="D9D9D9"/>
+                          </a:solidFill>
+                          <a:prstDash val="solid"/>
+                        </a:ln>
+                      </a:left>
+                      <a:right>
+                        <a:ln w="6350" cap="flat" cmpd="sng" algn="ctr">
+                          <a:solidFill>
+                            <a:srgbClr val="D9D9D9"/>
+                          </a:solidFill>
+                          <a:prstDash val="solid"/>
+                        </a:ln>
+                      </a:right>
+                      <a:top>
+                        <a:ln w="6350" cap="flat" cmpd="sng" algn="ctr">
+                          <a:solidFill>
+                            <a:srgbClr val="D9D9D9"/>
+                          </a:solidFill>
+                          <a:prstDash val="solid"/>
+                        </a:ln>
+                      </a:top>
+                      <a:bottom>
+                        <a:ln w="6350" cap="flat" cmpd="sng" algn="ctr">
+                          <a:solidFill>
+                            <a:srgbClr val="D9D9D9"/>
+                          </a:solidFill>
+                          <a:prstDash val="solid"/>
+                        </a:ln>
                       </a:bottom>
                     </a:tcBdr>
                   </a:tcPr>
@@ -5557,7 +6464,7 @@
                         <a:rPr sz="1100" b="1">
                           <a:latin typeface="Calibri"/>
                         </a:rPr>
-                        <a:t>-24.7</a:t>
+                        <a:t>-20.0</a:t>
                       </a:r>
                       <a:endParaRPr lang="en-US"/>
                     </a:p>
@@ -5565,24 +6472,36 @@
                   <a:tcPr anchor="ctr" anchorCtr="1">
                     <a:tcBdr>
                       <a:left>
-                        <a:solidFill>
-                          <a:srgbClr val="D0D0D0"/>
-                        </a:solidFill>
-                      </a:left>
-                      <a:right>
-                        <a:solidFill>
-                          <a:srgbClr val="D0D0D0"/>
-                        </a:solidFill>
-                      </a:right>
-                      <a:top>
-                        <a:solidFill>
-                          <a:srgbClr val="D0D0D0"/>
-                        </a:solidFill>
-                      </a:top>
-                      <a:bottom>
-                        <a:solidFill>
-                          <a:srgbClr val="D0D0D0"/>
-                        </a:solidFill>
+                        <a:ln w="6350" cap="flat" cmpd="sng" algn="ctr">
+                          <a:solidFill>
+                            <a:srgbClr val="D9D9D9"/>
+                          </a:solidFill>
+                          <a:prstDash val="solid"/>
+                        </a:ln>
+                      </a:left>
+                      <a:right>
+                        <a:ln w="6350" cap="flat" cmpd="sng" algn="ctr">
+                          <a:solidFill>
+                            <a:srgbClr val="D9D9D9"/>
+                          </a:solidFill>
+                          <a:prstDash val="solid"/>
+                        </a:ln>
+                      </a:right>
+                      <a:top>
+                        <a:ln w="6350" cap="flat" cmpd="sng" algn="ctr">
+                          <a:solidFill>
+                            <a:srgbClr val="D9D9D9"/>
+                          </a:solidFill>
+                          <a:prstDash val="solid"/>
+                        </a:ln>
+                      </a:top>
+                      <a:bottom>
+                        <a:ln w="6350" cap="flat" cmpd="sng" algn="ctr">
+                          <a:solidFill>
+                            <a:srgbClr val="D9D9D9"/>
+                          </a:solidFill>
+                          <a:prstDash val="solid"/>
+                        </a:ln>
                       </a:bottom>
                     </a:tcBdr>
                   </a:tcPr>
@@ -5597,7 +6516,7 @@
                         <a:rPr sz="1100" b="1">
                           <a:latin typeface="Calibri"/>
                         </a:rPr>
-                        <a:t>-15.3</a:t>
+                        <a:t>-12.9</a:t>
                       </a:r>
                       <a:endParaRPr lang="en-US"/>
                     </a:p>
@@ -5605,24 +6524,36 @@
                   <a:tcPr anchor="ctr" anchorCtr="1">
                     <a:tcBdr>
                       <a:left>
-                        <a:solidFill>
-                          <a:srgbClr val="D0D0D0"/>
-                        </a:solidFill>
-                      </a:left>
-                      <a:right>
-                        <a:solidFill>
-                          <a:srgbClr val="D0D0D0"/>
-                        </a:solidFill>
-                      </a:right>
-                      <a:top>
-                        <a:solidFill>
-                          <a:srgbClr val="D0D0D0"/>
-                        </a:solidFill>
-                      </a:top>
-                      <a:bottom>
-                        <a:solidFill>
-                          <a:srgbClr val="D0D0D0"/>
-                        </a:solidFill>
+                        <a:ln w="6350" cap="flat" cmpd="sng" algn="ctr">
+                          <a:solidFill>
+                            <a:srgbClr val="D9D9D9"/>
+                          </a:solidFill>
+                          <a:prstDash val="solid"/>
+                        </a:ln>
+                      </a:left>
+                      <a:right>
+                        <a:ln w="6350" cap="flat" cmpd="sng" algn="ctr">
+                          <a:solidFill>
+                            <a:srgbClr val="D9D9D9"/>
+                          </a:solidFill>
+                          <a:prstDash val="solid"/>
+                        </a:ln>
+                      </a:right>
+                      <a:top>
+                        <a:ln w="6350" cap="flat" cmpd="sng" algn="ctr">
+                          <a:solidFill>
+                            <a:srgbClr val="D9D9D9"/>
+                          </a:solidFill>
+                          <a:prstDash val="solid"/>
+                        </a:ln>
+                      </a:top>
+                      <a:bottom>
+                        <a:ln w="6350" cap="flat" cmpd="sng" algn="ctr">
+                          <a:solidFill>
+                            <a:srgbClr val="D9D9D9"/>
+                          </a:solidFill>
+                          <a:prstDash val="solid"/>
+                        </a:ln>
                       </a:bottom>
                     </a:tcBdr>
                   </a:tcPr>
@@ -5645,24 +6576,36 @@
                   <a:tcPr anchor="ctr" anchorCtr="1">
                     <a:tcBdr>
                       <a:left>
-                        <a:solidFill>
-                          <a:srgbClr val="D0D0D0"/>
-                        </a:solidFill>
-                      </a:left>
-                      <a:right>
-                        <a:solidFill>
-                          <a:srgbClr val="D0D0D0"/>
-                        </a:solidFill>
-                      </a:right>
-                      <a:top>
-                        <a:solidFill>
-                          <a:srgbClr val="D0D0D0"/>
-                        </a:solidFill>
-                      </a:top>
-                      <a:bottom>
-                        <a:solidFill>
-                          <a:srgbClr val="D0D0D0"/>
-                        </a:solidFill>
+                        <a:ln w="6350" cap="flat" cmpd="sng" algn="ctr">
+                          <a:solidFill>
+                            <a:srgbClr val="D9D9D9"/>
+                          </a:solidFill>
+                          <a:prstDash val="solid"/>
+                        </a:ln>
+                      </a:left>
+                      <a:right>
+                        <a:ln w="6350" cap="flat" cmpd="sng" algn="ctr">
+                          <a:solidFill>
+                            <a:srgbClr val="D9D9D9"/>
+                          </a:solidFill>
+                          <a:prstDash val="solid"/>
+                        </a:ln>
+                      </a:right>
+                      <a:top>
+                        <a:ln w="6350" cap="flat" cmpd="sng" algn="ctr">
+                          <a:solidFill>
+                            <a:srgbClr val="D9D9D9"/>
+                          </a:solidFill>
+                          <a:prstDash val="solid"/>
+                        </a:ln>
+                      </a:top>
+                      <a:bottom>
+                        <a:ln w="6350" cap="flat" cmpd="sng" algn="ctr">
+                          <a:solidFill>
+                            <a:srgbClr val="D9D9D9"/>
+                          </a:solidFill>
+                          <a:prstDash val="solid"/>
+                        </a:ln>
                       </a:bottom>
                     </a:tcBdr>
                   </a:tcPr>
@@ -5685,24 +6628,36 @@
                   <a:tcPr anchor="ctr" anchorCtr="1">
                     <a:tcBdr>
                       <a:left>
-                        <a:solidFill>
-                          <a:srgbClr val="D0D0D0"/>
-                        </a:solidFill>
-                      </a:left>
-                      <a:right>
-                        <a:solidFill>
-                          <a:srgbClr val="D0D0D0"/>
-                        </a:solidFill>
-                      </a:right>
-                      <a:top>
-                        <a:solidFill>
-                          <a:srgbClr val="D0D0D0"/>
-                        </a:solidFill>
-                      </a:top>
-                      <a:bottom>
-                        <a:solidFill>
-                          <a:srgbClr val="D0D0D0"/>
-                        </a:solidFill>
+                        <a:ln w="6350" cap="flat" cmpd="sng" algn="ctr">
+                          <a:solidFill>
+                            <a:srgbClr val="D9D9D9"/>
+                          </a:solidFill>
+                          <a:prstDash val="solid"/>
+                        </a:ln>
+                      </a:left>
+                      <a:right>
+                        <a:ln w="6350" cap="flat" cmpd="sng" algn="ctr">
+                          <a:solidFill>
+                            <a:srgbClr val="D9D9D9"/>
+                          </a:solidFill>
+                          <a:prstDash val="solid"/>
+                        </a:ln>
+                      </a:right>
+                      <a:top>
+                        <a:ln w="6350" cap="flat" cmpd="sng" algn="ctr">
+                          <a:solidFill>
+                            <a:srgbClr val="D9D9D9"/>
+                          </a:solidFill>
+                          <a:prstDash val="solid"/>
+                        </a:ln>
+                      </a:top>
+                      <a:bottom>
+                        <a:ln w="6350" cap="flat" cmpd="sng" algn="ctr">
+                          <a:solidFill>
+                            <a:srgbClr val="D9D9D9"/>
+                          </a:solidFill>
+                          <a:prstDash val="solid"/>
+                        </a:ln>
                       </a:bottom>
                     </a:tcBdr>
                   </a:tcPr>
@@ -5745,14 +6700,14 @@
       </p:sp>
       <p:pic>
         <p:nvPicPr>
-          <p:cNvPr id="100" name="1.png"/>
+          <p:cNvPr id="100" name="功能图.png"/>
           <p:cNvPicPr>
             <a:picLocks noChangeAspect="1"/>
           </p:cNvPicPr>
           <p:nvPr/>
         </p:nvPicPr>
         <p:blipFill>
-          <a:blip r:embed="R27e57bfe62ef453d"/>
+          <a:blip r:embed="Re1ebe1c3046c4e44"/>
           <a:stretch>
             <a:fillRect/>
           </a:stretch>
@@ -5771,6 +6726,346 @@
   </p:cSld>
   <p:clrMapOvr>
     <a:masterClrMapping/>
+  </p:clrMapOvr>
+</p:sld>
+</file>
+
+<file path=ppt/slides/slide10.xml><?xml version="1.0" encoding="utf-8"?>
+<p:sld xmlns:p="http://schemas.openxmlformats.org/presentationml/2006/main">
+  <p:cSld name="Blank">
+    <p:spTree>
+      <p:nvGrpSpPr>
+        <p:cNvPr id="1" name=""/>
+        <p:cNvGrpSpPr/>
+        <p:nvPr/>
+      </p:nvGrpSpPr>
+      <p:grpSpPr>
+        <a:xfrm xmlns:a="http://schemas.openxmlformats.org/drawingml/2006/main">
+          <a:off x="0" y="0"/>
+          <a:ext cx="0" cy="0"/>
+          <a:chOff x="0" y="0"/>
+          <a:chExt cx="0" cy="0"/>
+        </a:xfrm>
+      </p:grpSpPr>
+      <p:sp>
+        <p:nvSpPr>
+          <p:cNvPr id="2" name="TextBox 2"/>
+          <p:cNvSpPr>
+            <a:spLocks xmlns:a="http://schemas.openxmlformats.org/drawingml/2006/main" noGrp="1"/>
+          </p:cNvSpPr>
+          <p:nvPr/>
+        </p:nvSpPr>
+        <p:spPr>
+          <a:xfrm xmlns:a="http://schemas.openxmlformats.org/drawingml/2006/main">
+            <a:off x="914400" y="1314000"/>
+            <a:ext cx="6000000" cy="350000"/>
+          </a:xfrm>
+          <a:prstGeom xmlns:a="http://schemas.openxmlformats.org/drawingml/2006/main" prst="rect">
+            <a:avLst/>
+          </a:prstGeom>
+        </p:spPr>
+        <p:txBody>
+          <a:bodyPr xmlns:a="http://schemas.openxmlformats.org/drawingml/2006/main"/>
+          <a:lstStyle xmlns:a="http://schemas.openxmlformats.org/drawingml/2006/main"/>
+          <a:p xmlns:a="http://schemas.openxmlformats.org/drawingml/2006/main">
+            <a:pPr algn="ctr"/>
+            <a:r>
+              <a:rPr sz="1400" b="1" u="sng">
+                <a:latin typeface="Calibri"/>
+              </a:rPr>
+              <a:t>Mounting Bonding Techniques for MMICs</a:t>
+            </a:r>
+          </a:p>
+        </p:txBody>
+      </p:sp>
+      <p:pic>
+        <p:nvPicPr>
+          <p:cNvPr id="100" name="芯片安装图.png"/>
+          <p:cNvPicPr>
+            <a:picLocks xmlns:a="http://schemas.openxmlformats.org/drawingml/2006/main" noChangeAspect="1"/>
+          </p:cNvPicPr>
+          <p:nvPr/>
+        </p:nvPicPr>
+        <p:blipFill>
+          <a:blip xmlns:r="http://schemas.openxmlformats.org/officeDocument/2006/relationships" xmlns:a="http://schemas.openxmlformats.org/drawingml/2006/main" r:embed="R125c045e399a4ce1"/>
+          <a:stretch xmlns:a="http://schemas.openxmlformats.org/drawingml/2006/main">
+            <a:fillRect/>
+          </a:stretch>
+        </p:blipFill>
+        <p:spPr>
+          <a:xfrm xmlns:a="http://schemas.openxmlformats.org/drawingml/2006/main">
+            <a:off x="1514400" y="1714000"/>
+            <a:ext cx="5000000" cy="1500000"/>
+          </a:xfrm>
+          <a:prstGeom xmlns:a="http://schemas.openxmlformats.org/drawingml/2006/main" prst="rect">
+            <a:avLst/>
+          </a:prstGeom>
+        </p:spPr>
+      </p:pic>
+      <p:sp>
+        <p:nvSpPr>
+          <p:cNvPr id="101" name="TextBox 101"/>
+          <p:cNvSpPr>
+            <a:spLocks xmlns:a="http://schemas.openxmlformats.org/drawingml/2006/main" noGrp="1"/>
+          </p:cNvSpPr>
+          <p:nvPr/>
+        </p:nvSpPr>
+        <p:spPr>
+          <a:xfrm xmlns:a="http://schemas.openxmlformats.org/drawingml/2006/main">
+            <a:off x="914400" y="3614000"/>
+            <a:ext cx="6000000" cy="2600000"/>
+          </a:xfrm>
+          <a:prstGeom xmlns:a="http://schemas.openxmlformats.org/drawingml/2006/main" prst="rect">
+            <a:avLst/>
+          </a:prstGeom>
+        </p:spPr>
+        <p:txBody>
+          <a:bodyPr xmlns:a="http://schemas.openxmlformats.org/drawingml/2006/main"/>
+          <a:lstStyle xmlns:a="http://schemas.openxmlformats.org/drawingml/2006/main"/>
+          <a:p xmlns:a="http://schemas.openxmlformats.org/drawingml/2006/main">
+            <a:pPr algn="l"/>
+            <a:r>
+              <a:rPr sz="1100" b="1">
+                <a:latin typeface="Calibri"/>
+              </a:rPr>
+              <a:t>Direct Mounting</a:t>
+            </a:r>
+          </a:p>
+          <a:p xmlns:a="http://schemas.openxmlformats.org/drawingml/2006/main">
+            <a:pPr indent="-180000" algn="l"/>
+            <a:r>
+              <a:rPr sz="1100" b="0">
+                <a:latin typeface="Calibri"/>
+              </a:rPr>
+              <a:t>1.Typically, the die is mounted directly on the ground plane.</a:t>
+            </a:r>
+          </a:p>
+          <a:p xmlns:a="http://schemas.openxmlformats.org/drawingml/2006/main">
+            <a:pPr indent="-180000" algn="l"/>
+            <a:r>
+              <a:rPr sz="1100" b="0">
+                <a:latin typeface="Calibri"/>
+              </a:rPr>
+              <a:t>2.If the thickness difference between the substrate (thickness c) and the die (thickness d) exceeds 0.05 mm (i.e., c – d &gt; 0.05 mm), it is recommended to first mount the die on a heat spreader, then attach the heat spreader to the ground plane.</a:t>
+            </a:r>
+          </a:p>
+          <a:p xmlns:a="http://schemas.openxmlformats.org/drawingml/2006/main">
+            <a:pPr indent="-180000" algn="l"/>
+            <a:r>
+              <a:rPr sz="1100" b="0">
+                <a:latin typeface="Calibri"/>
+              </a:rPr>
+              <a:t>3.Heat Spreader Material: Molybdenum-copper (MoCu) alloy is commonly used.</a:t>
+            </a:r>
+          </a:p>
+          <a:p xmlns:a="http://schemas.openxmlformats.org/drawingml/2006/main">
+            <a:pPr indent="-180000" algn="l"/>
+            <a:r>
+              <a:rPr sz="1100" b="0">
+                <a:latin typeface="Calibri"/>
+              </a:rPr>
+              <a:t>4.Heat Sink Thickness (b): Should be within the range of (c – d – 0.05 mm) to (c –d + 0.05 mm).</a:t>
+            </a:r>
+          </a:p>
+          <a:p xmlns:a="http://schemas.openxmlformats.org/drawingml/2006/main">
+            <a:pPr indent="-180000" algn="l"/>
+            <a:r>
+              <a:rPr sz="1100" b="0">
+                <a:latin typeface="Calibri"/>
+              </a:rPr>
+              <a:t>5.Spacing (a): The gap between the bare die and the 50Ω transmission line should typically be 0.05 mm to 0.1 mm. If the application frequency is higher than 40GHz, then this gap is recommended to be 0.05mm</a:t>
+            </a:r>
+          </a:p>
+          <a:p xmlns:a="http://schemas.openxmlformats.org/drawingml/2006/main">
+            <a:pPr indent="-180000" algn="l"/>
+            <a:r>
+              <a:rPr sz="1100" b="1">
+                <a:latin typeface="Calibri"/>
+              </a:rPr>
+              <a:t> Wire Bonding Interconnection</a:t>
+            </a:r>
+          </a:p>
+          <a:p xmlns:a="http://schemas.openxmlformats.org/drawingml/2006/main">
+            <a:pPr indent="-180000" algn="l"/>
+            <a:r>
+              <a:rPr sz="1100" b="0">
+                <a:latin typeface="Calibri"/>
+              </a:rPr>
+              <a:t>The connection between the die and the 50Ω transmission line is usually made using 25 μm diameter gold (Au) wires, bonded via wedge bonding or ball bonding processes.</a:t>
+            </a:r>
+          </a:p>
+          <a:p xmlns:a="http://schemas.openxmlformats.org/drawingml/2006/main">
+            <a:pPr indent="-180000" algn="l"/>
+            <a:r>
+              <a:rPr sz="1100" b="1">
+                <a:latin typeface="Calibri"/>
+              </a:rPr>
+              <a:t>Die Attachment Methods</a:t>
+            </a:r>
+          </a:p>
+          <a:p xmlns:a="http://schemas.openxmlformats.org/drawingml/2006/main">
+            <a:pPr indent="-180000" algn="l"/>
+            <a:r>
+              <a:rPr sz="1100" b="0">
+                <a:latin typeface="Calibri"/>
+              </a:rPr>
+              <a:t>1.Conductive Epoxy:</a:t>
+            </a:r>
+          </a:p>
+          <a:p xmlns:a="http://schemas.openxmlformats.org/drawingml/2006/main">
+            <a:pPr indent="-180000" algn="l"/>
+            <a:r>
+              <a:rPr sz="1100" b="0">
+                <a:latin typeface="Calibri"/>
+              </a:rPr>
+              <a:t>After adhesive application, cure according to the manufacturer’s recommended temperature profile.</a:t>
+            </a:r>
+          </a:p>
+          <a:p xmlns:a="http://schemas.openxmlformats.org/drawingml/2006/main">
+            <a:pPr indent="-180000" algn="l"/>
+            <a:r>
+              <a:rPr sz="1100" b="1">
+                <a:latin typeface="Calibri"/>
+              </a:rPr>
+              <a:t>2.Au-Sn80/20 Eutectic Bonding:</a:t>
+            </a:r>
+          </a:p>
+          <a:p xmlns:a="http://schemas.openxmlformats.org/drawingml/2006/main">
+            <a:pPr indent="-180000" algn="l"/>
+            <a:r>
+              <a:rPr sz="1100" b="0">
+                <a:latin typeface="Calibri"/>
+              </a:rPr>
+              <a:t>Use preformed Au-Sn80/20 solder preforms.</a:t>
+            </a:r>
+          </a:p>
+          <a:p xmlns:a="http://schemas.openxmlformats.org/drawingml/2006/main">
+            <a:pPr indent="-180000" algn="l"/>
+            <a:r>
+              <a:rPr sz="1100" b="0">
+                <a:latin typeface="Calibri"/>
+              </a:rPr>
+              <a:t>Perform bonding in an inert atmosphere (N₂ or forming gas: 90% N₂ + 10% H₂).</a:t>
+            </a:r>
+          </a:p>
+          <a:p xmlns:a="http://schemas.openxmlformats.org/drawingml/2006/main">
+            <a:pPr indent="-180000" algn="l"/>
+            <a:r>
+              <a:rPr sz="1100" b="0">
+                <a:latin typeface="Calibri"/>
+              </a:rPr>
+              <a:t>Keep the time above 320℃ to less than 20 seconds to prevent excessive intermetallic formation.</a:t>
+            </a:r>
+          </a:p>
+          <a:p xmlns:a="http://schemas.openxmlformats.org/drawingml/2006/main">
+            <a:pPr indent="-180000" algn="l"/>
+            <a:r>
+              <a:rPr sz="1100" b="0">
+                <a:latin typeface="Calibri"/>
+              </a:rPr>
+              <a:t/>
+            </a:r>
+          </a:p>
+        </p:txBody>
+      </p:sp>
+      <p:sp>
+        <p:nvSpPr>
+          <p:cNvPr id="102" name="TextBox 102"/>
+          <p:cNvSpPr>
+            <a:spLocks xmlns:a="http://schemas.openxmlformats.org/drawingml/2006/main" noGrp="1"/>
+          </p:cNvSpPr>
+          <p:nvPr/>
+        </p:nvSpPr>
+        <p:spPr>
+          <a:xfrm xmlns:a="http://schemas.openxmlformats.org/drawingml/2006/main">
+            <a:off x="914400" y="7414000"/>
+            <a:ext cx="6000000" cy="1400000"/>
+          </a:xfrm>
+          <a:prstGeom xmlns:a="http://schemas.openxmlformats.org/drawingml/2006/main" prst="rect">
+            <a:avLst/>
+          </a:prstGeom>
+        </p:spPr>
+        <p:txBody>
+          <a:bodyPr xmlns:a="http://schemas.openxmlformats.org/drawingml/2006/main"/>
+          <a:lstStyle xmlns:a="http://schemas.openxmlformats.org/drawingml/2006/main"/>
+          <a:p xmlns:a="http://schemas.openxmlformats.org/drawingml/2006/main">
+            <a:pPr algn="l"/>
+            <a:r>
+              <a:rPr sz="700" b="1">
+                <a:latin typeface="Calibri"/>
+              </a:rPr>
+              <a:t>Miller MMIC Inc. All rights reserved</a:t>
+            </a:r>
+          </a:p>
+          <a:p xmlns:a="http://schemas.openxmlformats.org/drawingml/2006/main">
+            <a:pPr indent="-180000" algn="l"/>
+            <a:r>
+              <a:rPr sz="700" b="0">
+                <a:latin typeface="Calibri"/>
+              </a:rPr>
+              <a:t>Miller MMIC, Inc. holds exclusive rights to the information presented in its Data Sheet and any accompanying materials. As a premier supplier of cutting-edge RF solutions, Miller MMIC has made this information easily accessible to its clients.</a:t>
+            </a:r>
+          </a:p>
+          <a:p xmlns:a="http://schemas.openxmlformats.org/drawingml/2006/main">
+            <a:pPr indent="-180000" algn="l"/>
+            <a:r>
+              <a:rPr sz="700" b="0">
+                <a:latin typeface="Calibri"/>
+              </a:rPr>
+              <a:t/>
+            </a:r>
+          </a:p>
+          <a:p xmlns:a="http://schemas.openxmlformats.org/drawingml/2006/main">
+            <a:pPr indent="-180000" algn="l"/>
+            <a:r>
+              <a:rPr sz="700" b="0">
+                <a:latin typeface="Calibri"/>
+              </a:rPr>
+              <a:t>Although Miller MMIC believes the information provided in its Data Sheet to be trustworthy, the company does not offer any guarantees as to its accuracy. Therefore, Miller MMIC bears no responsibility for the use of this information. It is worth mentioning that the information within the Data Sheet may be altered without prior notification.</a:t>
+            </a:r>
+          </a:p>
+          <a:p xmlns:a="http://schemas.openxmlformats.org/drawingml/2006/main">
+            <a:pPr indent="-180000" algn="l"/>
+            <a:r>
+              <a:rPr sz="700" b="0">
+                <a:latin typeface="Calibri"/>
+              </a:rPr>
+              <a:t/>
+            </a:r>
+          </a:p>
+          <a:p xmlns:a="http://schemas.openxmlformats.org/drawingml/2006/main">
+            <a:pPr indent="-180000" algn="l"/>
+            <a:r>
+              <a:rPr sz="700" b="0">
+                <a:latin typeface="Calibri"/>
+              </a:rPr>
+              <a:t>Customers are encouraged to obtain and verify the most recent and pertinent information before placing any orders for Miller MMIC products. The information in the Data Sheet does not confer, either explicitly or implicitly, any rights or licenses with regards to patents or other forms of intellectual property to any third party.</a:t>
+            </a:r>
+          </a:p>
+          <a:p xmlns:a="http://schemas.openxmlformats.org/drawingml/2006/main">
+            <a:pPr indent="-180000" algn="l"/>
+            <a:r>
+              <a:rPr sz="700" b="0">
+                <a:latin typeface="Calibri"/>
+              </a:rPr>
+              <a:t/>
+            </a:r>
+          </a:p>
+          <a:p xmlns:a="http://schemas.openxmlformats.org/drawingml/2006/main">
+            <a:pPr indent="-180000" algn="l"/>
+            <a:r>
+              <a:rPr sz="700" b="0">
+                <a:latin typeface="Calibri"/>
+              </a:rPr>
+              <a:t>The information provided in the Data Sheet, or its utilization, does not bestow any patent rights, licenses, or other forms of intellectual property rights to any individual or entity, whether in regards to the information itself or anything described by such information. Furthermore, Miller MMIC products are not intended for use as critical components in applications where failure could result in severe injury or death, such as medical or life-saving equipment, or life-sustaining applications, or in any situation where failure could cause serious personal injury or death.</a:t>
+            </a:r>
+          </a:p>
+        </p:txBody>
+      </p:sp>
+    </p:spTree>
+  </p:cSld>
+  <p:clrMapOvr>
+    <a:masterClrMapping xmlns:a="http://schemas.openxmlformats.org/drawingml/2006/main"/>
   </p:clrMapOvr>
 </p:sld>
 </file>
@@ -5801,7 +7096,7 @@
           <p:nvPr/>
         </p:nvPicPr>
         <p:blipFill>
-          <a:blip xmlns:r="http://schemas.openxmlformats.org/officeDocument/2006/relationships" xmlns:a="http://schemas.openxmlformats.org/drawingml/2006/main" r:embed="R49fc14ac9d37480f"/>
+          <a:blip xmlns:r="http://schemas.openxmlformats.org/officeDocument/2006/relationships" xmlns:a="http://schemas.openxmlformats.org/drawingml/2006/main" r:embed="R48f9fb06749449b5"/>
           <a:stretch xmlns:a="http://schemas.openxmlformats.org/drawingml/2006/main">
             <a:fillRect/>
           </a:stretch>
@@ -5851,7 +7146,7 @@
               <a:rPr sz="1200" b="1" u="sng">
                 <a:latin typeface="Calibri"/>
               </a:rPr>
-              <a:t>TA = +25℃</a:t>
+              <a:t>VD=4.5V,ID=78mA</a:t>
             </a:r>
           </a:p>
         </p:txBody>
@@ -5865,7 +7160,7 @@
           <p:nvPr/>
         </p:nvPicPr>
         <p:blipFill>
-          <a:blip xmlns:r="http://schemas.openxmlformats.org/officeDocument/2006/relationships" xmlns:a="http://schemas.openxmlformats.org/drawingml/2006/main" r:embed="R3bef6519fad84c83"/>
+          <a:blip xmlns:r="http://schemas.openxmlformats.org/officeDocument/2006/relationships" xmlns:a="http://schemas.openxmlformats.org/drawingml/2006/main" r:embed="R8d5552a7cafa41ac"/>
           <a:stretch xmlns:a="http://schemas.openxmlformats.org/drawingml/2006/main">
             <a:fillRect/>
           </a:stretch>
@@ -5889,7 +7184,7 @@
           <p:nvPr/>
         </p:nvPicPr>
         <p:blipFill>
-          <a:blip xmlns:r="http://schemas.openxmlformats.org/officeDocument/2006/relationships" xmlns:a="http://schemas.openxmlformats.org/drawingml/2006/main" r:embed="Rc4688a3544054aee"/>
+          <a:blip xmlns:r="http://schemas.openxmlformats.org/officeDocument/2006/relationships" xmlns:a="http://schemas.openxmlformats.org/drawingml/2006/main" r:embed="R6e43a6cec7134775"/>
           <a:stretch xmlns:a="http://schemas.openxmlformats.org/drawingml/2006/main">
             <a:fillRect/>
           </a:stretch>
@@ -5913,7 +7208,7 @@
           <p:nvPr/>
         </p:nvPicPr>
         <p:blipFill>
-          <a:blip xmlns:r="http://schemas.openxmlformats.org/officeDocument/2006/relationships" xmlns:a="http://schemas.openxmlformats.org/drawingml/2006/main" r:embed="Rcd2817dedf9344a2"/>
+          <a:blip xmlns:r="http://schemas.openxmlformats.org/officeDocument/2006/relationships" xmlns:a="http://schemas.openxmlformats.org/drawingml/2006/main" r:embed="R4e30fb35656442ef"/>
           <a:stretch xmlns:a="http://schemas.openxmlformats.org/drawingml/2006/main">
             <a:fillRect/>
           </a:stretch>
@@ -5937,7 +7232,585 @@
           <p:nvPr/>
         </p:nvPicPr>
         <p:blipFill>
-          <a:blip xmlns:r="http://schemas.openxmlformats.org/officeDocument/2006/relationships" xmlns:a="http://schemas.openxmlformats.org/drawingml/2006/main" r:embed="R1afe845d517c4922"/>
+          <a:blip xmlns:r="http://schemas.openxmlformats.org/officeDocument/2006/relationships" xmlns:a="http://schemas.openxmlformats.org/drawingml/2006/main" r:embed="R86d56be0428c422f"/>
+          <a:stretch xmlns:a="http://schemas.openxmlformats.org/drawingml/2006/main">
+            <a:fillRect/>
+          </a:stretch>
+        </p:blipFill>
+        <p:spPr>
+          <a:xfrm xmlns:a="http://schemas.openxmlformats.org/drawingml/2006/main">
+            <a:off x="914400" y="7014000"/>
+            <a:ext cx="2500000" cy="2000000"/>
+          </a:xfrm>
+          <a:prstGeom xmlns:a="http://schemas.openxmlformats.org/drawingml/2006/main" prst="rect">
+            <a:avLst/>
+          </a:prstGeom>
+        </p:spPr>
+      </p:pic>
+      <p:sp>
+        <p:nvSpPr>
+          <p:cNvPr id="102" name="TextBox 102"/>
+          <p:cNvSpPr>
+            <a:spLocks xmlns:a="http://schemas.openxmlformats.org/drawingml/2006/main" noGrp="1"/>
+          </p:cNvSpPr>
+          <p:nvPr/>
+        </p:nvSpPr>
+        <p:spPr>
+          <a:xfrm xmlns:a="http://schemas.openxmlformats.org/drawingml/2006/main">
+            <a:off x="914400" y="6514000"/>
+            <a:ext cx="6000000" cy="500000"/>
+          </a:xfrm>
+          <a:prstGeom xmlns:a="http://schemas.openxmlformats.org/drawingml/2006/main" prst="rect">
+            <a:avLst/>
+          </a:prstGeom>
+        </p:spPr>
+        <p:txBody>
+          <a:bodyPr xmlns:a="http://schemas.openxmlformats.org/drawingml/2006/main"/>
+          <a:lstStyle xmlns:a="http://schemas.openxmlformats.org/drawingml/2006/main"/>
+          <a:p xmlns:a="http://schemas.openxmlformats.org/drawingml/2006/main">
+            <a:pPr algn="ctr"/>
+            <a:r>
+              <a:rPr sz="1200" b="1" u="sng">
+                <a:latin typeface="Calibri"/>
+              </a:rPr>
+              <a:t>Measurement Plots: S-parameters</a:t>
+            </a:r>
+          </a:p>
+          <a:p xmlns:a="http://schemas.openxmlformats.org/drawingml/2006/main">
+            <a:pPr indent="-180000" algn="ctr"/>
+            <a:r>
+              <a:rPr sz="1200" b="1" u="sng">
+                <a:latin typeface="Calibri"/>
+              </a:rPr>
+              <a:t>TA = +25℃</a:t>
+            </a:r>
+          </a:p>
+        </p:txBody>
+      </p:sp>
+      <p:pic>
+        <p:nvPicPr>
+          <p:cNvPr id="100" name="5.png"/>
+          <p:cNvPicPr>
+            <a:picLocks xmlns:a="http://schemas.openxmlformats.org/drawingml/2006/main" noChangeAspect="1"/>
+          </p:cNvPicPr>
+          <p:nvPr/>
+        </p:nvPicPr>
+        <p:blipFill>
+          <a:blip xmlns:r="http://schemas.openxmlformats.org/officeDocument/2006/relationships" xmlns:a="http://schemas.openxmlformats.org/drawingml/2006/main" r:embed="Ree5b235eeb4e4a51"/>
+          <a:stretch xmlns:a="http://schemas.openxmlformats.org/drawingml/2006/main">
+            <a:fillRect/>
+          </a:stretch>
+        </p:blipFill>
+        <p:spPr>
+          <a:xfrm xmlns:a="http://schemas.openxmlformats.org/drawingml/2006/main">
+            <a:off x="4114400" y="7014000"/>
+            <a:ext cx="2500000" cy="2000000"/>
+          </a:xfrm>
+          <a:prstGeom xmlns:a="http://schemas.openxmlformats.org/drawingml/2006/main" prst="rect">
+            <a:avLst/>
+          </a:prstGeom>
+        </p:spPr>
+      </p:pic>
+    </p:spTree>
+  </p:cSld>
+  <p:clrMapOvr>
+    <a:masterClrMapping xmlns:a="http://schemas.openxmlformats.org/drawingml/2006/main"/>
+  </p:clrMapOvr>
+</p:sld>
+</file>
+
+<file path=ppt/slides/slide3.xml><?xml version="1.0" encoding="utf-8"?>
+<p:sld xmlns:p="http://schemas.openxmlformats.org/presentationml/2006/main">
+  <p:cSld name="Blank">
+    <p:spTree>
+      <p:nvGrpSpPr>
+        <p:cNvPr id="1" name=""/>
+        <p:cNvGrpSpPr/>
+        <p:nvPr/>
+      </p:nvGrpSpPr>
+      <p:grpSpPr>
+        <a:xfrm xmlns:a="http://schemas.openxmlformats.org/drawingml/2006/main">
+          <a:off x="0" y="0"/>
+          <a:ext cx="0" cy="0"/>
+          <a:chOff x="0" y="0"/>
+          <a:chExt cx="0" cy="0"/>
+        </a:xfrm>
+      </p:grpSpPr>
+      <p:pic>
+        <p:nvPicPr>
+          <p:cNvPr id="100" name="6.png"/>
+          <p:cNvPicPr>
+            <a:picLocks xmlns:a="http://schemas.openxmlformats.org/drawingml/2006/main" noChangeAspect="1"/>
+          </p:cNvPicPr>
+          <p:nvPr/>
+        </p:nvPicPr>
+        <p:blipFill>
+          <a:blip xmlns:r="http://schemas.openxmlformats.org/officeDocument/2006/relationships" xmlns:a="http://schemas.openxmlformats.org/drawingml/2006/main" r:embed="R7b367344345b4220"/>
+          <a:stretch xmlns:a="http://schemas.openxmlformats.org/drawingml/2006/main">
+            <a:fillRect/>
+          </a:stretch>
+        </p:blipFill>
+        <p:spPr>
+          <a:xfrm xmlns:a="http://schemas.openxmlformats.org/drawingml/2006/main">
+            <a:off x="914400" y="1814000"/>
+            <a:ext cx="2500000" cy="2000000"/>
+          </a:xfrm>
+          <a:prstGeom xmlns:a="http://schemas.openxmlformats.org/drawingml/2006/main" prst="rect">
+            <a:avLst/>
+          </a:prstGeom>
+        </p:spPr>
+      </p:pic>
+      <p:pic>
+        <p:nvPicPr>
+          <p:cNvPr id="100" name="7.png"/>
+          <p:cNvPicPr>
+            <a:picLocks xmlns:a="http://schemas.openxmlformats.org/drawingml/2006/main" noChangeAspect="1"/>
+          </p:cNvPicPr>
+          <p:nvPr/>
+        </p:nvPicPr>
+        <p:blipFill>
+          <a:blip xmlns:r="http://schemas.openxmlformats.org/officeDocument/2006/relationships" xmlns:a="http://schemas.openxmlformats.org/drawingml/2006/main" r:embed="Rc5e2a5713dd44809"/>
+          <a:stretch xmlns:a="http://schemas.openxmlformats.org/drawingml/2006/main">
+            <a:fillRect/>
+          </a:stretch>
+        </p:blipFill>
+        <p:spPr>
+          <a:xfrm xmlns:a="http://schemas.openxmlformats.org/drawingml/2006/main">
+            <a:off x="4114400" y="1814000"/>
+            <a:ext cx="2500000" cy="2000000"/>
+          </a:xfrm>
+          <a:prstGeom xmlns:a="http://schemas.openxmlformats.org/drawingml/2006/main" prst="rect">
+            <a:avLst/>
+          </a:prstGeom>
+        </p:spPr>
+      </p:pic>
+      <p:pic>
+        <p:nvPicPr>
+          <p:cNvPr id="100" name="8.png"/>
+          <p:cNvPicPr>
+            <a:picLocks xmlns:a="http://schemas.openxmlformats.org/drawingml/2006/main" noChangeAspect="1"/>
+          </p:cNvPicPr>
+          <p:nvPr/>
+        </p:nvPicPr>
+        <p:blipFill>
+          <a:blip xmlns:r="http://schemas.openxmlformats.org/officeDocument/2006/relationships" xmlns:a="http://schemas.openxmlformats.org/drawingml/2006/main" r:embed="Race77d1df6f24428"/>
+          <a:stretch xmlns:a="http://schemas.openxmlformats.org/drawingml/2006/main">
+            <a:fillRect/>
+          </a:stretch>
+        </p:blipFill>
+        <p:spPr>
+          <a:xfrm xmlns:a="http://schemas.openxmlformats.org/drawingml/2006/main">
+            <a:off x="914400" y="4414000"/>
+            <a:ext cx="2500000" cy="2000000"/>
+          </a:xfrm>
+          <a:prstGeom xmlns:a="http://schemas.openxmlformats.org/drawingml/2006/main" prst="rect">
+            <a:avLst/>
+          </a:prstGeom>
+        </p:spPr>
+      </p:pic>
+      <p:sp>
+        <p:nvSpPr>
+          <p:cNvPr id="101" name="TextBox 101"/>
+          <p:cNvSpPr>
+            <a:spLocks xmlns:a="http://schemas.openxmlformats.org/drawingml/2006/main" noGrp="1"/>
+          </p:cNvSpPr>
+          <p:nvPr/>
+        </p:nvSpPr>
+        <p:spPr>
+          <a:xfrm xmlns:a="http://schemas.openxmlformats.org/drawingml/2006/main">
+            <a:off x="914400" y="3914000"/>
+            <a:ext cx="2900000" cy="500000"/>
+          </a:xfrm>
+          <a:prstGeom xmlns:a="http://schemas.openxmlformats.org/drawingml/2006/main" prst="rect">
+            <a:avLst/>
+          </a:prstGeom>
+        </p:spPr>
+        <p:txBody>
+          <a:bodyPr xmlns:a="http://schemas.openxmlformats.org/drawingml/2006/main"/>
+          <a:lstStyle xmlns:a="http://schemas.openxmlformats.org/drawingml/2006/main"/>
+          <a:p xmlns:a="http://schemas.openxmlformats.org/drawingml/2006/main">
+            <a:pPr algn="ctr"/>
+            <a:r>
+              <a:rPr sz="1200" b="1" u="sng">
+                <a:latin typeface="Calibri"/>
+              </a:rPr>
+              <a:t>Measurement Plots: P1dB</a:t>
+            </a:r>
+          </a:p>
+          <a:p xmlns:a="http://schemas.openxmlformats.org/drawingml/2006/main">
+            <a:pPr indent="-180000" algn="ctr"/>
+            <a:r>
+              <a:rPr sz="1200" b="1" u="sng">
+                <a:latin typeface="Calibri"/>
+              </a:rPr>
+              <a:t>TA = +25℃</a:t>
+            </a:r>
+          </a:p>
+        </p:txBody>
+      </p:sp>
+      <p:pic>
+        <p:nvPicPr>
+          <p:cNvPr id="100" name="9.png"/>
+          <p:cNvPicPr>
+            <a:picLocks xmlns:a="http://schemas.openxmlformats.org/drawingml/2006/main" noChangeAspect="1"/>
+          </p:cNvPicPr>
+          <p:nvPr/>
+        </p:nvPicPr>
+        <p:blipFill>
+          <a:blip xmlns:r="http://schemas.openxmlformats.org/officeDocument/2006/relationships" xmlns:a="http://schemas.openxmlformats.org/drawingml/2006/main" r:embed="R2b3afedd98b1420d"/>
+          <a:stretch xmlns:a="http://schemas.openxmlformats.org/drawingml/2006/main">
+            <a:fillRect/>
+          </a:stretch>
+        </p:blipFill>
+        <p:spPr>
+          <a:xfrm xmlns:a="http://schemas.openxmlformats.org/drawingml/2006/main">
+            <a:off x="4114400" y="4414000"/>
+            <a:ext cx="2500000" cy="2000000"/>
+          </a:xfrm>
+          <a:prstGeom xmlns:a="http://schemas.openxmlformats.org/drawingml/2006/main" prst="rect">
+            <a:avLst/>
+          </a:prstGeom>
+        </p:spPr>
+      </p:pic>
+      <p:sp>
+        <p:nvSpPr>
+          <p:cNvPr id="102" name="TextBox 102"/>
+          <p:cNvSpPr>
+            <a:spLocks xmlns:a="http://schemas.openxmlformats.org/drawingml/2006/main" noGrp="1"/>
+          </p:cNvSpPr>
+          <p:nvPr/>
+        </p:nvSpPr>
+        <p:spPr>
+          <a:xfrm xmlns:a="http://schemas.openxmlformats.org/drawingml/2006/main">
+            <a:off x="4114400" y="3914000"/>
+            <a:ext cx="2900000" cy="500000"/>
+          </a:xfrm>
+          <a:prstGeom xmlns:a="http://schemas.openxmlformats.org/drawingml/2006/main" prst="rect">
+            <a:avLst/>
+          </a:prstGeom>
+        </p:spPr>
+        <p:txBody>
+          <a:bodyPr xmlns:a="http://schemas.openxmlformats.org/drawingml/2006/main"/>
+          <a:lstStyle xmlns:a="http://schemas.openxmlformats.org/drawingml/2006/main"/>
+          <a:p xmlns:a="http://schemas.openxmlformats.org/drawingml/2006/main">
+            <a:pPr algn="ctr"/>
+            <a:r>
+              <a:rPr sz="1200" b="1" u="sng">
+                <a:latin typeface="Calibri"/>
+              </a:rPr>
+              <a:t>Measurement Plots: OIP3</a:t>
+            </a:r>
+          </a:p>
+          <a:p xmlns:a="http://schemas.openxmlformats.org/drawingml/2006/main">
+            <a:pPr indent="-180000" algn="ctr"/>
+            <a:r>
+              <a:rPr sz="1200" b="1" u="sng">
+                <a:latin typeface="Calibri"/>
+              </a:rPr>
+              <a:t>TA = +25℃</a:t>
+            </a:r>
+          </a:p>
+        </p:txBody>
+      </p:sp>
+      <p:pic>
+        <p:nvPicPr>
+          <p:cNvPr id="100" name="10.png"/>
+          <p:cNvPicPr>
+            <a:picLocks xmlns:a="http://schemas.openxmlformats.org/drawingml/2006/main" noChangeAspect="1"/>
+          </p:cNvPicPr>
+          <p:nvPr/>
+        </p:nvPicPr>
+        <p:blipFill>
+          <a:blip xmlns:r="http://schemas.openxmlformats.org/officeDocument/2006/relationships" xmlns:a="http://schemas.openxmlformats.org/drawingml/2006/main" r:embed="R40969ae80fec42e6"/>
+          <a:stretch xmlns:a="http://schemas.openxmlformats.org/drawingml/2006/main">
+            <a:fillRect/>
+          </a:stretch>
+        </p:blipFill>
+        <p:spPr>
+          <a:xfrm xmlns:a="http://schemas.openxmlformats.org/drawingml/2006/main">
+            <a:off x="914400" y="7014000"/>
+            <a:ext cx="2500000" cy="2000000"/>
+          </a:xfrm>
+          <a:prstGeom xmlns:a="http://schemas.openxmlformats.org/drawingml/2006/main" prst="rect">
+            <a:avLst/>
+          </a:prstGeom>
+        </p:spPr>
+      </p:pic>
+      <p:sp>
+        <p:nvSpPr>
+          <p:cNvPr id="103" name="TextBox 103"/>
+          <p:cNvSpPr>
+            <a:spLocks xmlns:a="http://schemas.openxmlformats.org/drawingml/2006/main" noGrp="1"/>
+          </p:cNvSpPr>
+          <p:nvPr/>
+        </p:nvSpPr>
+        <p:spPr>
+          <a:xfrm xmlns:a="http://schemas.openxmlformats.org/drawingml/2006/main">
+            <a:off x="914400" y="6514000"/>
+            <a:ext cx="2900000" cy="500000"/>
+          </a:xfrm>
+          <a:prstGeom xmlns:a="http://schemas.openxmlformats.org/drawingml/2006/main" prst="rect">
+            <a:avLst/>
+          </a:prstGeom>
+        </p:spPr>
+        <p:txBody>
+          <a:bodyPr xmlns:a="http://schemas.openxmlformats.org/drawingml/2006/main"/>
+          <a:lstStyle xmlns:a="http://schemas.openxmlformats.org/drawingml/2006/main"/>
+          <a:p xmlns:a="http://schemas.openxmlformats.org/drawingml/2006/main">
+            <a:pPr algn="ctr"/>
+            <a:r>
+              <a:rPr sz="1200" b="1" u="sng">
+                <a:latin typeface="Calibri"/>
+              </a:rPr>
+              <a:t>Measurement Plots: Psat</a:t>
+            </a:r>
+          </a:p>
+          <a:p xmlns:a="http://schemas.openxmlformats.org/drawingml/2006/main">
+            <a:pPr indent="-180000" algn="ctr"/>
+            <a:r>
+              <a:rPr sz="1200" b="1" u="sng">
+                <a:latin typeface="Calibri"/>
+              </a:rPr>
+              <a:t>TA = +25℃</a:t>
+            </a:r>
+          </a:p>
+        </p:txBody>
+      </p:sp>
+      <p:pic>
+        <p:nvPicPr>
+          <p:cNvPr id="100" name="11.png"/>
+          <p:cNvPicPr>
+            <a:picLocks xmlns:a="http://schemas.openxmlformats.org/drawingml/2006/main" noChangeAspect="1"/>
+          </p:cNvPicPr>
+          <p:nvPr/>
+        </p:nvPicPr>
+        <p:blipFill>
+          <a:blip xmlns:r="http://schemas.openxmlformats.org/officeDocument/2006/relationships" xmlns:a="http://schemas.openxmlformats.org/drawingml/2006/main" r:embed="Raf7dd9f3b5db432c"/>
+          <a:stretch xmlns:a="http://schemas.openxmlformats.org/drawingml/2006/main">
+            <a:fillRect/>
+          </a:stretch>
+        </p:blipFill>
+        <p:spPr>
+          <a:xfrm xmlns:a="http://schemas.openxmlformats.org/drawingml/2006/main">
+            <a:off x="4114400" y="7014000"/>
+            <a:ext cx="2500000" cy="2000000"/>
+          </a:xfrm>
+          <a:prstGeom xmlns:a="http://schemas.openxmlformats.org/drawingml/2006/main" prst="rect">
+            <a:avLst/>
+          </a:prstGeom>
+        </p:spPr>
+      </p:pic>
+      <p:sp>
+        <p:nvSpPr>
+          <p:cNvPr id="104" name="TextBox 104"/>
+          <p:cNvSpPr>
+            <a:spLocks xmlns:a="http://schemas.openxmlformats.org/drawingml/2006/main" noGrp="1"/>
+          </p:cNvSpPr>
+          <p:nvPr/>
+        </p:nvSpPr>
+        <p:spPr>
+          <a:xfrm xmlns:a="http://schemas.openxmlformats.org/drawingml/2006/main">
+            <a:off x="4114400" y="6514000"/>
+            <a:ext cx="2900000" cy="500000"/>
+          </a:xfrm>
+          <a:prstGeom xmlns:a="http://schemas.openxmlformats.org/drawingml/2006/main" prst="rect">
+            <a:avLst/>
+          </a:prstGeom>
+        </p:spPr>
+        <p:txBody>
+          <a:bodyPr xmlns:a="http://schemas.openxmlformats.org/drawingml/2006/main"/>
+          <a:lstStyle xmlns:a="http://schemas.openxmlformats.org/drawingml/2006/main"/>
+          <a:p xmlns:a="http://schemas.openxmlformats.org/drawingml/2006/main">
+            <a:pPr algn="ctr"/>
+            <a:r>
+              <a:rPr sz="1200" b="1" u="sng">
+                <a:latin typeface="Calibri"/>
+              </a:rPr>
+              <a:t>Measurement Plots: Noise Figure</a:t>
+            </a:r>
+          </a:p>
+          <a:p xmlns:a="http://schemas.openxmlformats.org/drawingml/2006/main">
+            <a:pPr indent="-180000" algn="ctr"/>
+            <a:r>
+              <a:rPr sz="1200" b="1" u="sng">
+                <a:latin typeface="Calibri"/>
+              </a:rPr>
+              <a:t>TA = +25℃</a:t>
+            </a:r>
+          </a:p>
+        </p:txBody>
+      </p:sp>
+    </p:spTree>
+  </p:cSld>
+  <p:clrMapOvr>
+    <a:masterClrMapping xmlns:a="http://schemas.openxmlformats.org/drawingml/2006/main"/>
+  </p:clrMapOvr>
+</p:sld>
+</file>
+
+<file path=ppt/slides/slide4.xml><?xml version="1.0" encoding="utf-8"?>
+<p:sld xmlns:p="http://schemas.openxmlformats.org/presentationml/2006/main">
+  <p:cSld name="Blank">
+    <p:spTree>
+      <p:nvGrpSpPr>
+        <p:cNvPr id="1" name=""/>
+        <p:cNvGrpSpPr/>
+        <p:nvPr/>
+      </p:nvGrpSpPr>
+      <p:grpSpPr>
+        <a:xfrm xmlns:a="http://schemas.openxmlformats.org/drawingml/2006/main">
+          <a:off x="0" y="0"/>
+          <a:ext cx="0" cy="0"/>
+          <a:chOff x="0" y="0"/>
+          <a:chExt cx="0" cy="0"/>
+        </a:xfrm>
+      </p:grpSpPr>
+      <p:pic>
+        <p:nvPicPr>
+          <p:cNvPr id="100" name="12.png"/>
+          <p:cNvPicPr>
+            <a:picLocks xmlns:a="http://schemas.openxmlformats.org/drawingml/2006/main" noChangeAspect="1"/>
+          </p:cNvPicPr>
+          <p:nvPr/>
+        </p:nvPicPr>
+        <p:blipFill>
+          <a:blip xmlns:r="http://schemas.openxmlformats.org/officeDocument/2006/relationships" xmlns:a="http://schemas.openxmlformats.org/drawingml/2006/main" r:embed="R2202f691faca48e5"/>
+          <a:stretch xmlns:a="http://schemas.openxmlformats.org/drawingml/2006/main">
+            <a:fillRect/>
+          </a:stretch>
+        </p:blipFill>
+        <p:spPr>
+          <a:xfrm xmlns:a="http://schemas.openxmlformats.org/drawingml/2006/main">
+            <a:off x="914400" y="1814000"/>
+            <a:ext cx="2500000" cy="2000000"/>
+          </a:xfrm>
+          <a:prstGeom xmlns:a="http://schemas.openxmlformats.org/drawingml/2006/main" prst="rect">
+            <a:avLst/>
+          </a:prstGeom>
+        </p:spPr>
+      </p:pic>
+      <p:sp>
+        <p:nvSpPr>
+          <p:cNvPr id="101" name="TextBox 101"/>
+          <p:cNvSpPr>
+            <a:spLocks xmlns:a="http://schemas.openxmlformats.org/drawingml/2006/main" noGrp="1"/>
+          </p:cNvSpPr>
+          <p:nvPr/>
+        </p:nvSpPr>
+        <p:spPr>
+          <a:xfrm xmlns:a="http://schemas.openxmlformats.org/drawingml/2006/main">
+            <a:off x="914400" y="1314000"/>
+            <a:ext cx="6000000" cy="500000"/>
+          </a:xfrm>
+          <a:prstGeom xmlns:a="http://schemas.openxmlformats.org/drawingml/2006/main" prst="rect">
+            <a:avLst/>
+          </a:prstGeom>
+        </p:spPr>
+        <p:txBody>
+          <a:bodyPr xmlns:a="http://schemas.openxmlformats.org/drawingml/2006/main"/>
+          <a:lstStyle xmlns:a="http://schemas.openxmlformats.org/drawingml/2006/main"/>
+          <a:p xmlns:a="http://schemas.openxmlformats.org/drawingml/2006/main">
+            <a:pPr algn="ctr"/>
+            <a:r>
+              <a:rPr sz="1200" b="1" u="sng">
+                <a:latin typeface="Calibri"/>
+              </a:rPr>
+              <a:t>Measurement Plots: S-parameters</a:t>
+            </a:r>
+          </a:p>
+          <a:p xmlns:a="http://schemas.openxmlformats.org/drawingml/2006/main">
+            <a:pPr indent="-180000" algn="ctr"/>
+            <a:r>
+              <a:rPr sz="1200" b="1" u="sng">
+                <a:latin typeface="Calibri"/>
+              </a:rPr>
+              <a:t>VD=4V,ID=67mA</a:t>
+            </a:r>
+          </a:p>
+        </p:txBody>
+      </p:sp>
+      <p:pic>
+        <p:nvPicPr>
+          <p:cNvPr id="100" name="13.png"/>
+          <p:cNvPicPr>
+            <a:picLocks xmlns:a="http://schemas.openxmlformats.org/drawingml/2006/main" noChangeAspect="1"/>
+          </p:cNvPicPr>
+          <p:nvPr/>
+        </p:nvPicPr>
+        <p:blipFill>
+          <a:blip xmlns:r="http://schemas.openxmlformats.org/officeDocument/2006/relationships" xmlns:a="http://schemas.openxmlformats.org/drawingml/2006/main" r:embed="Rdd7d8bf442494296"/>
+          <a:stretch xmlns:a="http://schemas.openxmlformats.org/drawingml/2006/main">
+            <a:fillRect/>
+          </a:stretch>
+        </p:blipFill>
+        <p:spPr>
+          <a:xfrm xmlns:a="http://schemas.openxmlformats.org/drawingml/2006/main">
+            <a:off x="4114400" y="1814000"/>
+            <a:ext cx="2500000" cy="2000000"/>
+          </a:xfrm>
+          <a:prstGeom xmlns:a="http://schemas.openxmlformats.org/drawingml/2006/main" prst="rect">
+            <a:avLst/>
+          </a:prstGeom>
+        </p:spPr>
+      </p:pic>
+      <p:pic>
+        <p:nvPicPr>
+          <p:cNvPr id="100" name="14.png"/>
+          <p:cNvPicPr>
+            <a:picLocks xmlns:a="http://schemas.openxmlformats.org/drawingml/2006/main" noChangeAspect="1"/>
+          </p:cNvPicPr>
+          <p:nvPr/>
+        </p:nvPicPr>
+        <p:blipFill>
+          <a:blip xmlns:r="http://schemas.openxmlformats.org/officeDocument/2006/relationships" xmlns:a="http://schemas.openxmlformats.org/drawingml/2006/main" r:embed="Re2f9bad7a5054457"/>
+          <a:stretch xmlns:a="http://schemas.openxmlformats.org/drawingml/2006/main">
+            <a:fillRect/>
+          </a:stretch>
+        </p:blipFill>
+        <p:spPr>
+          <a:xfrm xmlns:a="http://schemas.openxmlformats.org/drawingml/2006/main">
+            <a:off x="914400" y="4414000"/>
+            <a:ext cx="2500000" cy="2000000"/>
+          </a:xfrm>
+          <a:prstGeom xmlns:a="http://schemas.openxmlformats.org/drawingml/2006/main" prst="rect">
+            <a:avLst/>
+          </a:prstGeom>
+        </p:spPr>
+      </p:pic>
+      <p:pic>
+        <p:nvPicPr>
+          <p:cNvPr id="100" name="15.png"/>
+          <p:cNvPicPr>
+            <a:picLocks xmlns:a="http://schemas.openxmlformats.org/drawingml/2006/main" noChangeAspect="1"/>
+          </p:cNvPicPr>
+          <p:nvPr/>
+        </p:nvPicPr>
+        <p:blipFill>
+          <a:blip xmlns:r="http://schemas.openxmlformats.org/officeDocument/2006/relationships" xmlns:a="http://schemas.openxmlformats.org/drawingml/2006/main" r:embed="R3f5b526c13d6457e"/>
+          <a:stretch xmlns:a="http://schemas.openxmlformats.org/drawingml/2006/main">
+            <a:fillRect/>
+          </a:stretch>
+        </p:blipFill>
+        <p:spPr>
+          <a:xfrm xmlns:a="http://schemas.openxmlformats.org/drawingml/2006/main">
+            <a:off x="4114400" y="4414000"/>
+            <a:ext cx="2500000" cy="2000000"/>
+          </a:xfrm>
+          <a:prstGeom xmlns:a="http://schemas.openxmlformats.org/drawingml/2006/main" prst="rect">
+            <a:avLst/>
+          </a:prstGeom>
+        </p:spPr>
+      </p:pic>
+      <p:pic>
+        <p:nvPicPr>
+          <p:cNvPr id="100" name="16.png"/>
+          <p:cNvPicPr>
+            <a:picLocks xmlns:a="http://schemas.openxmlformats.org/drawingml/2006/main" noChangeAspect="1"/>
+          </p:cNvPicPr>
+          <p:nvPr/>
+        </p:nvPicPr>
+        <p:blipFill>
+          <a:blip xmlns:r="http://schemas.openxmlformats.org/officeDocument/2006/relationships" xmlns:a="http://schemas.openxmlformats.org/drawingml/2006/main" r:embed="Rb5154b09a7ee4d29"/>
           <a:stretch xmlns:a="http://schemas.openxmlformats.org/drawingml/2006/main">
             <a:fillRect/>
           </a:stretch>
@@ -5987,21 +7860,21 @@
               <a:rPr sz="1200" b="1" u="sng">
                 <a:latin typeface="Calibri"/>
               </a:rPr>
-              <a:t>TA = +25℃</a:t>
+              <a:t>VD=4V,ID=67mA</a:t>
             </a:r>
           </a:p>
         </p:txBody>
       </p:sp>
       <p:pic>
         <p:nvPicPr>
-          <p:cNvPr id="100" name="5.png"/>
+          <p:cNvPr id="100" name="17.png"/>
           <p:cNvPicPr>
             <a:picLocks xmlns:a="http://schemas.openxmlformats.org/drawingml/2006/main" noChangeAspect="1"/>
           </p:cNvPicPr>
           <p:nvPr/>
         </p:nvPicPr>
         <p:blipFill>
-          <a:blip xmlns:r="http://schemas.openxmlformats.org/officeDocument/2006/relationships" xmlns:a="http://schemas.openxmlformats.org/drawingml/2006/main" r:embed="R4cedefb21f424729"/>
+          <a:blip xmlns:r="http://schemas.openxmlformats.org/officeDocument/2006/relationships" xmlns:a="http://schemas.openxmlformats.org/drawingml/2006/main" r:embed="R62e6558dc7ee48b9"/>
           <a:stretch xmlns:a="http://schemas.openxmlformats.org/drawingml/2006/main">
             <a:fillRect/>
           </a:stretch>
@@ -6051,7 +7924,7 @@
               <a:rPr sz="1200" b="1" u="sng">
                 <a:latin typeface="Calibri"/>
               </a:rPr>
-              <a:t>TA = +25℃</a:t>
+              <a:t>VD=4V,ID=67mA</a:t>
             </a:r>
           </a:p>
         </p:txBody>
@@ -6064,7 +7937,7 @@
 </p:sld>
 </file>
 
-<file path=ppt/slides/slide3.xml><?xml version="1.0" encoding="utf-8"?>
+<file path=ppt/slides/slide5.xml><?xml version="1.0" encoding="utf-8"?>
 <p:sld xmlns:p="http://schemas.openxmlformats.org/presentationml/2006/main">
   <p:cSld name="Blank">
     <p:spTree>
@@ -6083,14 +7956,14 @@
       </p:grpSpPr>
       <p:pic>
         <p:nvPicPr>
-          <p:cNvPr id="100" name="6.png"/>
+          <p:cNvPr id="100" name="18.png"/>
           <p:cNvPicPr>
             <a:picLocks xmlns:a="http://schemas.openxmlformats.org/drawingml/2006/main" noChangeAspect="1"/>
           </p:cNvPicPr>
           <p:nvPr/>
         </p:nvPicPr>
         <p:blipFill>
-          <a:blip xmlns:r="http://schemas.openxmlformats.org/officeDocument/2006/relationships" xmlns:a="http://schemas.openxmlformats.org/drawingml/2006/main" r:embed="R42759c11948f47a9"/>
+          <a:blip xmlns:r="http://schemas.openxmlformats.org/officeDocument/2006/relationships" xmlns:a="http://schemas.openxmlformats.org/drawingml/2006/main" r:embed="R28fd69f0263045ac"/>
           <a:stretch xmlns:a="http://schemas.openxmlformats.org/drawingml/2006/main">
             <a:fillRect/>
           </a:stretch>
@@ -6140,21 +8013,21 @@
               <a:rPr sz="1200" b="1" u="sng">
                 <a:latin typeface="Calibri"/>
               </a:rPr>
-              <a:t>TA = +25℃</a:t>
+              <a:t>VD=4V,ID=67mA</a:t>
             </a:r>
           </a:p>
         </p:txBody>
       </p:sp>
       <p:pic>
         <p:nvPicPr>
-          <p:cNvPr id="100" name="7.png"/>
+          <p:cNvPr id="100" name="19.png"/>
           <p:cNvPicPr>
             <a:picLocks xmlns:a="http://schemas.openxmlformats.org/drawingml/2006/main" noChangeAspect="1"/>
           </p:cNvPicPr>
           <p:nvPr/>
         </p:nvPicPr>
         <p:blipFill>
-          <a:blip xmlns:r="http://schemas.openxmlformats.org/officeDocument/2006/relationships" xmlns:a="http://schemas.openxmlformats.org/drawingml/2006/main" r:embed="R7201dda6f48a4fd5"/>
+          <a:blip xmlns:r="http://schemas.openxmlformats.org/officeDocument/2006/relationships" xmlns:a="http://schemas.openxmlformats.org/drawingml/2006/main" r:embed="Ra6e00b92c32248dc"/>
           <a:stretch xmlns:a="http://schemas.openxmlformats.org/drawingml/2006/main">
             <a:fillRect/>
           </a:stretch>
@@ -6204,424 +8077,7 @@
               <a:rPr sz="1200" b="1" u="sng">
                 <a:latin typeface="Calibri"/>
               </a:rPr>
-              <a:t>TA = +25℃</a:t>
-            </a:r>
-          </a:p>
-        </p:txBody>
-      </p:sp>
-      <p:pic>
-        <p:nvPicPr>
-          <p:cNvPr id="100" name="8.png"/>
-          <p:cNvPicPr>
-            <a:picLocks xmlns:a="http://schemas.openxmlformats.org/drawingml/2006/main" noChangeAspect="1"/>
-          </p:cNvPicPr>
-          <p:nvPr/>
-        </p:nvPicPr>
-        <p:blipFill>
-          <a:blip xmlns:r="http://schemas.openxmlformats.org/officeDocument/2006/relationships" xmlns:a="http://schemas.openxmlformats.org/drawingml/2006/main" r:embed="Ra400f81fa9724ba8"/>
-          <a:stretch xmlns:a="http://schemas.openxmlformats.org/drawingml/2006/main">
-            <a:fillRect/>
-          </a:stretch>
-        </p:blipFill>
-        <p:spPr>
-          <a:xfrm xmlns:a="http://schemas.openxmlformats.org/drawingml/2006/main">
-            <a:off x="914400" y="4414000"/>
-            <a:ext cx="2500000" cy="2000000"/>
-          </a:xfrm>
-          <a:prstGeom xmlns:a="http://schemas.openxmlformats.org/drawingml/2006/main" prst="rect">
-            <a:avLst/>
-          </a:prstGeom>
-        </p:spPr>
-      </p:pic>
-      <p:sp>
-        <p:nvSpPr>
-          <p:cNvPr id="103" name="TextBox 103"/>
-          <p:cNvSpPr>
-            <a:spLocks xmlns:a="http://schemas.openxmlformats.org/drawingml/2006/main" noGrp="1"/>
-          </p:cNvSpPr>
-          <p:nvPr/>
-        </p:nvSpPr>
-        <p:spPr>
-          <a:xfrm xmlns:a="http://schemas.openxmlformats.org/drawingml/2006/main">
-            <a:off x="914400" y="3914000"/>
-            <a:ext cx="6000000" cy="500000"/>
-          </a:xfrm>
-          <a:prstGeom xmlns:a="http://schemas.openxmlformats.org/drawingml/2006/main" prst="rect">
-            <a:avLst/>
-          </a:prstGeom>
-        </p:spPr>
-        <p:txBody>
-          <a:bodyPr xmlns:a="http://schemas.openxmlformats.org/drawingml/2006/main"/>
-          <a:lstStyle xmlns:a="http://schemas.openxmlformats.org/drawingml/2006/main"/>
-          <a:p xmlns:a="http://schemas.openxmlformats.org/drawingml/2006/main">
-            <a:pPr algn="ctr"/>
-            <a:r>
-              <a:rPr sz="1200" b="1" u="sng">
-                <a:latin typeface="Calibri"/>
-              </a:rPr>
-              <a:t>Measurement Plots: S-parameters</a:t>
-            </a:r>
-          </a:p>
-          <a:p xmlns:a="http://schemas.openxmlformats.org/drawingml/2006/main">
-            <a:pPr indent="-180000" algn="ctr"/>
-            <a:r>
-              <a:rPr sz="1200" b="1" u="sng">
-                <a:latin typeface="Calibri"/>
-              </a:rPr>
-              <a:t>-VD=5V,ID=90mA</a:t>
-            </a:r>
-          </a:p>
-        </p:txBody>
-      </p:sp>
-      <p:pic>
-        <p:nvPicPr>
-          <p:cNvPr id="100" name="9.png"/>
-          <p:cNvPicPr>
-            <a:picLocks xmlns:a="http://schemas.openxmlformats.org/drawingml/2006/main" noChangeAspect="1"/>
-          </p:cNvPicPr>
-          <p:nvPr/>
-        </p:nvPicPr>
-        <p:blipFill>
-          <a:blip xmlns:r="http://schemas.openxmlformats.org/officeDocument/2006/relationships" xmlns:a="http://schemas.openxmlformats.org/drawingml/2006/main" r:embed="R033bd023fcf2403a"/>
-          <a:stretch xmlns:a="http://schemas.openxmlformats.org/drawingml/2006/main">
-            <a:fillRect/>
-          </a:stretch>
-        </p:blipFill>
-        <p:spPr>
-          <a:xfrm xmlns:a="http://schemas.openxmlformats.org/drawingml/2006/main">
-            <a:off x="4114400" y="4414000"/>
-            <a:ext cx="2500000" cy="2000000"/>
-          </a:xfrm>
-          <a:prstGeom xmlns:a="http://schemas.openxmlformats.org/drawingml/2006/main" prst="rect">
-            <a:avLst/>
-          </a:prstGeom>
-        </p:spPr>
-      </p:pic>
-      <p:pic>
-        <p:nvPicPr>
-          <p:cNvPr id="100" name="10.png"/>
-          <p:cNvPicPr>
-            <a:picLocks xmlns:a="http://schemas.openxmlformats.org/drawingml/2006/main" noChangeAspect="1"/>
-          </p:cNvPicPr>
-          <p:nvPr/>
-        </p:nvPicPr>
-        <p:blipFill>
-          <a:blip xmlns:r="http://schemas.openxmlformats.org/officeDocument/2006/relationships" xmlns:a="http://schemas.openxmlformats.org/drawingml/2006/main" r:embed="Rafacb63878194c72"/>
-          <a:stretch xmlns:a="http://schemas.openxmlformats.org/drawingml/2006/main">
-            <a:fillRect/>
-          </a:stretch>
-        </p:blipFill>
-        <p:spPr>
-          <a:xfrm xmlns:a="http://schemas.openxmlformats.org/drawingml/2006/main">
-            <a:off x="914400" y="7014000"/>
-            <a:ext cx="2500000" cy="2000000"/>
-          </a:xfrm>
-          <a:prstGeom xmlns:a="http://schemas.openxmlformats.org/drawingml/2006/main" prst="rect">
-            <a:avLst/>
-          </a:prstGeom>
-        </p:spPr>
-      </p:pic>
-      <p:pic>
-        <p:nvPicPr>
-          <p:cNvPr id="100" name="11.png"/>
-          <p:cNvPicPr>
-            <a:picLocks xmlns:a="http://schemas.openxmlformats.org/drawingml/2006/main" noChangeAspect="1"/>
-          </p:cNvPicPr>
-          <p:nvPr/>
-        </p:nvPicPr>
-        <p:blipFill>
-          <a:blip xmlns:r="http://schemas.openxmlformats.org/officeDocument/2006/relationships" xmlns:a="http://schemas.openxmlformats.org/drawingml/2006/main" r:embed="R69023eb24970413f"/>
-          <a:stretch xmlns:a="http://schemas.openxmlformats.org/drawingml/2006/main">
-            <a:fillRect/>
-          </a:stretch>
-        </p:blipFill>
-        <p:spPr>
-          <a:xfrm xmlns:a="http://schemas.openxmlformats.org/drawingml/2006/main">
-            <a:off x="4114400" y="7014000"/>
-            <a:ext cx="2500000" cy="2000000"/>
-          </a:xfrm>
-          <a:prstGeom xmlns:a="http://schemas.openxmlformats.org/drawingml/2006/main" prst="rect">
-            <a:avLst/>
-          </a:prstGeom>
-        </p:spPr>
-      </p:pic>
-    </p:spTree>
-  </p:cSld>
-  <p:clrMapOvr>
-    <a:masterClrMapping xmlns:a="http://schemas.openxmlformats.org/drawingml/2006/main"/>
-  </p:clrMapOvr>
-</p:sld>
-</file>
-
-<file path=ppt/slides/slide4.xml><?xml version="1.0" encoding="utf-8"?>
-<p:sld xmlns:p="http://schemas.openxmlformats.org/presentationml/2006/main">
-  <p:cSld name="Blank">
-    <p:spTree>
-      <p:nvGrpSpPr>
-        <p:cNvPr id="1" name=""/>
-        <p:cNvGrpSpPr/>
-        <p:nvPr/>
-      </p:nvGrpSpPr>
-      <p:grpSpPr>
-        <a:xfrm xmlns:a="http://schemas.openxmlformats.org/drawingml/2006/main">
-          <a:off x="0" y="0"/>
-          <a:ext cx="0" cy="0"/>
-          <a:chOff x="0" y="0"/>
-          <a:chExt cx="0" cy="0"/>
-        </a:xfrm>
-      </p:grpSpPr>
-      <p:pic>
-        <p:nvPicPr>
-          <p:cNvPr id="100" name="12.png"/>
-          <p:cNvPicPr>
-            <a:picLocks xmlns:a="http://schemas.openxmlformats.org/drawingml/2006/main" noChangeAspect="1"/>
-          </p:cNvPicPr>
-          <p:nvPr/>
-        </p:nvPicPr>
-        <p:blipFill>
-          <a:blip xmlns:r="http://schemas.openxmlformats.org/officeDocument/2006/relationships" xmlns:a="http://schemas.openxmlformats.org/drawingml/2006/main" r:embed="R0f137eb3d27a451b"/>
-          <a:stretch xmlns:a="http://schemas.openxmlformats.org/drawingml/2006/main">
-            <a:fillRect/>
-          </a:stretch>
-        </p:blipFill>
-        <p:spPr>
-          <a:xfrm xmlns:a="http://schemas.openxmlformats.org/drawingml/2006/main">
-            <a:off x="914400" y="1814000"/>
-            <a:ext cx="2500000" cy="2000000"/>
-          </a:xfrm>
-          <a:prstGeom xmlns:a="http://schemas.openxmlformats.org/drawingml/2006/main" prst="rect">
-            <a:avLst/>
-          </a:prstGeom>
-        </p:spPr>
-      </p:pic>
-      <p:sp>
-        <p:nvSpPr>
-          <p:cNvPr id="101" name="TextBox 101"/>
-          <p:cNvSpPr>
-            <a:spLocks xmlns:a="http://schemas.openxmlformats.org/drawingml/2006/main" noGrp="1"/>
-          </p:cNvSpPr>
-          <p:nvPr/>
-        </p:nvSpPr>
-        <p:spPr>
-          <a:xfrm xmlns:a="http://schemas.openxmlformats.org/drawingml/2006/main">
-            <a:off x="914400" y="1314000"/>
-            <a:ext cx="2900000" cy="500000"/>
-          </a:xfrm>
-          <a:prstGeom xmlns:a="http://schemas.openxmlformats.org/drawingml/2006/main" prst="rect">
-            <a:avLst/>
-          </a:prstGeom>
-        </p:spPr>
-        <p:txBody>
-          <a:bodyPr xmlns:a="http://schemas.openxmlformats.org/drawingml/2006/main"/>
-          <a:lstStyle xmlns:a="http://schemas.openxmlformats.org/drawingml/2006/main"/>
-          <a:p xmlns:a="http://schemas.openxmlformats.org/drawingml/2006/main">
-            <a:pPr algn="ctr"/>
-            <a:r>
-              <a:rPr sz="1200" b="1" u="sng">
-                <a:latin typeface="Calibri"/>
-              </a:rPr>
-              <a:t>Measurement Plots: P1dB</a:t>
-            </a:r>
-          </a:p>
-          <a:p xmlns:a="http://schemas.openxmlformats.org/drawingml/2006/main">
-            <a:pPr indent="-180000" algn="ctr"/>
-            <a:r>
-              <a:rPr sz="1200" b="1" u="sng">
-                <a:latin typeface="Calibri"/>
-              </a:rPr>
-              <a:t>-VD=5V,ID=90mA</a:t>
-            </a:r>
-          </a:p>
-        </p:txBody>
-      </p:sp>
-      <p:pic>
-        <p:nvPicPr>
-          <p:cNvPr id="100" name="13.png"/>
-          <p:cNvPicPr>
-            <a:picLocks xmlns:a="http://schemas.openxmlformats.org/drawingml/2006/main" noChangeAspect="1"/>
-          </p:cNvPicPr>
-          <p:nvPr/>
-        </p:nvPicPr>
-        <p:blipFill>
-          <a:blip xmlns:r="http://schemas.openxmlformats.org/officeDocument/2006/relationships" xmlns:a="http://schemas.openxmlformats.org/drawingml/2006/main" r:embed="R7ce1b206314c41af"/>
-          <a:stretch xmlns:a="http://schemas.openxmlformats.org/drawingml/2006/main">
-            <a:fillRect/>
-          </a:stretch>
-        </p:blipFill>
-        <p:spPr>
-          <a:xfrm xmlns:a="http://schemas.openxmlformats.org/drawingml/2006/main">
-            <a:off x="4114400" y="1814000"/>
-            <a:ext cx="2500000" cy="2000000"/>
-          </a:xfrm>
-          <a:prstGeom xmlns:a="http://schemas.openxmlformats.org/drawingml/2006/main" prst="rect">
-            <a:avLst/>
-          </a:prstGeom>
-        </p:spPr>
-      </p:pic>
-      <p:sp>
-        <p:nvSpPr>
-          <p:cNvPr id="102" name="TextBox 102"/>
-          <p:cNvSpPr>
-            <a:spLocks xmlns:a="http://schemas.openxmlformats.org/drawingml/2006/main" noGrp="1"/>
-          </p:cNvSpPr>
-          <p:nvPr/>
-        </p:nvSpPr>
-        <p:spPr>
-          <a:xfrm xmlns:a="http://schemas.openxmlformats.org/drawingml/2006/main">
-            <a:off x="4114400" y="1314000"/>
-            <a:ext cx="2900000" cy="500000"/>
-          </a:xfrm>
-          <a:prstGeom xmlns:a="http://schemas.openxmlformats.org/drawingml/2006/main" prst="rect">
-            <a:avLst/>
-          </a:prstGeom>
-        </p:spPr>
-        <p:txBody>
-          <a:bodyPr xmlns:a="http://schemas.openxmlformats.org/drawingml/2006/main"/>
-          <a:lstStyle xmlns:a="http://schemas.openxmlformats.org/drawingml/2006/main"/>
-          <a:p xmlns:a="http://schemas.openxmlformats.org/drawingml/2006/main">
-            <a:pPr algn="ctr"/>
-            <a:r>
-              <a:rPr sz="1200" b="1" u="sng">
-                <a:latin typeface="Calibri"/>
-              </a:rPr>
-              <a:t>Measurement Plots: OIP3</a:t>
-            </a:r>
-          </a:p>
-          <a:p xmlns:a="http://schemas.openxmlformats.org/drawingml/2006/main">
-            <a:pPr indent="-180000" algn="ctr"/>
-            <a:r>
-              <a:rPr sz="1200" b="1" u="sng">
-                <a:latin typeface="Calibri"/>
-              </a:rPr>
-              <a:t>-VD=5V,ID=90mA</a:t>
-            </a:r>
-          </a:p>
-        </p:txBody>
-      </p:sp>
-      <p:pic>
-        <p:nvPicPr>
-          <p:cNvPr id="100" name="14.png"/>
-          <p:cNvPicPr>
-            <a:picLocks xmlns:a="http://schemas.openxmlformats.org/drawingml/2006/main" noChangeAspect="1"/>
-          </p:cNvPicPr>
-          <p:nvPr/>
-        </p:nvPicPr>
-        <p:blipFill>
-          <a:blip xmlns:r="http://schemas.openxmlformats.org/officeDocument/2006/relationships" xmlns:a="http://schemas.openxmlformats.org/drawingml/2006/main" r:embed="Rec0bd24040ba4bd6"/>
-          <a:stretch xmlns:a="http://schemas.openxmlformats.org/drawingml/2006/main">
-            <a:fillRect/>
-          </a:stretch>
-        </p:blipFill>
-        <p:spPr>
-          <a:xfrm xmlns:a="http://schemas.openxmlformats.org/drawingml/2006/main">
-            <a:off x="914400" y="4414000"/>
-            <a:ext cx="2500000" cy="2000000"/>
-          </a:xfrm>
-          <a:prstGeom xmlns:a="http://schemas.openxmlformats.org/drawingml/2006/main" prst="rect">
-            <a:avLst/>
-          </a:prstGeom>
-        </p:spPr>
-      </p:pic>
-      <p:sp>
-        <p:nvSpPr>
-          <p:cNvPr id="103" name="TextBox 103"/>
-          <p:cNvSpPr>
-            <a:spLocks xmlns:a="http://schemas.openxmlformats.org/drawingml/2006/main" noGrp="1"/>
-          </p:cNvSpPr>
-          <p:nvPr/>
-        </p:nvSpPr>
-        <p:spPr>
-          <a:xfrm xmlns:a="http://schemas.openxmlformats.org/drawingml/2006/main">
-            <a:off x="914400" y="3914000"/>
-            <a:ext cx="2900000" cy="500000"/>
-          </a:xfrm>
-          <a:prstGeom xmlns:a="http://schemas.openxmlformats.org/drawingml/2006/main" prst="rect">
-            <a:avLst/>
-          </a:prstGeom>
-        </p:spPr>
-        <p:txBody>
-          <a:bodyPr xmlns:a="http://schemas.openxmlformats.org/drawingml/2006/main"/>
-          <a:lstStyle xmlns:a="http://schemas.openxmlformats.org/drawingml/2006/main"/>
-          <a:p xmlns:a="http://schemas.openxmlformats.org/drawingml/2006/main">
-            <a:pPr algn="ctr"/>
-            <a:r>
-              <a:rPr sz="1200" b="1" u="sng">
-                <a:latin typeface="Calibri"/>
-              </a:rPr>
-              <a:t>Measurement Plots: Psat</a:t>
-            </a:r>
-          </a:p>
-          <a:p xmlns:a="http://schemas.openxmlformats.org/drawingml/2006/main">
-            <a:pPr indent="-180000" algn="ctr"/>
-            <a:r>
-              <a:rPr sz="1200" b="1" u="sng">
-                <a:latin typeface="Calibri"/>
-              </a:rPr>
-              <a:t>-VD=5V,ID=90mA</a:t>
-            </a:r>
-          </a:p>
-        </p:txBody>
-      </p:sp>
-      <p:pic>
-        <p:nvPicPr>
-          <p:cNvPr id="100" name="15.png"/>
-          <p:cNvPicPr>
-            <a:picLocks xmlns:a="http://schemas.openxmlformats.org/drawingml/2006/main" noChangeAspect="1"/>
-          </p:cNvPicPr>
-          <p:nvPr/>
-        </p:nvPicPr>
-        <p:blipFill>
-          <a:blip xmlns:r="http://schemas.openxmlformats.org/officeDocument/2006/relationships" xmlns:a="http://schemas.openxmlformats.org/drawingml/2006/main" r:embed="R82891a5a546d4838"/>
-          <a:stretch xmlns:a="http://schemas.openxmlformats.org/drawingml/2006/main">
-            <a:fillRect/>
-          </a:stretch>
-        </p:blipFill>
-        <p:spPr>
-          <a:xfrm xmlns:a="http://schemas.openxmlformats.org/drawingml/2006/main">
-            <a:off x="4114400" y="4414000"/>
-            <a:ext cx="2500000" cy="2000000"/>
-          </a:xfrm>
-          <a:prstGeom xmlns:a="http://schemas.openxmlformats.org/drawingml/2006/main" prst="rect">
-            <a:avLst/>
-          </a:prstGeom>
-        </p:spPr>
-      </p:pic>
-      <p:sp>
-        <p:nvSpPr>
-          <p:cNvPr id="104" name="TextBox 104"/>
-          <p:cNvSpPr>
-            <a:spLocks xmlns:a="http://schemas.openxmlformats.org/drawingml/2006/main" noGrp="1"/>
-          </p:cNvSpPr>
-          <p:nvPr/>
-        </p:nvSpPr>
-        <p:spPr>
-          <a:xfrm xmlns:a="http://schemas.openxmlformats.org/drawingml/2006/main">
-            <a:off x="4114400" y="3914000"/>
-            <a:ext cx="2900000" cy="500000"/>
-          </a:xfrm>
-          <a:prstGeom xmlns:a="http://schemas.openxmlformats.org/drawingml/2006/main" prst="rect">
-            <a:avLst/>
-          </a:prstGeom>
-        </p:spPr>
-        <p:txBody>
-          <a:bodyPr xmlns:a="http://schemas.openxmlformats.org/drawingml/2006/main"/>
-          <a:lstStyle xmlns:a="http://schemas.openxmlformats.org/drawingml/2006/main"/>
-          <a:p xmlns:a="http://schemas.openxmlformats.org/drawingml/2006/main">
-            <a:pPr algn="ctr"/>
-            <a:r>
-              <a:rPr sz="1200" b="1" u="sng">
-                <a:latin typeface="Calibri"/>
-              </a:rPr>
-              <a:t>Measurement Plots: Noise Figure</a:t>
-            </a:r>
-          </a:p>
-          <a:p xmlns:a="http://schemas.openxmlformats.org/drawingml/2006/main">
-            <a:pPr indent="-180000" algn="ctr"/>
-            <a:r>
-              <a:rPr sz="1200" b="1" u="sng">
-                <a:latin typeface="Calibri"/>
-              </a:rPr>
-              <a:t>-VD=5V,ID=90mA</a:t>
+              <a:t>VD=4V,ID=67mA</a:t>
             </a:r>
           </a:p>
         </p:txBody>
@@ -6634,7 +8090,7 @@
 </p:sld>
 </file>
 
-<file path=ppt/slides/slide5.xml><?xml version="1.0" encoding="utf-8"?>
+<file path=ppt/slides/slide6.xml><?xml version="1.0" encoding="utf-8"?>
 <p:sld xmlns:p="http://schemas.openxmlformats.org/presentationml/2006/main">
   <p:cSld name="Blank">
     <p:spTree>
@@ -7863,14 +9319,14 @@
       </p:graphicFrame>
       <p:pic>
         <p:nvPicPr>
-          <p:cNvPr id="100" name="2.png"/>
+          <p:cNvPr id="100" name="防静电标志.jpg"/>
           <p:cNvPicPr>
             <a:picLocks xmlns:a="http://schemas.openxmlformats.org/drawingml/2006/main" noChangeAspect="1"/>
           </p:cNvPicPr>
           <p:nvPr/>
         </p:nvPicPr>
         <p:blipFill>
-          <a:blip xmlns:r="http://schemas.openxmlformats.org/officeDocument/2006/relationships" xmlns:a="http://schemas.openxmlformats.org/drawingml/2006/main" r:embed="R341866c8a1a246fe"/>
+          <a:blip xmlns:r="http://schemas.openxmlformats.org/officeDocument/2006/relationships" xmlns:a="http://schemas.openxmlformats.org/drawingml/2006/main" r:embed="R82e27cfed3064586"/>
           <a:stretch xmlns:a="http://schemas.openxmlformats.org/drawingml/2006/main">
             <a:fillRect/>
           </a:stretch>
@@ -7933,7 +9389,7 @@
 </p:sld>
 </file>
 
-<file path=ppt/slides/slide6.xml><?xml version="1.0" encoding="utf-8"?>
+<file path=ppt/slides/slide7.xml><?xml version="1.0" encoding="utf-8"?>
 <p:sld xmlns:p="http://schemas.openxmlformats.org/presentationml/2006/main">
   <p:cSld name="Blank">
     <p:spTree>
@@ -7992,14 +9448,14 @@
       </p:sp>
       <p:pic>
         <p:nvPicPr>
-          <p:cNvPr id="100" name="3.png"/>
+          <p:cNvPr id="100" name="外形图.png"/>
           <p:cNvPicPr>
             <a:picLocks xmlns:a="http://schemas.openxmlformats.org/drawingml/2006/main" noChangeAspect="1"/>
           </p:cNvPicPr>
           <p:nvPr/>
         </p:nvPicPr>
         <p:blipFill>
-          <a:blip xmlns:r="http://schemas.openxmlformats.org/officeDocument/2006/relationships" xmlns:a="http://schemas.openxmlformats.org/drawingml/2006/main" r:embed="R3aebd7d9d3bb457f"/>
+          <a:blip xmlns:r="http://schemas.openxmlformats.org/officeDocument/2006/relationships" xmlns:a="http://schemas.openxmlformats.org/drawingml/2006/main" r:embed="Rf2a0bc71a0cc43ef"/>
           <a:stretch xmlns:a="http://schemas.openxmlformats.org/drawingml/2006/main">
             <a:fillRect/>
           </a:stretch>
@@ -8107,7 +9563,7 @@
 </p:sld>
 </file>
 
-<file path=ppt/slides/slide7.xml><?xml version="1.0" encoding="utf-8"?>
+<file path=ppt/slides/slide8.xml><?xml version="1.0" encoding="utf-8"?>
 <p:sld xmlns:p="http://schemas.openxmlformats.org/presentationml/2006/main">
   <p:cSld name="Blank">
     <p:spTree>
@@ -8157,14 +9613,14 @@
       </p:sp>
       <p:pic>
         <p:nvPicPr>
-          <p:cNvPr id="100" name="4.png"/>
+          <p:cNvPr id="100" name="装配图.png"/>
           <p:cNvPicPr>
             <a:picLocks xmlns:a="http://schemas.openxmlformats.org/drawingml/2006/main" noChangeAspect="1"/>
           </p:cNvPicPr>
           <p:nvPr/>
         </p:nvPicPr>
         <p:blipFill>
-          <a:blip xmlns:r="http://schemas.openxmlformats.org/officeDocument/2006/relationships" xmlns:a="http://schemas.openxmlformats.org/drawingml/2006/main" r:embed="R986ec62d65b5486e"/>
+          <a:blip xmlns:r="http://schemas.openxmlformats.org/officeDocument/2006/relationships" xmlns:a="http://schemas.openxmlformats.org/drawingml/2006/main" r:embed="Ra4bf579f817e402f"/>
           <a:stretch xmlns:a="http://schemas.openxmlformats.org/drawingml/2006/main">
             <a:fillRect/>
           </a:stretch>
@@ -9404,7 +10860,7 @@
 </p:sld>
 </file>
 
-<file path=ppt/slides/slide8.xml><?xml version="1.0" encoding="utf-8"?>
+<file path=ppt/slides/slide9.xml><?xml version="1.0" encoding="utf-8"?>
 <p:sld xmlns:p="http://schemas.openxmlformats.org/presentationml/2006/main">
   <p:cSld name="Blank">
     <p:spTree>
@@ -9423,14 +10879,14 @@
       </p:grpSpPr>
       <p:pic>
         <p:nvPicPr>
-          <p:cNvPr id="100" name="5.png"/>
+          <p:cNvPr id="100" name="框图.png"/>
           <p:cNvPicPr>
             <a:picLocks xmlns:a="http://schemas.openxmlformats.org/drawingml/2006/main" noChangeAspect="1"/>
           </p:cNvPicPr>
           <p:nvPr/>
         </p:nvPicPr>
         <p:blipFill>
-          <a:blip xmlns:r="http://schemas.openxmlformats.org/officeDocument/2006/relationships" xmlns:a="http://schemas.openxmlformats.org/drawingml/2006/main" r:embed="R0f4759a1c0d740ac"/>
+          <a:blip xmlns:r="http://schemas.openxmlformats.org/officeDocument/2006/relationships" xmlns:a="http://schemas.openxmlformats.org/drawingml/2006/main" r:embed="R3c82e56e744a41d7"/>
           <a:stretch xmlns:a="http://schemas.openxmlformats.org/drawingml/2006/main">
             <a:fillRect/>
           </a:stretch>
@@ -9603,346 +11059,6 @@
                 <a:latin typeface="Calibri"/>
               </a:rPr>
               <a:t>5.    Increase the all gate bias voltages to 0 V.</a:t>
-            </a:r>
-          </a:p>
-        </p:txBody>
-      </p:sp>
-    </p:spTree>
-  </p:cSld>
-  <p:clrMapOvr>
-    <a:masterClrMapping xmlns:a="http://schemas.openxmlformats.org/drawingml/2006/main"/>
-  </p:clrMapOvr>
-</p:sld>
-</file>
-
-<file path=ppt/slides/slide9.xml><?xml version="1.0" encoding="utf-8"?>
-<p:sld xmlns:p="http://schemas.openxmlformats.org/presentationml/2006/main">
-  <p:cSld name="Blank">
-    <p:spTree>
-      <p:nvGrpSpPr>
-        <p:cNvPr id="1" name=""/>
-        <p:cNvGrpSpPr/>
-        <p:nvPr/>
-      </p:nvGrpSpPr>
-      <p:grpSpPr>
-        <a:xfrm xmlns:a="http://schemas.openxmlformats.org/drawingml/2006/main">
-          <a:off x="0" y="0"/>
-          <a:ext cx="0" cy="0"/>
-          <a:chOff x="0" y="0"/>
-          <a:chExt cx="0" cy="0"/>
-        </a:xfrm>
-      </p:grpSpPr>
-      <p:sp>
-        <p:nvSpPr>
-          <p:cNvPr id="2" name="TextBox 2"/>
-          <p:cNvSpPr>
-            <a:spLocks xmlns:a="http://schemas.openxmlformats.org/drawingml/2006/main" noGrp="1"/>
-          </p:cNvSpPr>
-          <p:nvPr/>
-        </p:nvSpPr>
-        <p:spPr>
-          <a:xfrm xmlns:a="http://schemas.openxmlformats.org/drawingml/2006/main">
-            <a:off x="914400" y="1314000"/>
-            <a:ext cx="6000000" cy="350000"/>
-          </a:xfrm>
-          <a:prstGeom xmlns:a="http://schemas.openxmlformats.org/drawingml/2006/main" prst="rect">
-            <a:avLst/>
-          </a:prstGeom>
-        </p:spPr>
-        <p:txBody>
-          <a:bodyPr xmlns:a="http://schemas.openxmlformats.org/drawingml/2006/main"/>
-          <a:lstStyle xmlns:a="http://schemas.openxmlformats.org/drawingml/2006/main"/>
-          <a:p xmlns:a="http://schemas.openxmlformats.org/drawingml/2006/main">
-            <a:pPr algn="ctr"/>
-            <a:r>
-              <a:rPr sz="1400" b="1" u="sng">
-                <a:latin typeface="Calibri"/>
-              </a:rPr>
-              <a:t>Mounting Bonding Techniques for MMICs</a:t>
-            </a:r>
-          </a:p>
-        </p:txBody>
-      </p:sp>
-      <p:pic>
-        <p:nvPicPr>
-          <p:cNvPr id="100" name="6.png"/>
-          <p:cNvPicPr>
-            <a:picLocks xmlns:a="http://schemas.openxmlformats.org/drawingml/2006/main" noChangeAspect="1"/>
-          </p:cNvPicPr>
-          <p:nvPr/>
-        </p:nvPicPr>
-        <p:blipFill>
-          <a:blip xmlns:r="http://schemas.openxmlformats.org/officeDocument/2006/relationships" xmlns:a="http://schemas.openxmlformats.org/drawingml/2006/main" r:embed="R8b08ae87e74b4283"/>
-          <a:stretch xmlns:a="http://schemas.openxmlformats.org/drawingml/2006/main">
-            <a:fillRect/>
-          </a:stretch>
-        </p:blipFill>
-        <p:spPr>
-          <a:xfrm xmlns:a="http://schemas.openxmlformats.org/drawingml/2006/main">
-            <a:off x="1514400" y="1714000"/>
-            <a:ext cx="5000000" cy="1500000"/>
-          </a:xfrm>
-          <a:prstGeom xmlns:a="http://schemas.openxmlformats.org/drawingml/2006/main" prst="rect">
-            <a:avLst/>
-          </a:prstGeom>
-        </p:spPr>
-      </p:pic>
-      <p:sp>
-        <p:nvSpPr>
-          <p:cNvPr id="101" name="TextBox 101"/>
-          <p:cNvSpPr>
-            <a:spLocks xmlns:a="http://schemas.openxmlformats.org/drawingml/2006/main" noGrp="1"/>
-          </p:cNvSpPr>
-          <p:nvPr/>
-        </p:nvSpPr>
-        <p:spPr>
-          <a:xfrm xmlns:a="http://schemas.openxmlformats.org/drawingml/2006/main">
-            <a:off x="914400" y="3614000"/>
-            <a:ext cx="6000000" cy="2600000"/>
-          </a:xfrm>
-          <a:prstGeom xmlns:a="http://schemas.openxmlformats.org/drawingml/2006/main" prst="rect">
-            <a:avLst/>
-          </a:prstGeom>
-        </p:spPr>
-        <p:txBody>
-          <a:bodyPr xmlns:a="http://schemas.openxmlformats.org/drawingml/2006/main"/>
-          <a:lstStyle xmlns:a="http://schemas.openxmlformats.org/drawingml/2006/main"/>
-          <a:p xmlns:a="http://schemas.openxmlformats.org/drawingml/2006/main">
-            <a:pPr algn="l"/>
-            <a:r>
-              <a:rPr sz="1100" b="1">
-                <a:latin typeface="Calibri"/>
-              </a:rPr>
-              <a:t>Direct Mounting</a:t>
-            </a:r>
-          </a:p>
-          <a:p xmlns:a="http://schemas.openxmlformats.org/drawingml/2006/main">
-            <a:pPr indent="-180000" algn="l"/>
-            <a:r>
-              <a:rPr sz="1100" b="0">
-                <a:latin typeface="Calibri"/>
-              </a:rPr>
-              <a:t>1.Typically, the die is mounted directly on the ground plane.</a:t>
-            </a:r>
-          </a:p>
-          <a:p xmlns:a="http://schemas.openxmlformats.org/drawingml/2006/main">
-            <a:pPr indent="-180000" algn="l"/>
-            <a:r>
-              <a:rPr sz="1100" b="0">
-                <a:latin typeface="Calibri"/>
-              </a:rPr>
-              <a:t>2.If the thickness difference between the substrate (thickness c) and the die (thickness d) exceeds 0.05 mm (i.e., c – d &gt; 0.05 mm), it is recommended to first mount the die on a heat spreader, then attach the heat spreader to the ground plane.</a:t>
-            </a:r>
-          </a:p>
-          <a:p xmlns:a="http://schemas.openxmlformats.org/drawingml/2006/main">
-            <a:pPr indent="-180000" algn="l"/>
-            <a:r>
-              <a:rPr sz="1100" b="0">
-                <a:latin typeface="Calibri"/>
-              </a:rPr>
-              <a:t>3.Heat Spreader Material: Molybdenum-copper (MoCu) alloy is commonly used.</a:t>
-            </a:r>
-          </a:p>
-          <a:p xmlns:a="http://schemas.openxmlformats.org/drawingml/2006/main">
-            <a:pPr indent="-180000" algn="l"/>
-            <a:r>
-              <a:rPr sz="1100" b="0">
-                <a:latin typeface="Calibri"/>
-              </a:rPr>
-              <a:t>4.Heat Sink Thickness (b): Should be within the range of (c – d – 0.05 mm) to (c –d + 0.05 mm).</a:t>
-            </a:r>
-          </a:p>
-          <a:p xmlns:a="http://schemas.openxmlformats.org/drawingml/2006/main">
-            <a:pPr indent="-180000" algn="l"/>
-            <a:r>
-              <a:rPr sz="1100" b="0">
-                <a:latin typeface="Calibri"/>
-              </a:rPr>
-              <a:t>5.Spacing (a): The gap between the bare die and the 50Ω transmission line should typically be 0.05 mm to 0.1 mm. If the application frequency is higher than 40GHz, then this gap is recommended to be 0.05mm</a:t>
-            </a:r>
-          </a:p>
-          <a:p xmlns:a="http://schemas.openxmlformats.org/drawingml/2006/main">
-            <a:pPr indent="-180000" algn="l"/>
-            <a:r>
-              <a:rPr sz="1100" b="1">
-                <a:latin typeface="Calibri"/>
-              </a:rPr>
-              <a:t> Wire Bonding Interconnection</a:t>
-            </a:r>
-          </a:p>
-          <a:p xmlns:a="http://schemas.openxmlformats.org/drawingml/2006/main">
-            <a:pPr indent="-180000" algn="l"/>
-            <a:r>
-              <a:rPr sz="1100" b="0">
-                <a:latin typeface="Calibri"/>
-              </a:rPr>
-              <a:t>The connection between the die and the 50Ω transmission line is usually made using 25 μm diameter gold (Au) wires, bonded via wedge bonding or ball bonding processes.</a:t>
-            </a:r>
-          </a:p>
-          <a:p xmlns:a="http://schemas.openxmlformats.org/drawingml/2006/main">
-            <a:pPr indent="-180000" algn="l"/>
-            <a:r>
-              <a:rPr sz="1100" b="1">
-                <a:latin typeface="Calibri"/>
-              </a:rPr>
-              <a:t>Die Attachment Methods</a:t>
-            </a:r>
-          </a:p>
-          <a:p xmlns:a="http://schemas.openxmlformats.org/drawingml/2006/main">
-            <a:pPr indent="-180000" algn="l"/>
-            <a:r>
-              <a:rPr sz="1100" b="0">
-                <a:latin typeface="Calibri"/>
-              </a:rPr>
-              <a:t>1.Conductive Epoxy:</a:t>
-            </a:r>
-          </a:p>
-          <a:p xmlns:a="http://schemas.openxmlformats.org/drawingml/2006/main">
-            <a:pPr indent="-180000" algn="l"/>
-            <a:r>
-              <a:rPr sz="1100" b="0">
-                <a:latin typeface="Calibri"/>
-              </a:rPr>
-              <a:t>After adhesive application, cure according to the manufacturer’s recommended temperature profile.</a:t>
-            </a:r>
-          </a:p>
-          <a:p xmlns:a="http://schemas.openxmlformats.org/drawingml/2006/main">
-            <a:pPr indent="-180000" algn="l"/>
-            <a:r>
-              <a:rPr sz="1100" b="1">
-                <a:latin typeface="Calibri"/>
-              </a:rPr>
-              <a:t>2.Au-Sn80/20 Eutectic Bonding:</a:t>
-            </a:r>
-          </a:p>
-          <a:p xmlns:a="http://schemas.openxmlformats.org/drawingml/2006/main">
-            <a:pPr indent="-180000" algn="l"/>
-            <a:r>
-              <a:rPr sz="1100" b="0">
-                <a:latin typeface="Calibri"/>
-              </a:rPr>
-              <a:t>Use preformed Au-Sn80/20 solder preforms.</a:t>
-            </a:r>
-          </a:p>
-          <a:p xmlns:a="http://schemas.openxmlformats.org/drawingml/2006/main">
-            <a:pPr indent="-180000" algn="l"/>
-            <a:r>
-              <a:rPr sz="1100" b="0">
-                <a:latin typeface="Calibri"/>
-              </a:rPr>
-              <a:t>Perform bonding in an inert atmosphere (N₂ or forming gas: 90% N₂ + 10% H₂).</a:t>
-            </a:r>
-          </a:p>
-          <a:p xmlns:a="http://schemas.openxmlformats.org/drawingml/2006/main">
-            <a:pPr indent="-180000" algn="l"/>
-            <a:r>
-              <a:rPr sz="1100" b="0">
-                <a:latin typeface="Calibri"/>
-              </a:rPr>
-              <a:t>Keep the time above 320℃ to less than 20 seconds to prevent excessive intermetallic formation.</a:t>
-            </a:r>
-          </a:p>
-          <a:p xmlns:a="http://schemas.openxmlformats.org/drawingml/2006/main">
-            <a:pPr indent="-180000" algn="l"/>
-            <a:r>
-              <a:rPr sz="1100" b="0">
-                <a:latin typeface="Calibri"/>
-              </a:rPr>
-              <a:t/>
-            </a:r>
-          </a:p>
-        </p:txBody>
-      </p:sp>
-      <p:sp>
-        <p:nvSpPr>
-          <p:cNvPr id="102" name="TextBox 102"/>
-          <p:cNvSpPr>
-            <a:spLocks xmlns:a="http://schemas.openxmlformats.org/drawingml/2006/main" noGrp="1"/>
-          </p:cNvSpPr>
-          <p:nvPr/>
-        </p:nvSpPr>
-        <p:spPr>
-          <a:xfrm xmlns:a="http://schemas.openxmlformats.org/drawingml/2006/main">
-            <a:off x="914400" y="7414000"/>
-            <a:ext cx="6000000" cy="1400000"/>
-          </a:xfrm>
-          <a:prstGeom xmlns:a="http://schemas.openxmlformats.org/drawingml/2006/main" prst="rect">
-            <a:avLst/>
-          </a:prstGeom>
-        </p:spPr>
-        <p:txBody>
-          <a:bodyPr xmlns:a="http://schemas.openxmlformats.org/drawingml/2006/main"/>
-          <a:lstStyle xmlns:a="http://schemas.openxmlformats.org/drawingml/2006/main"/>
-          <a:p xmlns:a="http://schemas.openxmlformats.org/drawingml/2006/main">
-            <a:pPr algn="l"/>
-            <a:r>
-              <a:rPr sz="700" b="1">
-                <a:latin typeface="Calibri"/>
-              </a:rPr>
-              <a:t>Miller MMIC Inc. All rights reserved</a:t>
-            </a:r>
-          </a:p>
-          <a:p xmlns:a="http://schemas.openxmlformats.org/drawingml/2006/main">
-            <a:pPr indent="-180000" algn="l"/>
-            <a:r>
-              <a:rPr sz="700" b="0">
-                <a:latin typeface="Calibri"/>
-              </a:rPr>
-              <a:t>Miller MMIC, Inc. holds exclusive rights to the information presented in its Data Sheet and any accompanying materials. As a premier supplier of cutting-edge RF solutions, Miller MMIC has made this information easily accessible to its clients.</a:t>
-            </a:r>
-          </a:p>
-          <a:p xmlns:a="http://schemas.openxmlformats.org/drawingml/2006/main">
-            <a:pPr indent="-180000" algn="l"/>
-            <a:r>
-              <a:rPr sz="700" b="0">
-                <a:latin typeface="Calibri"/>
-              </a:rPr>
-              <a:t/>
-            </a:r>
-          </a:p>
-          <a:p xmlns:a="http://schemas.openxmlformats.org/drawingml/2006/main">
-            <a:pPr indent="-180000" algn="l"/>
-            <a:r>
-              <a:rPr sz="700" b="0">
-                <a:latin typeface="Calibri"/>
-              </a:rPr>
-              <a:t>Although Miller MMIC believes the information provided in its Data Sheet to be trustworthy, the company does not offer any guarantees as to its accuracy. Therefore, Miller MMIC bears no responsibility for the use of this information. It is worth mentioning that the information within the Data Sheet may be altered without prior notification.</a:t>
-            </a:r>
-          </a:p>
-          <a:p xmlns:a="http://schemas.openxmlformats.org/drawingml/2006/main">
-            <a:pPr indent="-180000" algn="l"/>
-            <a:r>
-              <a:rPr sz="700" b="0">
-                <a:latin typeface="Calibri"/>
-              </a:rPr>
-              <a:t/>
-            </a:r>
-          </a:p>
-          <a:p xmlns:a="http://schemas.openxmlformats.org/drawingml/2006/main">
-            <a:pPr indent="-180000" algn="l"/>
-            <a:r>
-              <a:rPr sz="700" b="0">
-                <a:latin typeface="Calibri"/>
-              </a:rPr>
-              <a:t>Customers are encouraged to obtain and verify the most recent and pertinent information before placing any orders for Miller MMIC products. The information in the Data Sheet does not confer, either explicitly or implicitly, any rights or licenses with regards to patents or other forms of intellectual property to any third party.</a:t>
-            </a:r>
-          </a:p>
-          <a:p xmlns:a="http://schemas.openxmlformats.org/drawingml/2006/main">
-            <a:pPr indent="-180000" algn="l"/>
-            <a:r>
-              <a:rPr sz="700" b="0">
-                <a:latin typeface="Calibri"/>
-              </a:rPr>
-              <a:t/>
-            </a:r>
-          </a:p>
-          <a:p xmlns:a="http://schemas.openxmlformats.org/drawingml/2006/main">
-            <a:pPr indent="-180000" algn="l"/>
-            <a:r>
-              <a:rPr sz="700" b="0">
-                <a:latin typeface="Calibri"/>
-              </a:rPr>
-              <a:t>The information provided in the Data Sheet, or its utilization, does not bestow any patent rights, licenses, or other forms of intellectual property rights to any individual or entity, whether in regards to the information itself or anything described by such information. Furthermore, Miller MMIC products are not intended for use as critical components in applications where failure could result in severe injury or death, such as medical or life-saving equipment, or life-sustaining applications, or in any situation where failure could cause serious personal injury or death.</a:t>
             </a:r>
           </a:p>
         </p:txBody>
